--- a/170718_Vorstellung.pptx
+++ b/170718_Vorstellung.pptx
@@ -14,12 +14,16 @@
     <p:sldId id="258" r:id="rId8"/>
     <p:sldId id="266" r:id="rId9"/>
     <p:sldId id="262" r:id="rId10"/>
-    <p:sldId id="263" r:id="rId11"/>
-    <p:sldId id="264" r:id="rId12"/>
-    <p:sldId id="267" r:id="rId13"/>
-    <p:sldId id="268" r:id="rId14"/>
-    <p:sldId id="269" r:id="rId15"/>
-    <p:sldId id="270" r:id="rId16"/>
+    <p:sldId id="275" r:id="rId11"/>
+    <p:sldId id="263" r:id="rId12"/>
+    <p:sldId id="264" r:id="rId13"/>
+    <p:sldId id="276" r:id="rId14"/>
+    <p:sldId id="267" r:id="rId15"/>
+    <p:sldId id="268" r:id="rId16"/>
+    <p:sldId id="277" r:id="rId17"/>
+    <p:sldId id="269" r:id="rId18"/>
+    <p:sldId id="270" r:id="rId19"/>
+    <p:sldId id="278" r:id="rId20"/>
   </p:sldIdLst>
   <p:sldSz cx="12192000" cy="6858000"/>
   <p:notesSz cx="6858000" cy="9144000"/>
@@ -275,7 +279,7 @@
           <a:p>
             <a:fld id="{7E59B6AF-789E-4975-AE0A-63013BA483CC}" type="datetimeFigureOut">
               <a:rPr lang="en-GB" smtClean="0"/>
-              <a:t>16/07/2018</a:t>
+              <a:t>17/07/2018</a:t>
             </a:fld>
             <a:endParaRPr lang="en-GB" dirty="0"/>
           </a:p>
@@ -475,7 +479,7 @@
           <a:p>
             <a:fld id="{7E59B6AF-789E-4975-AE0A-63013BA483CC}" type="datetimeFigureOut">
               <a:rPr lang="en-GB" smtClean="0"/>
-              <a:t>16/07/2018</a:t>
+              <a:t>17/07/2018</a:t>
             </a:fld>
             <a:endParaRPr lang="en-GB" dirty="0"/>
           </a:p>
@@ -685,7 +689,7 @@
           <a:p>
             <a:fld id="{7E59B6AF-789E-4975-AE0A-63013BA483CC}" type="datetimeFigureOut">
               <a:rPr lang="en-GB" smtClean="0"/>
-              <a:t>16/07/2018</a:t>
+              <a:t>17/07/2018</a:t>
             </a:fld>
             <a:endParaRPr lang="en-GB" dirty="0"/>
           </a:p>
@@ -885,7 +889,7 @@
           <a:p>
             <a:fld id="{7E59B6AF-789E-4975-AE0A-63013BA483CC}" type="datetimeFigureOut">
               <a:rPr lang="en-GB" smtClean="0"/>
-              <a:t>16/07/2018</a:t>
+              <a:t>17/07/2018</a:t>
             </a:fld>
             <a:endParaRPr lang="en-GB" dirty="0"/>
           </a:p>
@@ -1161,7 +1165,7 @@
           <a:p>
             <a:fld id="{7E59B6AF-789E-4975-AE0A-63013BA483CC}" type="datetimeFigureOut">
               <a:rPr lang="en-GB" smtClean="0"/>
-              <a:t>16/07/2018</a:t>
+              <a:t>17/07/2018</a:t>
             </a:fld>
             <a:endParaRPr lang="en-GB" dirty="0"/>
           </a:p>
@@ -1429,7 +1433,7 @@
           <a:p>
             <a:fld id="{7E59B6AF-789E-4975-AE0A-63013BA483CC}" type="datetimeFigureOut">
               <a:rPr lang="en-GB" smtClean="0"/>
-              <a:t>16/07/2018</a:t>
+              <a:t>17/07/2018</a:t>
             </a:fld>
             <a:endParaRPr lang="en-GB" dirty="0"/>
           </a:p>
@@ -1844,7 +1848,7 @@
           <a:p>
             <a:fld id="{7E59B6AF-789E-4975-AE0A-63013BA483CC}" type="datetimeFigureOut">
               <a:rPr lang="en-GB" smtClean="0"/>
-              <a:t>16/07/2018</a:t>
+              <a:t>17/07/2018</a:t>
             </a:fld>
             <a:endParaRPr lang="en-GB" dirty="0"/>
           </a:p>
@@ -1986,7 +1990,7 @@
           <a:p>
             <a:fld id="{7E59B6AF-789E-4975-AE0A-63013BA483CC}" type="datetimeFigureOut">
               <a:rPr lang="en-GB" smtClean="0"/>
-              <a:t>16/07/2018</a:t>
+              <a:t>17/07/2018</a:t>
             </a:fld>
             <a:endParaRPr lang="en-GB" dirty="0"/>
           </a:p>
@@ -2099,7 +2103,7 @@
           <a:p>
             <a:fld id="{7E59B6AF-789E-4975-AE0A-63013BA483CC}" type="datetimeFigureOut">
               <a:rPr lang="en-GB" smtClean="0"/>
-              <a:t>16/07/2018</a:t>
+              <a:t>17/07/2018</a:t>
             </a:fld>
             <a:endParaRPr lang="en-GB" dirty="0"/>
           </a:p>
@@ -2412,7 +2416,7 @@
           <a:p>
             <a:fld id="{7E59B6AF-789E-4975-AE0A-63013BA483CC}" type="datetimeFigureOut">
               <a:rPr lang="en-GB" smtClean="0"/>
-              <a:t>16/07/2018</a:t>
+              <a:t>17/07/2018</a:t>
             </a:fld>
             <a:endParaRPr lang="en-GB" dirty="0"/>
           </a:p>
@@ -2701,7 +2705,7 @@
           <a:p>
             <a:fld id="{7E59B6AF-789E-4975-AE0A-63013BA483CC}" type="datetimeFigureOut">
               <a:rPr lang="en-GB" smtClean="0"/>
-              <a:t>16/07/2018</a:t>
+              <a:t>17/07/2018</a:t>
             </a:fld>
             <a:endParaRPr lang="en-GB" dirty="0"/>
           </a:p>
@@ -2944,7 +2948,7 @@
           <a:p>
             <a:fld id="{7E59B6AF-789E-4975-AE0A-63013BA483CC}" type="datetimeFigureOut">
               <a:rPr lang="en-GB" smtClean="0"/>
-              <a:t>16/07/2018</a:t>
+              <a:t>17/07/2018</a:t>
             </a:fld>
             <a:endParaRPr lang="en-GB" dirty="0"/>
           </a:p>
@@ -3347,6 +3351,535 @@
 <file path=ppt/slides/slide1.xml><?xml version="1.0" encoding="utf-8"?>
 <p:sld xmlns:a="http://schemas.openxmlformats.org/drawingml/2006/main" xmlns:r="http://schemas.openxmlformats.org/officeDocument/2006/relationships" xmlns:p="http://schemas.openxmlformats.org/presentationml/2006/main">
   <p:cSld>
+    <p:bg>
+      <p:bgPr>
+        <a:solidFill>
+          <a:schemeClr val="bg1"/>
+        </a:solidFill>
+        <a:effectLst/>
+      </p:bgPr>
+    </p:bg>
+    <p:spTree>
+      <p:nvGrpSpPr>
+        <p:cNvPr id="1" name=""/>
+        <p:cNvGrpSpPr/>
+        <p:nvPr/>
+      </p:nvGrpSpPr>
+      <p:grpSpPr>
+        <a:xfrm>
+          <a:off x="0" y="0"/>
+          <a:ext cx="0" cy="0"/>
+          <a:chOff x="0" y="0"/>
+          <a:chExt cx="0" cy="0"/>
+        </a:xfrm>
+      </p:grpSpPr>
+      <p:sp>
+        <p:nvSpPr>
+          <p:cNvPr id="8" name="Rectangle 7">
+            <a:extLst>
+              <a:ext uri="{FF2B5EF4-FFF2-40B4-BE49-F238E27FC236}">
+                <a16:creationId xmlns:a16="http://schemas.microsoft.com/office/drawing/2014/main" id="{6F9EB9F2-07E2-4D64-BBD8-BB5B217F1218}"/>
+              </a:ext>
+              <a:ext uri="{C183D7F6-B498-43B3-948B-1728B52AA6E4}">
+                <adec:decorative xmlns:adec="http://schemas.microsoft.com/office/drawing/2017/decorative" val="1"/>
+              </a:ext>
+            </a:extLst>
+          </p:cNvPr>
+          <p:cNvSpPr>
+            <a:spLocks noGrp="1" noRot="1" noChangeAspect="1" noMove="1" noResize="1" noEditPoints="1" noAdjustHandles="1" noChangeArrowheads="1" noChangeShapeType="1" noTextEdit="1"/>
+          </p:cNvSpPr>
+          <p:nvPr>
+            <p:extLst>
+              <p:ext uri="{386F3935-93C4-4BCD-93E2-E3B085C9AB24}">
+                <p16:designElem xmlns:p16="http://schemas.microsoft.com/office/powerpoint/2015/main" val="1"/>
+              </p:ext>
+            </p:extLst>
+          </p:nvPr>
+        </p:nvSpPr>
+        <p:spPr bwMode="ltGray">
+          <a:xfrm>
+            <a:off x="321564" y="320040"/>
+            <a:ext cx="11548872" cy="6217920"/>
+          </a:xfrm>
+          <a:prstGeom prst="rect">
+            <a:avLst/>
+          </a:prstGeom>
+          <a:solidFill>
+            <a:schemeClr val="tx1">
+              <a:alpha val="12000"/>
+            </a:schemeClr>
+          </a:solidFill>
+          <a:ln w="127000" cap="sq" cmpd="thinThick">
+            <a:noFill/>
+          </a:ln>
+        </p:spPr>
+        <p:style>
+          <a:lnRef idx="2">
+            <a:schemeClr val="accent1">
+              <a:shade val="50000"/>
+            </a:schemeClr>
+          </a:lnRef>
+          <a:fillRef idx="1">
+            <a:schemeClr val="accent1"/>
+          </a:fillRef>
+          <a:effectRef idx="0">
+            <a:schemeClr val="accent1"/>
+          </a:effectRef>
+          <a:fontRef idx="minor">
+            <a:schemeClr val="lt1"/>
+          </a:fontRef>
+        </p:style>
+        <p:txBody>
+          <a:bodyPr rtlCol="0" anchor="ctr"/>
+          <a:lstStyle/>
+          <a:p>
+            <a:pPr algn="ctr"/>
+            <a:endParaRPr lang="en-US"/>
+          </a:p>
+        </p:txBody>
+      </p:sp>
+      <p:sp>
+        <p:nvSpPr>
+          <p:cNvPr id="2" name="Titel 1">
+            <a:extLst>
+              <a:ext uri="{FF2B5EF4-FFF2-40B4-BE49-F238E27FC236}">
+                <a16:creationId xmlns:a16="http://schemas.microsoft.com/office/drawing/2014/main" id="{54B92893-D47A-4E47-85F6-74A4C9C55774}"/>
+              </a:ext>
+            </a:extLst>
+          </p:cNvPr>
+          <p:cNvSpPr>
+            <a:spLocks noGrp="1"/>
+          </p:cNvSpPr>
+          <p:nvPr>
+            <p:ph type="ctrTitle"/>
+          </p:nvPr>
+        </p:nvSpPr>
+        <p:spPr>
+          <a:xfrm>
+            <a:off x="4380588" y="965199"/>
+            <a:ext cx="6766078" cy="4927601"/>
+          </a:xfrm>
+        </p:spPr>
+        <p:txBody>
+          <a:bodyPr anchor="ctr">
+            <a:normAutofit/>
+          </a:bodyPr>
+          <a:lstStyle/>
+          <a:p>
+            <a:pPr algn="l"/>
+            <a:r>
+              <a:rPr lang="de-DE" sz="5400">
+                <a:solidFill>
+                  <a:schemeClr val="tx1">
+                    <a:lumMod val="85000"/>
+                    <a:lumOff val="15000"/>
+                  </a:schemeClr>
+                </a:solidFill>
+              </a:rPr>
+              <a:t>Gruppe 7</a:t>
+            </a:r>
+            <a:endParaRPr lang="en-GB" sz="5400">
+              <a:solidFill>
+                <a:schemeClr val="tx1">
+                  <a:lumMod val="85000"/>
+                  <a:lumOff val="15000"/>
+                </a:schemeClr>
+              </a:solidFill>
+            </a:endParaRPr>
+          </a:p>
+        </p:txBody>
+      </p:sp>
+      <p:sp>
+        <p:nvSpPr>
+          <p:cNvPr id="3" name="Untertitel 2">
+            <a:extLst>
+              <a:ext uri="{FF2B5EF4-FFF2-40B4-BE49-F238E27FC236}">
+                <a16:creationId xmlns:a16="http://schemas.microsoft.com/office/drawing/2014/main" id="{35565521-AE25-47B0-B881-99D7BFAFE0A2}"/>
+              </a:ext>
+            </a:extLst>
+          </p:cNvPr>
+          <p:cNvSpPr>
+            <a:spLocks noGrp="1"/>
+          </p:cNvSpPr>
+          <p:nvPr>
+            <p:ph type="subTitle" idx="1"/>
+          </p:nvPr>
+        </p:nvSpPr>
+        <p:spPr>
+          <a:xfrm>
+            <a:off x="1023257" y="965198"/>
+            <a:ext cx="2707937" cy="4927602"/>
+          </a:xfrm>
+        </p:spPr>
+        <p:txBody>
+          <a:bodyPr anchor="ctr">
+            <a:normAutofit/>
+          </a:bodyPr>
+          <a:lstStyle/>
+          <a:p>
+            <a:pPr algn="r"/>
+            <a:r>
+              <a:rPr lang="de-DE" sz="2000">
+                <a:solidFill>
+                  <a:schemeClr val="accent1"/>
+                </a:solidFill>
+              </a:rPr>
+              <a:t> Fließbildwerkzeug zur Simulation einer Flashkaskade</a:t>
+            </a:r>
+            <a:endParaRPr lang="en-GB" sz="2000">
+              <a:solidFill>
+                <a:schemeClr val="accent1"/>
+              </a:solidFill>
+            </a:endParaRPr>
+          </a:p>
+        </p:txBody>
+      </p:sp>
+      <p:cxnSp>
+        <p:nvCxnSpPr>
+          <p:cNvPr id="10" name="Straight Connector 9">
+            <a:extLst>
+              <a:ext uri="{FF2B5EF4-FFF2-40B4-BE49-F238E27FC236}">
+                <a16:creationId xmlns:a16="http://schemas.microsoft.com/office/drawing/2014/main" id="{F0C57C7C-DFE9-4A1E-B7A9-DF40E63366BB}"/>
+              </a:ext>
+              <a:ext uri="{C183D7F6-B498-43B3-948B-1728B52AA6E4}">
+                <adec:decorative xmlns:adec="http://schemas.microsoft.com/office/drawing/2017/decorative" val="1"/>
+              </a:ext>
+            </a:extLst>
+          </p:cNvPr>
+          <p:cNvCxnSpPr>
+            <a:cxnSpLocks noGrp="1" noRot="1" noChangeAspect="1" noMove="1" noResize="1" noEditPoints="1" noAdjustHandles="1" noChangeArrowheads="1" noChangeShapeType="1"/>
+          </p:cNvCxnSpPr>
+          <p:nvPr>
+            <p:extLst>
+              <p:ext uri="{386F3935-93C4-4BCD-93E2-E3B085C9AB24}">
+                <p16:designElem xmlns:p16="http://schemas.microsoft.com/office/powerpoint/2015/main" val="1"/>
+              </p:ext>
+            </p:extLst>
+          </p:nvPr>
+        </p:nvCxnSpPr>
+        <p:spPr>
+          <a:xfrm>
+            <a:off x="4055891" y="2057399"/>
+            <a:ext cx="0" cy="2743200"/>
+          </a:xfrm>
+          <a:prstGeom prst="line">
+            <a:avLst/>
+          </a:prstGeom>
+          <a:ln w="19050">
+            <a:solidFill>
+              <a:schemeClr val="tx1">
+                <a:lumMod val="85000"/>
+                <a:lumOff val="15000"/>
+              </a:schemeClr>
+            </a:solidFill>
+          </a:ln>
+        </p:spPr>
+        <p:style>
+          <a:lnRef idx="1">
+            <a:schemeClr val="accent1"/>
+          </a:lnRef>
+          <a:fillRef idx="0">
+            <a:schemeClr val="accent1"/>
+          </a:fillRef>
+          <a:effectRef idx="0">
+            <a:schemeClr val="accent1"/>
+          </a:effectRef>
+          <a:fontRef idx="minor">
+            <a:schemeClr val="tx1"/>
+          </a:fontRef>
+        </p:style>
+      </p:cxnSp>
+    </p:spTree>
+    <p:extLst>
+      <p:ext uri="{BB962C8B-B14F-4D97-AF65-F5344CB8AC3E}">
+        <p14:creationId xmlns:p14="http://schemas.microsoft.com/office/powerpoint/2010/main" val="3874174421"/>
+      </p:ext>
+    </p:extLst>
+  </p:cSld>
+  <p:clrMapOvr>
+    <a:masterClrMapping/>
+  </p:clrMapOvr>
+</p:sld>
+</file>
+
+<file path=ppt/slides/slide10.xml><?xml version="1.0" encoding="utf-8"?>
+<p:sld xmlns:a="http://schemas.openxmlformats.org/drawingml/2006/main" xmlns:r="http://schemas.openxmlformats.org/officeDocument/2006/relationships" xmlns:p="http://schemas.openxmlformats.org/presentationml/2006/main">
+  <p:cSld>
+    <p:bg>
+      <p:bgPr>
+        <a:solidFill>
+          <a:schemeClr val="bg1"/>
+        </a:solidFill>
+        <a:effectLst/>
+      </p:bgPr>
+    </p:bg>
+    <p:spTree>
+      <p:nvGrpSpPr>
+        <p:cNvPr id="1" name=""/>
+        <p:cNvGrpSpPr/>
+        <p:nvPr/>
+      </p:nvGrpSpPr>
+      <p:grpSpPr>
+        <a:xfrm>
+          <a:off x="0" y="0"/>
+          <a:ext cx="0" cy="0"/>
+          <a:chOff x="0" y="0"/>
+          <a:chExt cx="0" cy="0"/>
+        </a:xfrm>
+      </p:grpSpPr>
+      <p:sp>
+        <p:nvSpPr>
+          <p:cNvPr id="13" name="Rectangle 12">
+            <a:extLst>
+              <a:ext uri="{FF2B5EF4-FFF2-40B4-BE49-F238E27FC236}">
+                <a16:creationId xmlns:a16="http://schemas.microsoft.com/office/drawing/2014/main" id="{6753252F-4873-4F63-801D-CC719279A7D5}"/>
+              </a:ext>
+              <a:ext uri="{C183D7F6-B498-43B3-948B-1728B52AA6E4}">
+                <adec:decorative xmlns:adec="http://schemas.microsoft.com/office/drawing/2017/decorative" val="1"/>
+              </a:ext>
+            </a:extLst>
+          </p:cNvPr>
+          <p:cNvSpPr>
+            <a:spLocks noGrp="1" noRot="1" noChangeAspect="1" noMove="1" noResize="1" noEditPoints="1" noAdjustHandles="1" noChangeArrowheads="1" noChangeShapeType="1" noTextEdit="1"/>
+          </p:cNvSpPr>
+          <p:nvPr>
+            <p:extLst>
+              <p:ext uri="{386F3935-93C4-4BCD-93E2-E3B085C9AB24}">
+                <p16:designElem xmlns:p16="http://schemas.microsoft.com/office/powerpoint/2015/main" val="1"/>
+              </p:ext>
+            </p:extLst>
+          </p:nvPr>
+        </p:nvSpPr>
+        <p:spPr>
+          <a:xfrm>
+            <a:off x="0" y="0"/>
+            <a:ext cx="12192000" cy="6858000"/>
+          </a:xfrm>
+          <a:prstGeom prst="rect">
+            <a:avLst/>
+          </a:prstGeom>
+          <a:solidFill>
+            <a:srgbClr val="FFFFFF"/>
+          </a:solidFill>
+          <a:ln>
+            <a:noFill/>
+          </a:ln>
+        </p:spPr>
+        <p:style>
+          <a:lnRef idx="2">
+            <a:schemeClr val="accent1">
+              <a:shade val="50000"/>
+            </a:schemeClr>
+          </a:lnRef>
+          <a:fillRef idx="1">
+            <a:schemeClr val="accent1"/>
+          </a:fillRef>
+          <a:effectRef idx="0">
+            <a:schemeClr val="accent1"/>
+          </a:effectRef>
+          <a:fontRef idx="minor">
+            <a:schemeClr val="lt1"/>
+          </a:fontRef>
+        </p:style>
+        <p:txBody>
+          <a:bodyPr rtlCol="0" anchor="ctr"/>
+          <a:lstStyle/>
+          <a:p>
+            <a:pPr algn="ctr"/>
+            <a:endParaRPr lang="en-US"/>
+          </a:p>
+        </p:txBody>
+      </p:sp>
+      <p:sp>
+        <p:nvSpPr>
+          <p:cNvPr id="15" name="Rectangle 14">
+            <a:extLst>
+              <a:ext uri="{FF2B5EF4-FFF2-40B4-BE49-F238E27FC236}">
+                <a16:creationId xmlns:a16="http://schemas.microsoft.com/office/drawing/2014/main" id="{047C8CCB-F95D-4249-92DD-651249D3535A}"/>
+              </a:ext>
+              <a:ext uri="{C183D7F6-B498-43B3-948B-1728B52AA6E4}">
+                <adec:decorative xmlns:adec="http://schemas.microsoft.com/office/drawing/2017/decorative" val="1"/>
+              </a:ext>
+            </a:extLst>
+          </p:cNvPr>
+          <p:cNvSpPr>
+            <a:spLocks noGrp="1" noRot="1" noChangeAspect="1" noMove="1" noResize="1" noEditPoints="1" noAdjustHandles="1" noChangeArrowheads="1" noChangeShapeType="1" noTextEdit="1"/>
+          </p:cNvSpPr>
+          <p:nvPr>
+            <p:extLst>
+              <p:ext uri="{386F3935-93C4-4BCD-93E2-E3B085C9AB24}">
+                <p16:designElem xmlns:p16="http://schemas.microsoft.com/office/powerpoint/2015/main" val="1"/>
+              </p:ext>
+            </p:extLst>
+          </p:nvPr>
+        </p:nvSpPr>
+        <p:spPr>
+          <a:xfrm>
+            <a:off x="0" y="0"/>
+            <a:ext cx="2013557" cy="6858000"/>
+          </a:xfrm>
+          <a:prstGeom prst="rect">
+            <a:avLst/>
+          </a:prstGeom>
+          <a:solidFill>
+            <a:srgbClr val="7F7F7F"/>
+          </a:solidFill>
+          <a:ln>
+            <a:noFill/>
+          </a:ln>
+        </p:spPr>
+        <p:style>
+          <a:lnRef idx="2">
+            <a:schemeClr val="accent1">
+              <a:shade val="50000"/>
+            </a:schemeClr>
+          </a:lnRef>
+          <a:fillRef idx="1">
+            <a:schemeClr val="accent1"/>
+          </a:fillRef>
+          <a:effectRef idx="0">
+            <a:schemeClr val="accent1"/>
+          </a:effectRef>
+          <a:fontRef idx="minor">
+            <a:schemeClr val="lt1"/>
+          </a:fontRef>
+        </p:style>
+        <p:txBody>
+          <a:bodyPr rtlCol="0" anchor="ctr"/>
+          <a:lstStyle/>
+          <a:p>
+            <a:pPr algn="ctr"/>
+            <a:endParaRPr lang="en-US"/>
+          </a:p>
+        </p:txBody>
+      </p:sp>
+      <p:sp>
+        <p:nvSpPr>
+          <p:cNvPr id="2" name="Titel 1">
+            <a:extLst>
+              <a:ext uri="{FF2B5EF4-FFF2-40B4-BE49-F238E27FC236}">
+                <a16:creationId xmlns:a16="http://schemas.microsoft.com/office/drawing/2014/main" id="{4D06747E-6888-485D-A461-B7CBF4FB1183}"/>
+              </a:ext>
+            </a:extLst>
+          </p:cNvPr>
+          <p:cNvSpPr>
+            <a:spLocks noGrp="1"/>
+          </p:cNvSpPr>
+          <p:nvPr>
+            <p:ph type="title"/>
+          </p:nvPr>
+        </p:nvSpPr>
+        <p:spPr>
+          <a:xfrm>
+            <a:off x="640080" y="2074363"/>
+            <a:ext cx="2752354" cy="2709275"/>
+          </a:xfrm>
+          <a:prstGeom prst="ellipse">
+            <a:avLst/>
+          </a:prstGeom>
+          <a:solidFill>
+            <a:srgbClr val="262626"/>
+          </a:solidFill>
+          <a:ln w="174625" cmpd="thinThick">
+            <a:solidFill>
+              <a:srgbClr val="262626"/>
+            </a:solidFill>
+          </a:ln>
+        </p:spPr>
+        <p:txBody>
+          <a:bodyPr vert="horz" lIns="91440" tIns="45720" rIns="91440" bIns="45720" rtlCol="0" anchor="ctr">
+            <a:normAutofit/>
+          </a:bodyPr>
+          <a:lstStyle/>
+          <a:p>
+            <a:pPr algn="ctr"/>
+            <a:r>
+              <a:rPr lang="en-US" sz="2000" kern="1200" dirty="0" err="1">
+                <a:solidFill>
+                  <a:srgbClr val="FFFFFF"/>
+                </a:solidFill>
+                <a:latin typeface="+mj-lt"/>
+                <a:ea typeface="+mj-ea"/>
+                <a:cs typeface="+mj-cs"/>
+              </a:rPr>
+              <a:t>Anwendungsfälle</a:t>
+            </a:r>
+            <a:r>
+              <a:rPr lang="en-US" sz="2000" kern="1200" dirty="0">
+                <a:solidFill>
+                  <a:srgbClr val="FFFFFF"/>
+                </a:solidFill>
+                <a:latin typeface="+mj-lt"/>
+                <a:ea typeface="+mj-ea"/>
+                <a:cs typeface="+mj-cs"/>
+              </a:rPr>
+              <a:t> 1 </a:t>
+            </a:r>
+          </a:p>
+        </p:txBody>
+      </p:sp>
+      <p:pic>
+        <p:nvPicPr>
+          <p:cNvPr id="8" name="Inhaltsplatzhalter 7">
+            <a:extLst>
+              <a:ext uri="{FF2B5EF4-FFF2-40B4-BE49-F238E27FC236}">
+                <a16:creationId xmlns:a16="http://schemas.microsoft.com/office/drawing/2014/main" id="{457F5247-84D8-4BC0-B8E6-D6B0F68C7035}"/>
+              </a:ext>
+            </a:extLst>
+          </p:cNvPr>
+          <p:cNvPicPr>
+            <a:picLocks noGrp="1" noChangeAspect="1"/>
+          </p:cNvPicPr>
+          <p:nvPr>
+            <p:ph idx="1"/>
+          </p:nvPr>
+        </p:nvPicPr>
+        <p:blipFill>
+          <a:blip r:embed="rId2">
+            <a:extLst>
+              <a:ext uri="{28A0092B-C50C-407E-A947-70E740481C1C}">
+                <a14:useLocalDpi xmlns:a14="http://schemas.microsoft.com/office/drawing/2010/main" val="0"/>
+              </a:ext>
+            </a:extLst>
+          </a:blip>
+          <a:stretch>
+            <a:fillRect/>
+          </a:stretch>
+        </p:blipFill>
+        <p:spPr>
+          <a:xfrm>
+            <a:off x="5228844" y="961812"/>
+            <a:ext cx="4807711" cy="4930987"/>
+          </a:xfrm>
+          <a:prstGeom prst="rect">
+            <a:avLst/>
+          </a:prstGeom>
+        </p:spPr>
+      </p:pic>
+    </p:spTree>
+    <p:extLst>
+      <p:ext uri="{BB962C8B-B14F-4D97-AF65-F5344CB8AC3E}">
+        <p14:creationId xmlns:p14="http://schemas.microsoft.com/office/powerpoint/2010/main" val="1547026333"/>
+      </p:ext>
+    </p:extLst>
+  </p:cSld>
+  <p:clrMapOvr>
+    <a:masterClrMapping/>
+  </p:clrMapOvr>
+</p:sld>
+</file>
+
+<file path=ppt/slides/slide11.xml><?xml version="1.0" encoding="utf-8"?>
+<p:sld xmlns:a="http://schemas.openxmlformats.org/drawingml/2006/main" xmlns:r="http://schemas.openxmlformats.org/officeDocument/2006/relationships" xmlns:p="http://schemas.openxmlformats.org/presentationml/2006/main">
+  <p:cSld>
+    <p:bg>
+      <p:bgPr>
+        <a:solidFill>
+          <a:schemeClr val="bg1"/>
+        </a:solidFill>
+        <a:effectLst/>
+      </p:bgPr>
+    </p:bg>
     <p:spTree>
       <p:nvGrpSpPr>
         <p:cNvPr id="1" name=""/>
@@ -3366,94 +3899,6 @@
           <p:cNvPr id="2" name="Titel 1">
             <a:extLst>
               <a:ext uri="{FF2B5EF4-FFF2-40B4-BE49-F238E27FC236}">
-                <a16:creationId xmlns:a16="http://schemas.microsoft.com/office/drawing/2014/main" id="{54B92893-D47A-4E47-85F6-74A4C9C55774}"/>
-              </a:ext>
-            </a:extLst>
-          </p:cNvPr>
-          <p:cNvSpPr>
-            <a:spLocks noGrp="1"/>
-          </p:cNvSpPr>
-          <p:nvPr>
-            <p:ph type="ctrTitle"/>
-          </p:nvPr>
-        </p:nvSpPr>
-        <p:spPr/>
-        <p:txBody>
-          <a:bodyPr/>
-          <a:lstStyle/>
-          <a:p>
-            <a:r>
-              <a:rPr lang="de-DE" dirty="0"/>
-              <a:t>Gruppe 7</a:t>
-            </a:r>
-            <a:endParaRPr lang="en-GB" dirty="0"/>
-          </a:p>
-        </p:txBody>
-      </p:sp>
-      <p:sp>
-        <p:nvSpPr>
-          <p:cNvPr id="3" name="Untertitel 2">
-            <a:extLst>
-              <a:ext uri="{FF2B5EF4-FFF2-40B4-BE49-F238E27FC236}">
-                <a16:creationId xmlns:a16="http://schemas.microsoft.com/office/drawing/2014/main" id="{35565521-AE25-47B0-B881-99D7BFAFE0A2}"/>
-              </a:ext>
-            </a:extLst>
-          </p:cNvPr>
-          <p:cNvSpPr>
-            <a:spLocks noGrp="1"/>
-          </p:cNvSpPr>
-          <p:nvPr>
-            <p:ph type="subTitle" idx="1"/>
-          </p:nvPr>
-        </p:nvSpPr>
-        <p:spPr/>
-        <p:txBody>
-          <a:bodyPr/>
-          <a:lstStyle/>
-          <a:p>
-            <a:r>
-              <a:rPr lang="de-DE" dirty="0"/>
-              <a:t> Fließbildwerkzeug zur Simulation einer Flashkaskade</a:t>
-            </a:r>
-            <a:endParaRPr lang="en-GB" dirty="0"/>
-          </a:p>
-        </p:txBody>
-      </p:sp>
-    </p:spTree>
-    <p:extLst>
-      <p:ext uri="{BB962C8B-B14F-4D97-AF65-F5344CB8AC3E}">
-        <p14:creationId xmlns:p14="http://schemas.microsoft.com/office/powerpoint/2010/main" val="3874174421"/>
-      </p:ext>
-    </p:extLst>
-  </p:cSld>
-  <p:clrMapOvr>
-    <a:masterClrMapping/>
-  </p:clrMapOvr>
-</p:sld>
-</file>
-
-<file path=ppt/slides/slide10.xml><?xml version="1.0" encoding="utf-8"?>
-<p:sld xmlns:a="http://schemas.openxmlformats.org/drawingml/2006/main" xmlns:r="http://schemas.openxmlformats.org/officeDocument/2006/relationships" xmlns:p="http://schemas.openxmlformats.org/presentationml/2006/main">
-  <p:cSld>
-    <p:spTree>
-      <p:nvGrpSpPr>
-        <p:cNvPr id="1" name=""/>
-        <p:cNvGrpSpPr/>
-        <p:nvPr/>
-      </p:nvGrpSpPr>
-      <p:grpSpPr>
-        <a:xfrm>
-          <a:off x="0" y="0"/>
-          <a:ext cx="0" cy="0"/>
-          <a:chOff x="0" y="0"/>
-          <a:chExt cx="0" cy="0"/>
-        </a:xfrm>
-      </p:grpSpPr>
-      <p:sp>
-        <p:nvSpPr>
-          <p:cNvPr id="2" name="Titel 1">
-            <a:extLst>
-              <a:ext uri="{FF2B5EF4-FFF2-40B4-BE49-F238E27FC236}">
                 <a16:creationId xmlns:a16="http://schemas.microsoft.com/office/drawing/2014/main" id="{4D06747E-6888-485D-A461-B7CBF4FB1183}"/>
               </a:ext>
             </a:extLst>
@@ -3465,9 +3910,16 @@
             <p:ph type="title"/>
           </p:nvPr>
         </p:nvSpPr>
-        <p:spPr/>
+        <p:spPr>
+          <a:xfrm>
+            <a:off x="838200" y="365125"/>
+            <a:ext cx="10515600" cy="1325563"/>
+          </a:xfrm>
+        </p:spPr>
         <p:txBody>
-          <a:bodyPr/>
+          <a:bodyPr>
+            <a:normAutofit/>
+          </a:bodyPr>
           <a:lstStyle/>
           <a:p>
             <a:r>
@@ -3494,20 +3946,20 @@
             <p:ph idx="1"/>
             <p:extLst>
               <p:ext uri="{D42A27DB-BD31-4B8C-83A1-F6EECF244321}">
-                <p14:modId xmlns:p14="http://schemas.microsoft.com/office/powerpoint/2010/main" val="602352703"/>
+                <p14:modId xmlns:p14="http://schemas.microsoft.com/office/powerpoint/2010/main" val="4085790413"/>
               </p:ext>
             </p:extLst>
           </p:nvPr>
         </p:nvGraphicFramePr>
         <p:xfrm>
-          <a:off x="838200" y="1825625"/>
-          <a:ext cx="10515600" cy="3585210"/>
+          <a:off x="838200" y="2150777"/>
+          <a:ext cx="10515600" cy="3701034"/>
         </p:xfrm>
         <a:graphic>
           <a:graphicData uri="http://schemas.openxmlformats.org/drawingml/2006/table">
             <a:tbl>
               <a:tblPr firstRow="1" bandRow="1">
-                <a:tableStyleId>{5940675A-B579-460E-94D1-54222C63F5DA}</a:tableStyleId>
+                <a:tableStyleId>{8EC20E35-A176-4012-BC5E-935CFFF8708E}</a:tableStyleId>
               </a:tblPr>
               <a:tblGrid>
                 <a:gridCol w="2171330">
@@ -3525,27 +3977,24 @@
                   </a:extLst>
                 </a:gridCol>
               </a:tblGrid>
-              <a:tr h="370840">
-                <a:tc>
-                  <a:txBody>
-                    <a:bodyPr/>
-                    <a:lstStyle/>
-                    <a:p>
-                      <a:pPr>
-                        <a:spcAft>
-                          <a:spcPts val="0"/>
-                        </a:spcAft>
-                      </a:pPr>
-                      <a:r>
-                        <a:rPr lang="de-DE" sz="1800" kern="150" dirty="0">
-                          <a:effectLst/>
-                          <a:latin typeface="+mn-lt"/>
-                          <a:ea typeface="Droid Sans Fallback"/>
-                          <a:cs typeface="Noto Sans Devanagari"/>
+              <a:tr h="380746">
+                <a:tc>
+                  <a:txBody>
+                    <a:bodyPr/>
+                    <a:lstStyle/>
+                    <a:p>
+                      <a:pPr>
+                        <a:spcAft>
+                          <a:spcPts val="0"/>
+                        </a:spcAft>
+                      </a:pPr>
+                      <a:r>
+                        <a:rPr lang="de-DE" sz="1800" kern="150">
+                          <a:effectLst/>
                         </a:rPr>
                         <a:t>Name</a:t>
                       </a:r>
-                      <a:endParaRPr lang="en-GB" sz="1800" kern="150" dirty="0">
+                      <a:endParaRPr lang="en-GB" sz="1800" kern="150">
                         <a:effectLst/>
                         <a:latin typeface="+mn-lt"/>
                         <a:ea typeface="Droid Sans Fallback"/>
@@ -3566,15 +4015,12 @@
                         </a:spcAft>
                       </a:pPr>
                       <a:r>
-                        <a:rPr lang="de-DE" sz="1800" kern="150" dirty="0">
-                          <a:effectLst/>
-                          <a:latin typeface="+mn-lt"/>
-                          <a:ea typeface="Droid Sans Fallback"/>
-                          <a:cs typeface="Noto Sans Devanagari"/>
+                        <a:rPr lang="de-DE" sz="1800" kern="150">
+                          <a:effectLst/>
                         </a:rPr>
                         <a:t>Flash hinzufügen</a:t>
                       </a:r>
-                      <a:endParaRPr lang="en-GB" sz="1800" kern="150" dirty="0">
+                      <a:endParaRPr lang="en-GB" sz="1800" kern="150">
                         <a:effectLst/>
                         <a:latin typeface="+mn-lt"/>
                         <a:ea typeface="Droid Sans Fallback"/>
@@ -3590,27 +4036,24 @@
                   </a:ext>
                 </a:extLst>
               </a:tr>
-              <a:tr h="370840">
-                <a:tc>
-                  <a:txBody>
-                    <a:bodyPr/>
-                    <a:lstStyle/>
-                    <a:p>
-                      <a:pPr>
-                        <a:spcAft>
-                          <a:spcPts val="0"/>
-                        </a:spcAft>
-                      </a:pPr>
-                      <a:r>
-                        <a:rPr lang="de-DE" sz="1800" kern="150" dirty="0">
-                          <a:effectLst/>
-                          <a:latin typeface="+mn-lt"/>
-                          <a:ea typeface="Droid Sans Fallback"/>
-                          <a:cs typeface="Noto Sans Devanagari"/>
+              <a:tr h="380746">
+                <a:tc>
+                  <a:txBody>
+                    <a:bodyPr/>
+                    <a:lstStyle/>
+                    <a:p>
+                      <a:pPr>
+                        <a:spcAft>
+                          <a:spcPts val="0"/>
+                        </a:spcAft>
+                      </a:pPr>
+                      <a:r>
+                        <a:rPr lang="de-DE" sz="1800" kern="150">
+                          <a:effectLst/>
                         </a:rPr>
                         <a:t>Ziel</a:t>
                       </a:r>
-                      <a:endParaRPr lang="en-GB" sz="1800" kern="150" dirty="0">
+                      <a:endParaRPr lang="en-GB" sz="1800" kern="150">
                         <a:effectLst/>
                         <a:latin typeface="+mn-lt"/>
                         <a:ea typeface="Droid Sans Fallback"/>
@@ -3631,15 +4074,12 @@
                         </a:spcAft>
                       </a:pPr>
                       <a:r>
-                        <a:rPr lang="de-DE" sz="1800" kern="150" dirty="0">
-                          <a:effectLst/>
-                          <a:latin typeface="+mn-lt"/>
-                          <a:ea typeface="Droid Sans Fallback"/>
-                          <a:cs typeface="Noto Sans Devanagari"/>
+                        <a:rPr lang="de-DE" sz="1800" kern="150">
+                          <a:effectLst/>
                         </a:rPr>
                         <a:t>Ein neues Flash Element erstellen</a:t>
                       </a:r>
-                      <a:endParaRPr lang="en-GB" sz="1800" kern="150" dirty="0">
+                      <a:endParaRPr lang="en-GB" sz="1800" kern="150">
                         <a:effectLst/>
                         <a:latin typeface="+mn-lt"/>
                         <a:ea typeface="Droid Sans Fallback"/>
@@ -3655,27 +4095,24 @@
                   </a:ext>
                 </a:extLst>
               </a:tr>
-              <a:tr h="370840">
-                <a:tc>
-                  <a:txBody>
-                    <a:bodyPr/>
-                    <a:lstStyle/>
-                    <a:p>
-                      <a:pPr>
-                        <a:spcAft>
-                          <a:spcPts val="0"/>
-                        </a:spcAft>
-                      </a:pPr>
-                      <a:r>
-                        <a:rPr lang="de-DE" sz="1800" kern="150" dirty="0">
-                          <a:effectLst/>
-                          <a:latin typeface="+mn-lt"/>
-                          <a:ea typeface="Droid Sans Fallback"/>
-                          <a:cs typeface="Noto Sans Devanagari"/>
+              <a:tr h="380746">
+                <a:tc>
+                  <a:txBody>
+                    <a:bodyPr/>
+                    <a:lstStyle/>
+                    <a:p>
+                      <a:pPr>
+                        <a:spcAft>
+                          <a:spcPts val="0"/>
+                        </a:spcAft>
+                      </a:pPr>
+                      <a:r>
+                        <a:rPr lang="de-DE" sz="1800" kern="150">
+                          <a:effectLst/>
                         </a:rPr>
                         <a:t>Einordnung</a:t>
                       </a:r>
-                      <a:endParaRPr lang="en-GB" sz="1800" kern="150" dirty="0">
+                      <a:endParaRPr lang="en-GB" sz="1800" kern="150">
                         <a:effectLst/>
                         <a:latin typeface="+mn-lt"/>
                         <a:ea typeface="Droid Sans Fallback"/>
@@ -3696,15 +4133,12 @@
                         </a:spcAft>
                       </a:pPr>
                       <a:r>
-                        <a:rPr lang="de-DE" sz="1800" kern="150" dirty="0">
-                          <a:effectLst/>
-                          <a:latin typeface="+mn-lt"/>
-                          <a:ea typeface="Droid Sans Fallback"/>
-                          <a:cs typeface="Noto Sans Devanagari"/>
+                        <a:rPr lang="de-DE" sz="1800" kern="150">
+                          <a:effectLst/>
                         </a:rPr>
                         <a:t>Hauptfunktion</a:t>
                       </a:r>
-                      <a:endParaRPr lang="en-GB" sz="1800" kern="150" dirty="0">
+                      <a:endParaRPr lang="en-GB" sz="1800" kern="150">
                         <a:effectLst/>
                         <a:latin typeface="+mn-lt"/>
                         <a:ea typeface="Droid Sans Fallback"/>
@@ -3720,27 +4154,24 @@
                   </a:ext>
                 </a:extLst>
               </a:tr>
-              <a:tr h="370840">
-                <a:tc>
-                  <a:txBody>
-                    <a:bodyPr/>
-                    <a:lstStyle/>
-                    <a:p>
-                      <a:pPr>
-                        <a:spcAft>
-                          <a:spcPts val="0"/>
-                        </a:spcAft>
-                      </a:pPr>
-                      <a:r>
-                        <a:rPr lang="de-DE" sz="1800" kern="150" dirty="0">
-                          <a:effectLst/>
-                          <a:latin typeface="+mn-lt"/>
-                          <a:ea typeface="Droid Sans Fallback"/>
-                          <a:cs typeface="Noto Sans Devanagari"/>
+              <a:tr h="380746">
+                <a:tc>
+                  <a:txBody>
+                    <a:bodyPr/>
+                    <a:lstStyle/>
+                    <a:p>
+                      <a:pPr>
+                        <a:spcAft>
+                          <a:spcPts val="0"/>
+                        </a:spcAft>
+                      </a:pPr>
+                      <a:r>
+                        <a:rPr lang="de-DE" sz="1800" kern="150">
+                          <a:effectLst/>
                         </a:rPr>
                         <a:t>Vorbedingung</a:t>
                       </a:r>
-                      <a:endParaRPr lang="en-GB" sz="1800" kern="150" dirty="0">
+                      <a:endParaRPr lang="en-GB" sz="1800" kern="150">
                         <a:effectLst/>
                         <a:latin typeface="+mn-lt"/>
                         <a:ea typeface="Droid Sans Fallback"/>
@@ -3761,15 +4192,12 @@
                         </a:spcAft>
                       </a:pPr>
                       <a:r>
-                        <a:rPr lang="de-DE" sz="1800" kern="150" dirty="0">
-                          <a:effectLst/>
-                          <a:latin typeface="+mn-lt"/>
-                          <a:ea typeface="Bitstream Vera Serif"/>
-                          <a:cs typeface="Bitstream Vera Serif"/>
+                        <a:rPr lang="de-DE" sz="1800" kern="150">
+                          <a:effectLst/>
                         </a:rPr>
                         <a:t>Standardbildschirm</a:t>
                       </a:r>
-                      <a:endParaRPr lang="en-GB" sz="1800" kern="150" dirty="0">
+                      <a:endParaRPr lang="en-GB" sz="1800" kern="150">
                         <a:effectLst/>
                         <a:latin typeface="+mn-lt"/>
                         <a:ea typeface="Bitstream Vera Serif"/>
@@ -3785,27 +4213,24 @@
                   </a:ext>
                 </a:extLst>
               </a:tr>
-              <a:tr h="370840">
-                <a:tc>
-                  <a:txBody>
-                    <a:bodyPr/>
-                    <a:lstStyle/>
-                    <a:p>
-                      <a:pPr>
-                        <a:spcAft>
-                          <a:spcPts val="0"/>
-                        </a:spcAft>
-                      </a:pPr>
-                      <a:r>
-                        <a:rPr lang="de-DE" sz="1800" kern="150" dirty="0">
-                          <a:effectLst/>
-                          <a:latin typeface="+mn-lt"/>
-                          <a:ea typeface="Droid Sans Fallback"/>
-                          <a:cs typeface="Noto Sans Devanagari"/>
+              <a:tr h="380746">
+                <a:tc>
+                  <a:txBody>
+                    <a:bodyPr/>
+                    <a:lstStyle/>
+                    <a:p>
+                      <a:pPr>
+                        <a:spcAft>
+                          <a:spcPts val="0"/>
+                        </a:spcAft>
+                      </a:pPr>
+                      <a:r>
+                        <a:rPr lang="de-DE" sz="1800" kern="150">
+                          <a:effectLst/>
                         </a:rPr>
                         <a:t>Nachbedingung</a:t>
                       </a:r>
-                      <a:endParaRPr lang="en-GB" sz="1800" kern="150" dirty="0">
+                      <a:endParaRPr lang="en-GB" sz="1800" kern="150">
                         <a:effectLst/>
                         <a:latin typeface="+mn-lt"/>
                         <a:ea typeface="Droid Sans Fallback"/>
@@ -3826,15 +4251,12 @@
                         </a:spcAft>
                       </a:pPr>
                       <a:r>
-                        <a:rPr lang="de-DE" sz="1800" kern="150" dirty="0">
-                          <a:effectLst/>
-                          <a:latin typeface="+mn-lt"/>
-                          <a:ea typeface="Droid Sans Fallback"/>
-                          <a:cs typeface="Noto Sans Devanagari"/>
+                        <a:rPr lang="de-DE" sz="1800" kern="150">
+                          <a:effectLst/>
                         </a:rPr>
                         <a:t>Es existiert 1 Flash Element mehr mit nicht leeren Parametern</a:t>
                       </a:r>
-                      <a:endParaRPr lang="en-GB" sz="1800" kern="150" dirty="0">
+                      <a:endParaRPr lang="en-GB" sz="1800" kern="150">
                         <a:effectLst/>
                         <a:latin typeface="+mn-lt"/>
                         <a:ea typeface="Droid Sans Fallback"/>
@@ -3850,27 +4272,24 @@
                   </a:ext>
                 </a:extLst>
               </a:tr>
-              <a:tr h="370840">
-                <a:tc>
-                  <a:txBody>
-                    <a:bodyPr/>
-                    <a:lstStyle/>
-                    <a:p>
-                      <a:pPr>
-                        <a:spcAft>
-                          <a:spcPts val="0"/>
-                        </a:spcAft>
-                      </a:pPr>
-                      <a:r>
-                        <a:rPr lang="de-DE" sz="1800" kern="150" dirty="0">
-                          <a:effectLst/>
-                          <a:latin typeface="+mn-lt"/>
-                          <a:ea typeface="Droid Sans Fallback"/>
-                          <a:cs typeface="Noto Sans Devanagari"/>
+              <a:tr h="655066">
+                <a:tc>
+                  <a:txBody>
+                    <a:bodyPr/>
+                    <a:lstStyle/>
+                    <a:p>
+                      <a:pPr>
+                        <a:spcAft>
+                          <a:spcPts val="0"/>
+                        </a:spcAft>
+                      </a:pPr>
+                      <a:r>
+                        <a:rPr lang="de-DE" sz="1800" kern="150">
+                          <a:effectLst/>
                         </a:rPr>
                         <a:t>Nachbedingung im Fehlerfall</a:t>
                       </a:r>
-                      <a:endParaRPr lang="en-GB" sz="1800" kern="150" dirty="0">
+                      <a:endParaRPr lang="en-GB" sz="1800" kern="150">
                         <a:effectLst/>
                         <a:latin typeface="+mn-lt"/>
                         <a:ea typeface="Droid Sans Fallback"/>
@@ -3891,24 +4310,12 @@
                         </a:spcAft>
                       </a:pPr>
                       <a:r>
-                        <a:rPr lang="de-DE" sz="1800" kern="150" dirty="0">
-                          <a:effectLst/>
-                          <a:latin typeface="+mn-lt"/>
-                          <a:ea typeface="Bitstream Vera Serif"/>
-                          <a:cs typeface="Bitstream Vera Serif"/>
-                        </a:rPr>
-                        <a:t>Standardbildschirm</a:t>
-                      </a:r>
-                      <a:r>
-                        <a:rPr lang="de-DE" sz="1800" kern="150" dirty="0">
-                          <a:effectLst/>
-                          <a:latin typeface="+mn-lt"/>
-                          <a:ea typeface="Droid Sans Fallback"/>
-                          <a:cs typeface="Noto Sans Devanagari"/>
-                        </a:rPr>
-                        <a:t> wird Angezeigt. Vorher existierende Flash Elemente wurden nicht verändert</a:t>
-                      </a:r>
-                      <a:endParaRPr lang="en-GB" sz="1800" kern="150" dirty="0">
+                        <a:rPr lang="de-DE" sz="1800" kern="150">
+                          <a:effectLst/>
+                        </a:rPr>
+                        <a:t>Standardbildschirm wird Angezeigt. Vorher existierende Flash Elemente wurden nicht verändert</a:t>
+                      </a:r>
+                      <a:endParaRPr lang="en-GB" sz="1800" kern="150">
                         <a:effectLst/>
                         <a:latin typeface="+mn-lt"/>
                         <a:ea typeface="Droid Sans Fallback"/>
@@ -3924,27 +4331,24 @@
                   </a:ext>
                 </a:extLst>
               </a:tr>
-              <a:tr h="370840">
-                <a:tc>
-                  <a:txBody>
-                    <a:bodyPr/>
-                    <a:lstStyle/>
-                    <a:p>
-                      <a:pPr>
-                        <a:spcAft>
-                          <a:spcPts val="0"/>
-                        </a:spcAft>
-                      </a:pPr>
-                      <a:r>
-                        <a:rPr lang="de-DE" sz="1800" kern="150" dirty="0">
-                          <a:effectLst/>
-                          <a:latin typeface="+mn-lt"/>
-                          <a:ea typeface="Droid Sans Fallback"/>
-                          <a:cs typeface="Noto Sans Devanagari"/>
+              <a:tr h="380746">
+                <a:tc>
+                  <a:txBody>
+                    <a:bodyPr/>
+                    <a:lstStyle/>
+                    <a:p>
+                      <a:pPr>
+                        <a:spcAft>
+                          <a:spcPts val="0"/>
+                        </a:spcAft>
+                      </a:pPr>
+                      <a:r>
+                        <a:rPr lang="de-DE" sz="1800" kern="150">
+                          <a:effectLst/>
                         </a:rPr>
                         <a:t>Hauptakteur</a:t>
                       </a:r>
-                      <a:endParaRPr lang="en-GB" sz="1800" kern="150" dirty="0">
+                      <a:endParaRPr lang="en-GB" sz="1800" kern="150">
                         <a:effectLst/>
                         <a:latin typeface="+mn-lt"/>
                         <a:ea typeface="Droid Sans Fallback"/>
@@ -3965,15 +4369,12 @@
                         </a:spcAft>
                       </a:pPr>
                       <a:r>
-                        <a:rPr lang="de-DE" sz="1800" kern="150" dirty="0">
-                          <a:effectLst/>
-                          <a:latin typeface="+mn-lt"/>
-                          <a:ea typeface="Droid Sans Fallback"/>
-                          <a:cs typeface="Noto Sans Devanagari"/>
+                        <a:rPr lang="de-DE" sz="1800" kern="150">
+                          <a:effectLst/>
                         </a:rPr>
                         <a:t>Nutzer</a:t>
                       </a:r>
-                      <a:endParaRPr lang="en-GB" sz="1800" kern="150" dirty="0">
+                      <a:endParaRPr lang="en-GB" sz="1800" kern="150">
                         <a:effectLst/>
                         <a:latin typeface="+mn-lt"/>
                         <a:ea typeface="Droid Sans Fallback"/>
@@ -3989,27 +4390,24 @@
                   </a:ext>
                 </a:extLst>
               </a:tr>
-              <a:tr h="370840">
-                <a:tc>
-                  <a:txBody>
-                    <a:bodyPr/>
-                    <a:lstStyle/>
-                    <a:p>
-                      <a:pPr>
-                        <a:spcAft>
-                          <a:spcPts val="0"/>
-                        </a:spcAft>
-                      </a:pPr>
-                      <a:r>
-                        <a:rPr lang="de-DE" sz="1800" kern="150" dirty="0">
-                          <a:effectLst/>
-                          <a:latin typeface="+mn-lt"/>
-                          <a:ea typeface="Droid Sans Fallback"/>
-                          <a:cs typeface="Noto Sans Devanagari"/>
+              <a:tr h="380746">
+                <a:tc>
+                  <a:txBody>
+                    <a:bodyPr/>
+                    <a:lstStyle/>
+                    <a:p>
+                      <a:pPr>
+                        <a:spcAft>
+                          <a:spcPts val="0"/>
+                        </a:spcAft>
+                      </a:pPr>
+                      <a:r>
+                        <a:rPr lang="de-DE" sz="1800" kern="150">
+                          <a:effectLst/>
                         </a:rPr>
                         <a:t>Nebenakteure</a:t>
                       </a:r>
-                      <a:endParaRPr lang="en-GB" sz="1800" kern="150" dirty="0">
+                      <a:endParaRPr lang="en-GB" sz="1800" kern="150">
                         <a:effectLst/>
                         <a:latin typeface="+mn-lt"/>
                         <a:ea typeface="Droid Sans Fallback"/>
@@ -4030,15 +4428,12 @@
                         </a:spcAft>
                       </a:pPr>
                       <a:r>
-                        <a:rPr lang="de-DE" sz="1800" kern="150" dirty="0">
-                          <a:effectLst/>
-                          <a:latin typeface="+mn-lt"/>
-                          <a:ea typeface="Droid Sans Fallback"/>
-                          <a:cs typeface="Noto Sans Devanagari"/>
+                        <a:rPr lang="de-DE" sz="1800" kern="150">
+                          <a:effectLst/>
                         </a:rPr>
                         <a:t>-</a:t>
                       </a:r>
-                      <a:endParaRPr lang="en-GB" sz="1800" kern="150" dirty="0">
+                      <a:endParaRPr lang="en-GB" sz="1800" kern="150">
                         <a:effectLst/>
                         <a:latin typeface="+mn-lt"/>
                         <a:ea typeface="Droid Sans Fallback"/>
@@ -4054,27 +4449,24 @@
                   </a:ext>
                 </a:extLst>
               </a:tr>
-              <a:tr h="370840">
-                <a:tc>
-                  <a:txBody>
-                    <a:bodyPr/>
-                    <a:lstStyle/>
-                    <a:p>
-                      <a:pPr>
-                        <a:spcAft>
-                          <a:spcPts val="0"/>
-                        </a:spcAft>
-                      </a:pPr>
-                      <a:r>
-                        <a:rPr lang="de-DE" sz="1800" kern="150" dirty="0">
-                          <a:effectLst/>
-                          <a:latin typeface="+mn-lt"/>
-                          <a:ea typeface="Droid Sans Fallback"/>
-                          <a:cs typeface="Noto Sans Devanagari"/>
+              <a:tr h="380746">
+                <a:tc>
+                  <a:txBody>
+                    <a:bodyPr/>
+                    <a:lstStyle/>
+                    <a:p>
+                      <a:pPr>
+                        <a:spcAft>
+                          <a:spcPts val="0"/>
+                        </a:spcAft>
+                      </a:pPr>
+                      <a:r>
+                        <a:rPr lang="de-DE" sz="1800" kern="150">
+                          <a:effectLst/>
                         </a:rPr>
                         <a:t>Auslöser</a:t>
                       </a:r>
-                      <a:endParaRPr lang="en-GB" sz="1800" kern="150" dirty="0">
+                      <a:endParaRPr lang="en-GB" sz="1800" kern="150">
                         <a:effectLst/>
                         <a:latin typeface="+mn-lt"/>
                         <a:ea typeface="Droid Sans Fallback"/>
@@ -4095,15 +4487,12 @@
                         </a:spcAft>
                       </a:pPr>
                       <a:r>
-                        <a:rPr lang="de-DE" sz="1800" kern="150" dirty="0">
-                          <a:effectLst/>
-                          <a:latin typeface="+mn-lt"/>
-                          <a:ea typeface="Droid Sans Fallback"/>
-                          <a:cs typeface="Noto Sans Devanagari"/>
+                        <a:rPr lang="de-DE" sz="1800" kern="150">
+                          <a:effectLst/>
                         </a:rPr>
                         <a:t>Auswahl der Option Flash hinzufügen aus dem Menü</a:t>
                       </a:r>
-                      <a:endParaRPr lang="en-GB" sz="1800" kern="150" dirty="0">
+                      <a:endParaRPr lang="en-GB" sz="1800" kern="150">
                         <a:effectLst/>
                         <a:latin typeface="+mn-lt"/>
                         <a:ea typeface="Droid Sans Fallback"/>
@@ -4136,9 +4525,17 @@
 </p:sld>
 </file>
 
-<file path=ppt/slides/slide11.xml><?xml version="1.0" encoding="utf-8"?>
+<file path=ppt/slides/slide12.xml><?xml version="1.0" encoding="utf-8"?>
 <p:sld xmlns:a="http://schemas.openxmlformats.org/drawingml/2006/main" xmlns:r="http://schemas.openxmlformats.org/officeDocument/2006/relationships" xmlns:p="http://schemas.openxmlformats.org/presentationml/2006/main">
   <p:cSld>
+    <p:bg>
+      <p:bgPr>
+        <a:solidFill>
+          <a:schemeClr val="bg1"/>
+        </a:solidFill>
+        <a:effectLst/>
+      </p:bgPr>
+    </p:bg>
     <p:spTree>
       <p:nvGrpSpPr>
         <p:cNvPr id="1" name=""/>
@@ -4169,9 +4566,16 @@
             <p:ph type="title"/>
           </p:nvPr>
         </p:nvSpPr>
-        <p:spPr/>
+        <p:spPr>
+          <a:xfrm>
+            <a:off x="838200" y="365125"/>
+            <a:ext cx="10515600" cy="1325563"/>
+          </a:xfrm>
+        </p:spPr>
         <p:txBody>
-          <a:bodyPr/>
+          <a:bodyPr>
+            <a:normAutofit/>
+          </a:bodyPr>
           <a:lstStyle/>
           <a:p>
             <a:r>
@@ -4198,20 +4602,20 @@
             <p:ph idx="1"/>
             <p:extLst>
               <p:ext uri="{D42A27DB-BD31-4B8C-83A1-F6EECF244321}">
-                <p14:modId xmlns:p14="http://schemas.microsoft.com/office/powerpoint/2010/main" val="2154634526"/>
+                <p14:modId xmlns:p14="http://schemas.microsoft.com/office/powerpoint/2010/main" val="2324628140"/>
               </p:ext>
             </p:extLst>
           </p:nvPr>
         </p:nvGraphicFramePr>
         <p:xfrm>
-          <a:off x="838200" y="1825625"/>
-          <a:ext cx="10515600" cy="2966720"/>
+          <a:off x="838200" y="2456720"/>
+          <a:ext cx="10515600" cy="3089148"/>
         </p:xfrm>
         <a:graphic>
           <a:graphicData uri="http://schemas.openxmlformats.org/drawingml/2006/table">
             <a:tbl>
               <a:tblPr firstRow="1" bandRow="1">
-                <a:tableStyleId>{5940675A-B579-460E-94D1-54222C63F5DA}</a:tableStyleId>
+                <a:tableStyleId>{8EC20E35-A176-4012-BC5E-935CFFF8708E}</a:tableStyleId>
               </a:tblPr>
               <a:tblGrid>
                 <a:gridCol w="2171330">
@@ -4236,27 +4640,24 @@
                   </a:extLst>
                 </a:gridCol>
               </a:tblGrid>
-              <a:tr h="370840">
-                <a:tc>
-                  <a:txBody>
-                    <a:bodyPr/>
-                    <a:lstStyle/>
-                    <a:p>
-                      <a:pPr>
-                        <a:spcAft>
-                          <a:spcPts val="0"/>
-                        </a:spcAft>
-                      </a:pPr>
-                      <a:r>
-                        <a:rPr lang="de-DE" sz="1800" kern="150" dirty="0">
-                          <a:effectLst/>
-                          <a:latin typeface="+mn-lt"/>
-                          <a:ea typeface="Droid Sans Fallback"/>
-                          <a:cs typeface="Noto Sans Devanagari"/>
+              <a:tr h="380746">
+                <a:tc>
+                  <a:txBody>
+                    <a:bodyPr/>
+                    <a:lstStyle/>
+                    <a:p>
+                      <a:pPr>
+                        <a:spcAft>
+                          <a:spcPts val="0"/>
+                        </a:spcAft>
+                      </a:pPr>
+                      <a:r>
+                        <a:rPr lang="de-DE" sz="1800" kern="150">
+                          <a:effectLst/>
                         </a:rPr>
                         <a:t>Standardablauf</a:t>
                       </a:r>
-                      <a:endParaRPr lang="en-GB" sz="1800" kern="150" dirty="0">
+                      <a:endParaRPr lang="en-GB" sz="1800" kern="150">
                         <a:effectLst/>
                         <a:latin typeface="+mn-lt"/>
                         <a:ea typeface="Droid Sans Fallback"/>
@@ -4277,15 +4678,12 @@
                         </a:spcAft>
                       </a:pPr>
                       <a:r>
-                        <a:rPr lang="de-DE" sz="1800" kern="150" dirty="0">
-                          <a:effectLst/>
-                          <a:latin typeface="+mn-lt"/>
-                          <a:ea typeface="Droid Sans Fallback"/>
-                          <a:cs typeface="Noto Sans Devanagari"/>
+                        <a:rPr lang="de-DE" sz="1800" kern="150">
+                          <a:effectLst/>
                         </a:rPr>
                         <a:t>Schritt</a:t>
                       </a:r>
-                      <a:endParaRPr lang="en-GB" sz="1800" kern="150" dirty="0">
+                      <a:endParaRPr lang="en-GB" sz="1800" kern="150">
                         <a:effectLst/>
                         <a:latin typeface="+mn-lt"/>
                         <a:ea typeface="Droid Sans Fallback"/>
@@ -4306,15 +4704,12 @@
                         </a:spcAft>
                       </a:pPr>
                       <a:r>
-                        <a:rPr lang="de-DE" sz="1800" kern="150" dirty="0">
-                          <a:effectLst/>
-                          <a:latin typeface="+mn-lt"/>
-                          <a:ea typeface="Droid Sans Fallback"/>
-                          <a:cs typeface="Noto Sans Devanagari"/>
+                        <a:rPr lang="de-DE" sz="1800" kern="150">
+                          <a:effectLst/>
                         </a:rPr>
                         <a:t>Aktion</a:t>
                       </a:r>
-                      <a:endParaRPr lang="en-GB" sz="1800" kern="150" dirty="0">
+                      <a:endParaRPr lang="en-GB" sz="1800" kern="150">
                         <a:effectLst/>
                         <a:latin typeface="+mn-lt"/>
                         <a:ea typeface="Droid Sans Fallback"/>
@@ -4330,27 +4725,24 @@
                   </a:ext>
                 </a:extLst>
               </a:tr>
-              <a:tr h="370840">
-                <a:tc>
-                  <a:txBody>
-                    <a:bodyPr/>
-                    <a:lstStyle/>
-                    <a:p>
-                      <a:pPr>
-                        <a:spcAft>
-                          <a:spcPts val="0"/>
-                        </a:spcAft>
-                      </a:pPr>
-                      <a:r>
-                        <a:rPr lang="de-DE" sz="1800" kern="150" dirty="0">
-                          <a:effectLst/>
-                          <a:latin typeface="+mn-lt"/>
-                          <a:ea typeface="Droid Sans Fallback"/>
-                          <a:cs typeface="Noto Sans Devanagari"/>
+              <a:tr h="380746">
+                <a:tc>
+                  <a:txBody>
+                    <a:bodyPr/>
+                    <a:lstStyle/>
+                    <a:p>
+                      <a:pPr>
+                        <a:spcAft>
+                          <a:spcPts val="0"/>
+                        </a:spcAft>
+                      </a:pPr>
+                      <a:r>
+                        <a:rPr lang="de-DE" sz="1800" kern="150">
+                          <a:effectLst/>
                         </a:rPr>
                         <a:t> </a:t>
                       </a:r>
-                      <a:endParaRPr lang="en-GB" sz="1800" kern="150" dirty="0">
+                      <a:endParaRPr lang="en-GB" sz="1800" kern="150">
                         <a:effectLst/>
                         <a:latin typeface="+mn-lt"/>
                         <a:ea typeface="Droid Sans Fallback"/>
@@ -4371,15 +4763,12 @@
                         </a:spcAft>
                       </a:pPr>
                       <a:r>
-                        <a:rPr lang="de-DE" sz="1800" kern="150" dirty="0">
-                          <a:effectLst/>
-                          <a:latin typeface="+mn-lt"/>
-                          <a:ea typeface="Droid Sans Fallback"/>
-                          <a:cs typeface="Noto Sans Devanagari"/>
+                        <a:rPr lang="de-DE" sz="1800" kern="150">
+                          <a:effectLst/>
                         </a:rPr>
                         <a:t>1</a:t>
                       </a:r>
-                      <a:endParaRPr lang="en-GB" sz="1800" kern="150" dirty="0">
+                      <a:endParaRPr lang="en-GB" sz="1800" kern="150">
                         <a:effectLst/>
                         <a:latin typeface="+mn-lt"/>
                         <a:ea typeface="Droid Sans Fallback"/>
@@ -4400,15 +4789,12 @@
                         </a:spcAft>
                       </a:pPr>
                       <a:r>
-                        <a:rPr lang="de-DE" sz="1800" kern="150" dirty="0">
-                          <a:effectLst/>
-                          <a:latin typeface="+mn-lt"/>
-                          <a:ea typeface="Droid Sans Fallback"/>
-                          <a:cs typeface="Noto Sans Devanagari"/>
+                        <a:rPr lang="de-DE" sz="1800" kern="150">
+                          <a:effectLst/>
                         </a:rPr>
                         <a:t>Nutzer wählt Flash hinzufügen</a:t>
                       </a:r>
-                      <a:endParaRPr lang="en-GB" sz="1800" kern="150" dirty="0">
+                      <a:endParaRPr lang="en-GB" sz="1800" kern="150">
                         <a:effectLst/>
                         <a:latin typeface="+mn-lt"/>
                         <a:ea typeface="Droid Sans Fallback"/>
@@ -4424,27 +4810,24 @@
                   </a:ext>
                 </a:extLst>
               </a:tr>
-              <a:tr h="370840">
-                <a:tc>
-                  <a:txBody>
-                    <a:bodyPr/>
-                    <a:lstStyle/>
-                    <a:p>
-                      <a:pPr>
-                        <a:spcAft>
-                          <a:spcPts val="0"/>
-                        </a:spcAft>
-                      </a:pPr>
-                      <a:r>
-                        <a:rPr lang="de-DE" sz="1800" kern="150" dirty="0">
-                          <a:effectLst/>
-                          <a:latin typeface="+mn-lt"/>
-                          <a:ea typeface="Droid Sans Fallback"/>
-                          <a:cs typeface="Noto Sans Devanagari"/>
+              <a:tr h="380746">
+                <a:tc>
+                  <a:txBody>
+                    <a:bodyPr/>
+                    <a:lstStyle/>
+                    <a:p>
+                      <a:pPr>
+                        <a:spcAft>
+                          <a:spcPts val="0"/>
+                        </a:spcAft>
+                      </a:pPr>
+                      <a:r>
+                        <a:rPr lang="de-DE" sz="1800" kern="150">
+                          <a:effectLst/>
                         </a:rPr>
                         <a:t> </a:t>
                       </a:r>
-                      <a:endParaRPr lang="en-GB" sz="1800" kern="150" dirty="0">
+                      <a:endParaRPr lang="en-GB" sz="1800" kern="150">
                         <a:effectLst/>
                         <a:latin typeface="+mn-lt"/>
                         <a:ea typeface="Droid Sans Fallback"/>
@@ -4465,15 +4848,12 @@
                         </a:spcAft>
                       </a:pPr>
                       <a:r>
-                        <a:rPr lang="de-DE" sz="1800" kern="150" dirty="0">
-                          <a:effectLst/>
-                          <a:latin typeface="+mn-lt"/>
-                          <a:ea typeface="Droid Sans Fallback"/>
-                          <a:cs typeface="Noto Sans Devanagari"/>
+                        <a:rPr lang="de-DE" sz="1800" kern="150">
+                          <a:effectLst/>
                         </a:rPr>
                         <a:t>2</a:t>
                       </a:r>
-                      <a:endParaRPr lang="en-GB" sz="1800" kern="150" dirty="0">
+                      <a:endParaRPr lang="en-GB" sz="1800" kern="150">
                         <a:effectLst/>
                         <a:latin typeface="+mn-lt"/>
                         <a:ea typeface="Droid Sans Fallback"/>
@@ -4494,15 +4874,12 @@
                         </a:spcAft>
                       </a:pPr>
                       <a:r>
-                        <a:rPr lang="de-DE" sz="1800" kern="150" dirty="0">
-                          <a:effectLst/>
-                          <a:latin typeface="+mn-lt"/>
-                          <a:ea typeface="Droid Sans Fallback"/>
-                          <a:cs typeface="Noto Sans Devanagari"/>
+                        <a:rPr lang="de-DE" sz="1800" kern="150">
+                          <a:effectLst/>
                         </a:rPr>
                         <a:t>Eingabedialog für Elementname</a:t>
                       </a:r>
-                      <a:endParaRPr lang="en-GB" sz="1800" kern="150" dirty="0">
+                      <a:endParaRPr lang="en-GB" sz="1800" kern="150">
                         <a:effectLst/>
                         <a:latin typeface="+mn-lt"/>
                         <a:ea typeface="Droid Sans Fallback"/>
@@ -4518,27 +4895,24 @@
                   </a:ext>
                 </a:extLst>
               </a:tr>
-              <a:tr h="370840">
-                <a:tc>
-                  <a:txBody>
-                    <a:bodyPr/>
-                    <a:lstStyle/>
-                    <a:p>
-                      <a:pPr>
-                        <a:spcAft>
-                          <a:spcPts val="0"/>
-                        </a:spcAft>
-                      </a:pPr>
-                      <a:r>
-                        <a:rPr lang="de-DE" sz="1800" kern="150" dirty="0">
-                          <a:effectLst/>
-                          <a:latin typeface="+mn-lt"/>
-                          <a:ea typeface="Droid Sans Fallback"/>
-                          <a:cs typeface="Noto Sans Devanagari"/>
+              <a:tr h="380746">
+                <a:tc>
+                  <a:txBody>
+                    <a:bodyPr/>
+                    <a:lstStyle/>
+                    <a:p>
+                      <a:pPr>
+                        <a:spcAft>
+                          <a:spcPts val="0"/>
+                        </a:spcAft>
+                      </a:pPr>
+                      <a:r>
+                        <a:rPr lang="de-DE" sz="1800" kern="150">
+                          <a:effectLst/>
                         </a:rPr>
                         <a:t> </a:t>
                       </a:r>
-                      <a:endParaRPr lang="en-GB" sz="1800" kern="150" dirty="0">
+                      <a:endParaRPr lang="en-GB" sz="1800" kern="150">
                         <a:effectLst/>
                         <a:latin typeface="+mn-lt"/>
                         <a:ea typeface="Droid Sans Fallback"/>
@@ -4559,15 +4933,12 @@
                         </a:spcAft>
                       </a:pPr>
                       <a:r>
-                        <a:rPr lang="de-DE" sz="1800" kern="150" dirty="0">
-                          <a:effectLst/>
-                          <a:latin typeface="+mn-lt"/>
-                          <a:ea typeface="Droid Sans Fallback"/>
-                          <a:cs typeface="Noto Sans Devanagari"/>
+                        <a:rPr lang="de-DE" sz="1800" kern="150">
+                          <a:effectLst/>
                         </a:rPr>
                         <a:t>3</a:t>
                       </a:r>
-                      <a:endParaRPr lang="en-GB" sz="1800" kern="150" dirty="0">
+                      <a:endParaRPr lang="en-GB" sz="1800" kern="150">
                         <a:effectLst/>
                         <a:latin typeface="+mn-lt"/>
                         <a:ea typeface="Droid Sans Fallback"/>
@@ -4588,51 +4959,36 @@
                         </a:spcAft>
                       </a:pPr>
                       <a:r>
-                        <a:rPr lang="de-DE" sz="1800" kern="150" dirty="0">
-                          <a:effectLst/>
-                          <a:latin typeface="+mn-lt"/>
-                          <a:ea typeface="Droid Sans Fallback"/>
-                          <a:cs typeface="Noto Sans Devanagari"/>
+                        <a:rPr lang="de-DE" sz="1800" kern="150">
+                          <a:effectLst/>
                         </a:rPr>
                         <a:t>Eingabedialog für Parameter (Temp. , Druck, L</a:t>
                       </a:r>
                       <a:r>
-                        <a:rPr lang="de-DE" sz="1800" kern="150" baseline="-25000" dirty="0">
-                          <a:effectLst/>
-                          <a:latin typeface="+mn-lt"/>
-                          <a:ea typeface="Droid Sans Fallback"/>
-                          <a:cs typeface="Noto Sans Devanagari"/>
+                        <a:rPr lang="de-DE" sz="1800" kern="150" baseline="-25000">
+                          <a:effectLst/>
                         </a:rPr>
                         <a:t>in</a:t>
                       </a:r>
                       <a:r>
-                        <a:rPr lang="de-DE" sz="1800" kern="150" dirty="0">
-                          <a:effectLst/>
-                          <a:latin typeface="+mn-lt"/>
-                          <a:ea typeface="Droid Sans Fallback"/>
-                          <a:cs typeface="Noto Sans Devanagari"/>
+                        <a:rPr lang="de-DE" sz="1800" kern="150">
+                          <a:effectLst/>
                         </a:rPr>
                         <a:t>, V</a:t>
                       </a:r>
                       <a:r>
-                        <a:rPr lang="de-DE" sz="1800" kern="150" baseline="-25000" dirty="0">
-                          <a:effectLst/>
-                          <a:latin typeface="+mn-lt"/>
-                          <a:ea typeface="Droid Sans Fallback"/>
-                          <a:cs typeface="Noto Sans Devanagari"/>
+                        <a:rPr lang="de-DE" sz="1800" kern="150" baseline="-25000">
+                          <a:effectLst/>
                         </a:rPr>
                         <a:t>in </a:t>
                       </a:r>
                       <a:r>
-                        <a:rPr lang="de-DE" sz="1800" kern="150" dirty="0">
-                          <a:effectLst/>
-                          <a:latin typeface="+mn-lt"/>
-                          <a:ea typeface="Droid Sans Fallback"/>
-                          <a:cs typeface="Noto Sans Devanagari"/>
+                        <a:rPr lang="de-DE" sz="1800" kern="150">
+                          <a:effectLst/>
                         </a:rPr>
                         <a:t>...)</a:t>
                       </a:r>
-                      <a:endParaRPr lang="en-GB" sz="1800" kern="150" dirty="0">
+                      <a:endParaRPr lang="en-GB" sz="1800" kern="150">
                         <a:effectLst/>
                         <a:latin typeface="+mn-lt"/>
                         <a:ea typeface="Droid Sans Fallback"/>
@@ -4648,27 +5004,24 @@
                   </a:ext>
                 </a:extLst>
               </a:tr>
-              <a:tr h="370840">
-                <a:tc>
-                  <a:txBody>
-                    <a:bodyPr/>
-                    <a:lstStyle/>
-                    <a:p>
-                      <a:pPr>
-                        <a:spcAft>
-                          <a:spcPts val="0"/>
-                        </a:spcAft>
-                      </a:pPr>
-                      <a:r>
-                        <a:rPr lang="de-DE" sz="1800" kern="150" dirty="0">
-                          <a:effectLst/>
-                          <a:latin typeface="+mn-lt"/>
-                          <a:ea typeface="Droid Sans Fallback"/>
-                          <a:cs typeface="Noto Sans Devanagari"/>
+              <a:tr h="380746">
+                <a:tc>
+                  <a:txBody>
+                    <a:bodyPr/>
+                    <a:lstStyle/>
+                    <a:p>
+                      <a:pPr>
+                        <a:spcAft>
+                          <a:spcPts val="0"/>
+                        </a:spcAft>
+                      </a:pPr>
+                      <a:r>
+                        <a:rPr lang="de-DE" sz="1800" kern="150">
+                          <a:effectLst/>
                         </a:rPr>
                         <a:t> </a:t>
                       </a:r>
-                      <a:endParaRPr lang="en-GB" sz="1800" kern="150" dirty="0">
+                      <a:endParaRPr lang="en-GB" sz="1800" kern="150">
                         <a:effectLst/>
                         <a:latin typeface="+mn-lt"/>
                         <a:ea typeface="Droid Sans Fallback"/>
@@ -4689,15 +5042,12 @@
                         </a:spcAft>
                       </a:pPr>
                       <a:r>
-                        <a:rPr lang="de-DE" sz="1800" kern="150" dirty="0">
-                          <a:effectLst/>
-                          <a:latin typeface="+mn-lt"/>
-                          <a:ea typeface="Droid Sans Fallback"/>
-                          <a:cs typeface="Noto Sans Devanagari"/>
+                        <a:rPr lang="de-DE" sz="1800" kern="150">
+                          <a:effectLst/>
                         </a:rPr>
                         <a:t>4</a:t>
                       </a:r>
-                      <a:endParaRPr lang="en-GB" sz="1800" kern="150" dirty="0">
+                      <a:endParaRPr lang="en-GB" sz="1800" kern="150">
                         <a:effectLst/>
                         <a:latin typeface="+mn-lt"/>
                         <a:ea typeface="Droid Sans Fallback"/>
@@ -4718,15 +5068,12 @@
                         </a:spcAft>
                       </a:pPr>
                       <a:r>
-                        <a:rPr lang="de-DE" sz="1800" kern="150" dirty="0">
-                          <a:effectLst/>
-                          <a:latin typeface="+mn-lt"/>
-                          <a:ea typeface="Droid Sans Fallback"/>
-                          <a:cs typeface="Noto Sans Devanagari"/>
+                        <a:rPr lang="de-DE" sz="1800" kern="150">
+                          <a:effectLst/>
                         </a:rPr>
                         <a:t>Flash Element wird mit angegebenen Name und Parameter erzeugt</a:t>
                       </a:r>
-                      <a:endParaRPr lang="en-GB" sz="1800" kern="150" dirty="0">
+                      <a:endParaRPr lang="en-GB" sz="1800" kern="150">
                         <a:effectLst/>
                         <a:latin typeface="+mn-lt"/>
                         <a:ea typeface="Droid Sans Fallback"/>
@@ -4742,7 +5089,7 @@
                   </a:ext>
                 </a:extLst>
               </a:tr>
-              <a:tr h="370840">
+              <a:tr h="380746">
                 <a:tc>
                   <a:txBody>
                     <a:bodyPr/>
@@ -4774,15 +5121,12 @@
                         </a:spcAft>
                       </a:pPr>
                       <a:r>
-                        <a:rPr lang="de-DE" sz="1800" kern="150" dirty="0">
-                          <a:effectLst/>
-                          <a:latin typeface="+mn-lt"/>
-                          <a:ea typeface="Droid Sans Fallback"/>
-                          <a:cs typeface="Noto Sans Devanagari"/>
+                        <a:rPr lang="de-DE" sz="1800" kern="150">
+                          <a:effectLst/>
                         </a:rPr>
                         <a:t>5</a:t>
                       </a:r>
-                      <a:endParaRPr lang="en-GB" sz="1800" kern="150" dirty="0">
+                      <a:endParaRPr lang="en-GB" sz="1800" kern="150">
                         <a:effectLst/>
                         <a:latin typeface="+mn-lt"/>
                         <a:ea typeface="Droid Sans Fallback"/>
@@ -4815,15 +5159,12 @@
                         <a:defRPr/>
                       </a:pPr>
                       <a:r>
-                        <a:rPr lang="de-DE" sz="1800" kern="150" dirty="0">
-                          <a:effectLst/>
-                          <a:latin typeface="+mn-lt"/>
-                          <a:ea typeface="Bitstream Vera Serif"/>
-                          <a:cs typeface="Bitstream Vera Serif"/>
+                        <a:rPr lang="de-DE" sz="1800" kern="150">
+                          <a:effectLst/>
                         </a:rPr>
                         <a:t>Rückkehr zum Standardbildschirm</a:t>
                       </a:r>
-                      <a:endParaRPr lang="en-GB" sz="1800" kern="150" dirty="0">
+                      <a:endParaRPr lang="en-GB" sz="1800" kern="150">
                         <a:effectLst/>
                         <a:latin typeface="+mn-lt"/>
                         <a:ea typeface="Bitstream Vera Serif"/>
@@ -4839,7 +5180,7 @@
                   </a:ext>
                 </a:extLst>
               </a:tr>
-              <a:tr h="370840">
+              <a:tr h="402336">
                 <a:tc>
                   <a:txBody>
                     <a:bodyPr/>
@@ -4888,7 +5229,7 @@
                   </a:ext>
                 </a:extLst>
               </a:tr>
-              <a:tr h="370840">
+              <a:tr h="402336">
                 <a:tc>
                   <a:txBody>
                     <a:bodyPr/>
@@ -4946,9 +5287,271 @@
 </p:sld>
 </file>
 
-<file path=ppt/slides/slide12.xml><?xml version="1.0" encoding="utf-8"?>
+<file path=ppt/slides/slide13.xml><?xml version="1.0" encoding="utf-8"?>
 <p:sld xmlns:a="http://schemas.openxmlformats.org/drawingml/2006/main" xmlns:r="http://schemas.openxmlformats.org/officeDocument/2006/relationships" xmlns:p="http://schemas.openxmlformats.org/presentationml/2006/main">
   <p:cSld>
+    <p:bg>
+      <p:bgPr>
+        <a:solidFill>
+          <a:schemeClr val="bg1"/>
+        </a:solidFill>
+        <a:effectLst/>
+      </p:bgPr>
+    </p:bg>
+    <p:spTree>
+      <p:nvGrpSpPr>
+        <p:cNvPr id="1" name=""/>
+        <p:cNvGrpSpPr/>
+        <p:nvPr/>
+      </p:nvGrpSpPr>
+      <p:grpSpPr>
+        <a:xfrm>
+          <a:off x="0" y="0"/>
+          <a:ext cx="0" cy="0"/>
+          <a:chOff x="0" y="0"/>
+          <a:chExt cx="0" cy="0"/>
+        </a:xfrm>
+      </p:grpSpPr>
+      <p:sp>
+        <p:nvSpPr>
+          <p:cNvPr id="9" name="Rectangle 8">
+            <a:extLst>
+              <a:ext uri="{FF2B5EF4-FFF2-40B4-BE49-F238E27FC236}">
+                <a16:creationId xmlns:a16="http://schemas.microsoft.com/office/drawing/2014/main" id="{6753252F-4873-4F63-801D-CC719279A7D5}"/>
+              </a:ext>
+              <a:ext uri="{C183D7F6-B498-43B3-948B-1728B52AA6E4}">
+                <adec:decorative xmlns:adec="http://schemas.microsoft.com/office/drawing/2017/decorative" val="1"/>
+              </a:ext>
+            </a:extLst>
+          </p:cNvPr>
+          <p:cNvSpPr>
+            <a:spLocks noGrp="1" noRot="1" noChangeAspect="1" noMove="1" noResize="1" noEditPoints="1" noAdjustHandles="1" noChangeArrowheads="1" noChangeShapeType="1" noTextEdit="1"/>
+          </p:cNvSpPr>
+          <p:nvPr>
+            <p:extLst>
+              <p:ext uri="{386F3935-93C4-4BCD-93E2-E3B085C9AB24}">
+                <p16:designElem xmlns:p16="http://schemas.microsoft.com/office/powerpoint/2015/main" val="1"/>
+              </p:ext>
+            </p:extLst>
+          </p:nvPr>
+        </p:nvSpPr>
+        <p:spPr>
+          <a:xfrm>
+            <a:off x="0" y="0"/>
+            <a:ext cx="12192000" cy="6858000"/>
+          </a:xfrm>
+          <a:prstGeom prst="rect">
+            <a:avLst/>
+          </a:prstGeom>
+          <a:solidFill>
+            <a:srgbClr val="FFFFFF"/>
+          </a:solidFill>
+          <a:ln>
+            <a:noFill/>
+          </a:ln>
+        </p:spPr>
+        <p:style>
+          <a:lnRef idx="2">
+            <a:schemeClr val="accent1">
+              <a:shade val="50000"/>
+            </a:schemeClr>
+          </a:lnRef>
+          <a:fillRef idx="1">
+            <a:schemeClr val="accent1"/>
+          </a:fillRef>
+          <a:effectRef idx="0">
+            <a:schemeClr val="accent1"/>
+          </a:effectRef>
+          <a:fontRef idx="minor">
+            <a:schemeClr val="lt1"/>
+          </a:fontRef>
+        </p:style>
+        <p:txBody>
+          <a:bodyPr rtlCol="0" anchor="ctr"/>
+          <a:lstStyle/>
+          <a:p>
+            <a:pPr algn="ctr"/>
+            <a:endParaRPr lang="en-US"/>
+          </a:p>
+        </p:txBody>
+      </p:sp>
+      <p:sp>
+        <p:nvSpPr>
+          <p:cNvPr id="11" name="Rectangle 10">
+            <a:extLst>
+              <a:ext uri="{FF2B5EF4-FFF2-40B4-BE49-F238E27FC236}">
+                <a16:creationId xmlns:a16="http://schemas.microsoft.com/office/drawing/2014/main" id="{047C8CCB-F95D-4249-92DD-651249D3535A}"/>
+              </a:ext>
+              <a:ext uri="{C183D7F6-B498-43B3-948B-1728B52AA6E4}">
+                <adec:decorative xmlns:adec="http://schemas.microsoft.com/office/drawing/2017/decorative" val="1"/>
+              </a:ext>
+            </a:extLst>
+          </p:cNvPr>
+          <p:cNvSpPr>
+            <a:spLocks noGrp="1" noRot="1" noChangeAspect="1" noMove="1" noResize="1" noEditPoints="1" noAdjustHandles="1" noChangeArrowheads="1" noChangeShapeType="1" noTextEdit="1"/>
+          </p:cNvSpPr>
+          <p:nvPr>
+            <p:extLst>
+              <p:ext uri="{386F3935-93C4-4BCD-93E2-E3B085C9AB24}">
+                <p16:designElem xmlns:p16="http://schemas.microsoft.com/office/powerpoint/2015/main" val="1"/>
+              </p:ext>
+            </p:extLst>
+          </p:nvPr>
+        </p:nvSpPr>
+        <p:spPr>
+          <a:xfrm>
+            <a:off x="0" y="0"/>
+            <a:ext cx="2013557" cy="6858000"/>
+          </a:xfrm>
+          <a:prstGeom prst="rect">
+            <a:avLst/>
+          </a:prstGeom>
+          <a:solidFill>
+            <a:srgbClr val="7F7F7F"/>
+          </a:solidFill>
+          <a:ln>
+            <a:noFill/>
+          </a:ln>
+        </p:spPr>
+        <p:style>
+          <a:lnRef idx="2">
+            <a:schemeClr val="accent1">
+              <a:shade val="50000"/>
+            </a:schemeClr>
+          </a:lnRef>
+          <a:fillRef idx="1">
+            <a:schemeClr val="accent1"/>
+          </a:fillRef>
+          <a:effectRef idx="0">
+            <a:schemeClr val="accent1"/>
+          </a:effectRef>
+          <a:fontRef idx="minor">
+            <a:schemeClr val="lt1"/>
+          </a:fontRef>
+        </p:style>
+        <p:txBody>
+          <a:bodyPr rtlCol="0" anchor="ctr"/>
+          <a:lstStyle/>
+          <a:p>
+            <a:pPr algn="ctr"/>
+            <a:endParaRPr lang="en-US"/>
+          </a:p>
+        </p:txBody>
+      </p:sp>
+      <p:sp>
+        <p:nvSpPr>
+          <p:cNvPr id="2" name="Titel 1">
+            <a:extLst>
+              <a:ext uri="{FF2B5EF4-FFF2-40B4-BE49-F238E27FC236}">
+                <a16:creationId xmlns:a16="http://schemas.microsoft.com/office/drawing/2014/main" id="{4D06747E-6888-485D-A461-B7CBF4FB1183}"/>
+              </a:ext>
+            </a:extLst>
+          </p:cNvPr>
+          <p:cNvSpPr>
+            <a:spLocks noGrp="1"/>
+          </p:cNvSpPr>
+          <p:nvPr>
+            <p:ph type="title"/>
+          </p:nvPr>
+        </p:nvSpPr>
+        <p:spPr>
+          <a:xfrm>
+            <a:off x="640080" y="2074363"/>
+            <a:ext cx="2752354" cy="2709275"/>
+          </a:xfrm>
+          <a:prstGeom prst="ellipse">
+            <a:avLst/>
+          </a:prstGeom>
+          <a:solidFill>
+            <a:srgbClr val="262626"/>
+          </a:solidFill>
+          <a:ln w="174625" cmpd="thinThick">
+            <a:solidFill>
+              <a:srgbClr val="262626"/>
+            </a:solidFill>
+          </a:ln>
+        </p:spPr>
+        <p:txBody>
+          <a:bodyPr vert="horz" lIns="91440" tIns="45720" rIns="91440" bIns="45720" rtlCol="0" anchor="ctr">
+            <a:normAutofit/>
+          </a:bodyPr>
+          <a:lstStyle/>
+          <a:p>
+            <a:pPr algn="ctr"/>
+            <a:r>
+              <a:rPr lang="en-US" sz="2000" kern="1200" dirty="0">
+                <a:solidFill>
+                  <a:srgbClr val="FFFFFF"/>
+                </a:solidFill>
+                <a:latin typeface="+mj-lt"/>
+                <a:ea typeface="+mj-ea"/>
+                <a:cs typeface="+mj-cs"/>
+              </a:rPr>
+              <a:t>Anwendungsfälle2</a:t>
+            </a:r>
+          </a:p>
+        </p:txBody>
+      </p:sp>
+      <p:pic>
+        <p:nvPicPr>
+          <p:cNvPr id="4" name="Grafik 3">
+            <a:extLst>
+              <a:ext uri="{FF2B5EF4-FFF2-40B4-BE49-F238E27FC236}">
+                <a16:creationId xmlns:a16="http://schemas.microsoft.com/office/drawing/2014/main" id="{28AC4AB5-DF3E-4CE3-932E-2CD8A3EB967B}"/>
+              </a:ext>
+            </a:extLst>
+          </p:cNvPr>
+          <p:cNvPicPr>
+            <a:picLocks noChangeAspect="1"/>
+          </p:cNvPicPr>
+          <p:nvPr/>
+        </p:nvPicPr>
+        <p:blipFill>
+          <a:blip r:embed="rId2">
+            <a:extLst>
+              <a:ext uri="{28A0092B-C50C-407E-A947-70E740481C1C}">
+                <a14:useLocalDpi xmlns:a14="http://schemas.microsoft.com/office/drawing/2010/main" val="0"/>
+              </a:ext>
+            </a:extLst>
+          </a:blip>
+          <a:stretch>
+            <a:fillRect/>
+          </a:stretch>
+        </p:blipFill>
+        <p:spPr>
+          <a:xfrm>
+            <a:off x="6165731" y="961812"/>
+            <a:ext cx="2933936" cy="4930987"/>
+          </a:xfrm>
+          <a:prstGeom prst="rect">
+            <a:avLst/>
+          </a:prstGeom>
+        </p:spPr>
+      </p:pic>
+    </p:spTree>
+    <p:extLst>
+      <p:ext uri="{BB962C8B-B14F-4D97-AF65-F5344CB8AC3E}">
+        <p14:creationId xmlns:p14="http://schemas.microsoft.com/office/powerpoint/2010/main" val="366064566"/>
+      </p:ext>
+    </p:extLst>
+  </p:cSld>
+  <p:clrMapOvr>
+    <a:masterClrMapping/>
+  </p:clrMapOvr>
+</p:sld>
+</file>
+
+<file path=ppt/slides/slide14.xml><?xml version="1.0" encoding="utf-8"?>
+<p:sld xmlns:a="http://schemas.openxmlformats.org/drawingml/2006/main" xmlns:r="http://schemas.openxmlformats.org/officeDocument/2006/relationships" xmlns:p="http://schemas.openxmlformats.org/presentationml/2006/main">
+  <p:cSld>
+    <p:bg>
+      <p:bgPr>
+        <a:solidFill>
+          <a:schemeClr val="bg1"/>
+        </a:solidFill>
+        <a:effectLst/>
+      </p:bgPr>
+    </p:bg>
     <p:spTree>
       <p:nvGrpSpPr>
         <p:cNvPr id="1" name=""/>
@@ -4979,9 +5582,16 @@
             <p:ph type="title"/>
           </p:nvPr>
         </p:nvSpPr>
-        <p:spPr/>
+        <p:spPr>
+          <a:xfrm>
+            <a:off x="838200" y="365125"/>
+            <a:ext cx="10515600" cy="1325563"/>
+          </a:xfrm>
+        </p:spPr>
         <p:txBody>
-          <a:bodyPr/>
+          <a:bodyPr>
+            <a:normAutofit/>
+          </a:bodyPr>
           <a:lstStyle/>
           <a:p>
             <a:r>
@@ -5008,20 +5618,20 @@
             <p:ph idx="1"/>
             <p:extLst>
               <p:ext uri="{D42A27DB-BD31-4B8C-83A1-F6EECF244321}">
-                <p14:modId xmlns:p14="http://schemas.microsoft.com/office/powerpoint/2010/main" val="1092764606"/>
+                <p14:modId xmlns:p14="http://schemas.microsoft.com/office/powerpoint/2010/main" val="1860192965"/>
               </p:ext>
             </p:extLst>
           </p:nvPr>
         </p:nvGraphicFramePr>
         <p:xfrm>
-          <a:off x="838200" y="1825625"/>
-          <a:ext cx="10515600" cy="3832860"/>
+          <a:off x="838200" y="2013617"/>
+          <a:ext cx="10515600" cy="3975354"/>
         </p:xfrm>
         <a:graphic>
           <a:graphicData uri="http://schemas.openxmlformats.org/drawingml/2006/table">
             <a:tbl>
               <a:tblPr firstRow="1" bandRow="1">
-                <a:tableStyleId>{5940675A-B579-460E-94D1-54222C63F5DA}</a:tableStyleId>
+                <a:tableStyleId>{8EC20E35-A176-4012-BC5E-935CFFF8708E}</a:tableStyleId>
               </a:tblPr>
               <a:tblGrid>
                 <a:gridCol w="2171330">
@@ -5039,27 +5649,24 @@
                   </a:extLst>
                 </a:gridCol>
               </a:tblGrid>
-              <a:tr h="370840">
-                <a:tc>
-                  <a:txBody>
-                    <a:bodyPr/>
-                    <a:lstStyle/>
-                    <a:p>
-                      <a:pPr>
-                        <a:spcAft>
-                          <a:spcPts val="0"/>
-                        </a:spcAft>
-                      </a:pPr>
-                      <a:r>
-                        <a:rPr lang="de-DE" sz="1800" kern="150" dirty="0">
-                          <a:effectLst/>
-                          <a:latin typeface="+mn-lt"/>
-                          <a:ea typeface="Droid Sans Fallback"/>
-                          <a:cs typeface="Noto Sans Devanagari"/>
+              <a:tr h="380746">
+                <a:tc>
+                  <a:txBody>
+                    <a:bodyPr/>
+                    <a:lstStyle/>
+                    <a:p>
+                      <a:pPr>
+                        <a:spcAft>
+                          <a:spcPts val="0"/>
+                        </a:spcAft>
+                      </a:pPr>
+                      <a:r>
+                        <a:rPr lang="de-DE" sz="1800" kern="150">
+                          <a:effectLst/>
                         </a:rPr>
                         <a:t>Name</a:t>
                       </a:r>
-                      <a:endParaRPr lang="en-GB" sz="1800" kern="150" dirty="0">
+                      <a:endParaRPr lang="en-GB" sz="1800" kern="150">
                         <a:effectLst/>
                         <a:latin typeface="+mn-lt"/>
                         <a:ea typeface="Droid Sans Fallback"/>
@@ -5080,15 +5687,12 @@
                         </a:spcAft>
                       </a:pPr>
                       <a:r>
-                        <a:rPr lang="de-DE" sz="1800" kern="150" dirty="0">
-                          <a:effectLst/>
-                          <a:latin typeface="+mn-lt"/>
-                          <a:ea typeface="Droid Sans Fallback"/>
-                          <a:cs typeface="Noto Sans Devanagari"/>
+                        <a:rPr lang="de-DE" sz="1800" kern="150">
+                          <a:effectLst/>
                         </a:rPr>
                         <a:t>Flash bearbeiten</a:t>
                       </a:r>
-                      <a:endParaRPr lang="en-GB" sz="1800" kern="150" dirty="0">
+                      <a:endParaRPr lang="en-GB" sz="1800" kern="150">
                         <a:effectLst/>
                         <a:latin typeface="+mn-lt"/>
                         <a:ea typeface="Droid Sans Fallback"/>
@@ -5104,27 +5708,24 @@
                   </a:ext>
                 </a:extLst>
               </a:tr>
-              <a:tr h="370840">
-                <a:tc>
-                  <a:txBody>
-                    <a:bodyPr/>
-                    <a:lstStyle/>
-                    <a:p>
-                      <a:pPr>
-                        <a:spcAft>
-                          <a:spcPts val="0"/>
-                        </a:spcAft>
-                      </a:pPr>
-                      <a:r>
-                        <a:rPr lang="de-DE" sz="1800" kern="150" dirty="0">
-                          <a:effectLst/>
-                          <a:latin typeface="+mn-lt"/>
-                          <a:ea typeface="Droid Sans Fallback"/>
-                          <a:cs typeface="Noto Sans Devanagari"/>
+              <a:tr h="380746">
+                <a:tc>
+                  <a:txBody>
+                    <a:bodyPr/>
+                    <a:lstStyle/>
+                    <a:p>
+                      <a:pPr>
+                        <a:spcAft>
+                          <a:spcPts val="0"/>
+                        </a:spcAft>
+                      </a:pPr>
+                      <a:r>
+                        <a:rPr lang="de-DE" sz="1800" kern="150">
+                          <a:effectLst/>
                         </a:rPr>
                         <a:t>Ziel</a:t>
                       </a:r>
-                      <a:endParaRPr lang="en-GB" sz="1800" kern="150" dirty="0">
+                      <a:endParaRPr lang="en-GB" sz="1800" kern="150">
                         <a:effectLst/>
                         <a:latin typeface="+mn-lt"/>
                         <a:ea typeface="Droid Sans Fallback"/>
@@ -5145,15 +5746,12 @@
                         </a:spcAft>
                       </a:pPr>
                       <a:r>
-                        <a:rPr lang="de-DE" sz="1800" kern="150" dirty="0">
-                          <a:effectLst/>
-                          <a:latin typeface="+mn-lt"/>
-                          <a:ea typeface="Droid Sans Fallback"/>
-                          <a:cs typeface="Noto Sans Devanagari"/>
+                        <a:rPr lang="de-DE" sz="1800" kern="150">
+                          <a:effectLst/>
                         </a:rPr>
                         <a:t>Die Eigenschaften eines Flash Elements zur ändern.(Name, Parameter, Position)</a:t>
                       </a:r>
-                      <a:endParaRPr lang="en-GB" sz="1800" kern="150" dirty="0">
+                      <a:endParaRPr lang="en-GB" sz="1800" kern="150">
                         <a:effectLst/>
                         <a:latin typeface="+mn-lt"/>
                         <a:ea typeface="Droid Sans Fallback"/>
@@ -5169,27 +5767,24 @@
                   </a:ext>
                 </a:extLst>
               </a:tr>
-              <a:tr h="370840">
-                <a:tc>
-                  <a:txBody>
-                    <a:bodyPr/>
-                    <a:lstStyle/>
-                    <a:p>
-                      <a:pPr>
-                        <a:spcAft>
-                          <a:spcPts val="0"/>
-                        </a:spcAft>
-                      </a:pPr>
-                      <a:r>
-                        <a:rPr lang="de-DE" sz="1800" kern="150" dirty="0">
-                          <a:effectLst/>
-                          <a:latin typeface="+mn-lt"/>
-                          <a:ea typeface="Droid Sans Fallback"/>
-                          <a:cs typeface="Noto Sans Devanagari"/>
+              <a:tr h="380746">
+                <a:tc>
+                  <a:txBody>
+                    <a:bodyPr/>
+                    <a:lstStyle/>
+                    <a:p>
+                      <a:pPr>
+                        <a:spcAft>
+                          <a:spcPts val="0"/>
+                        </a:spcAft>
+                      </a:pPr>
+                      <a:r>
+                        <a:rPr lang="de-DE" sz="1800" kern="150">
+                          <a:effectLst/>
                         </a:rPr>
                         <a:t>Einordnung</a:t>
                       </a:r>
-                      <a:endParaRPr lang="en-GB" sz="1800" kern="150" dirty="0">
+                      <a:endParaRPr lang="en-GB" sz="1800" kern="150">
                         <a:effectLst/>
                         <a:latin typeface="+mn-lt"/>
                         <a:ea typeface="Droid Sans Fallback"/>
@@ -5210,15 +5805,12 @@
                         </a:spcAft>
                       </a:pPr>
                       <a:r>
-                        <a:rPr lang="de-DE" sz="1800" kern="150" dirty="0">
-                          <a:effectLst/>
-                          <a:latin typeface="+mn-lt"/>
-                          <a:ea typeface="Droid Sans Fallback"/>
-                          <a:cs typeface="Noto Sans Devanagari"/>
+                        <a:rPr lang="de-DE" sz="1800" kern="150">
+                          <a:effectLst/>
                         </a:rPr>
                         <a:t>Nebenfunktion</a:t>
                       </a:r>
-                      <a:endParaRPr lang="en-GB" sz="1800" kern="150" dirty="0">
+                      <a:endParaRPr lang="en-GB" sz="1800" kern="150">
                         <a:effectLst/>
                         <a:latin typeface="+mn-lt"/>
                         <a:ea typeface="Droid Sans Fallback"/>
@@ -5234,27 +5826,24 @@
                   </a:ext>
                 </a:extLst>
               </a:tr>
-              <a:tr h="370840">
-                <a:tc>
-                  <a:txBody>
-                    <a:bodyPr/>
-                    <a:lstStyle/>
-                    <a:p>
-                      <a:pPr>
-                        <a:spcAft>
-                          <a:spcPts val="0"/>
-                        </a:spcAft>
-                      </a:pPr>
-                      <a:r>
-                        <a:rPr lang="de-DE" sz="1800" kern="150" dirty="0">
-                          <a:effectLst/>
-                          <a:latin typeface="+mn-lt"/>
-                          <a:ea typeface="Droid Sans Fallback"/>
-                          <a:cs typeface="Noto Sans Devanagari"/>
+              <a:tr h="380746">
+                <a:tc>
+                  <a:txBody>
+                    <a:bodyPr/>
+                    <a:lstStyle/>
+                    <a:p>
+                      <a:pPr>
+                        <a:spcAft>
+                          <a:spcPts val="0"/>
+                        </a:spcAft>
+                      </a:pPr>
+                      <a:r>
+                        <a:rPr lang="de-DE" sz="1800" kern="150">
+                          <a:effectLst/>
                         </a:rPr>
                         <a:t>Vorbedingung</a:t>
                       </a:r>
-                      <a:endParaRPr lang="en-GB" sz="1800" kern="150" dirty="0">
+                      <a:endParaRPr lang="en-GB" sz="1800" kern="150">
                         <a:effectLst/>
                         <a:latin typeface="+mn-lt"/>
                         <a:ea typeface="Droid Sans Fallback"/>
@@ -5275,15 +5864,12 @@
                         </a:spcAft>
                       </a:pPr>
                       <a:r>
-                        <a:rPr lang="de-DE" sz="1800" kern="150" dirty="0">
-                          <a:effectLst/>
-                          <a:latin typeface="+mn-lt"/>
-                          <a:ea typeface="Droid Sans Fallback"/>
-                          <a:cs typeface="Noto Sans Devanagari"/>
+                        <a:rPr lang="de-DE" sz="1800" kern="150">
+                          <a:effectLst/>
                         </a:rPr>
                         <a:t>Es existiert min. 1 Flash Element</a:t>
                       </a:r>
-                      <a:endParaRPr lang="en-GB" sz="1800" kern="150" dirty="0">
+                      <a:endParaRPr lang="en-GB" sz="1800" kern="150">
                         <a:effectLst/>
                         <a:latin typeface="+mn-lt"/>
                         <a:ea typeface="Droid Sans Fallback"/>
@@ -5299,27 +5885,24 @@
                   </a:ext>
                 </a:extLst>
               </a:tr>
-              <a:tr h="370840">
-                <a:tc>
-                  <a:txBody>
-                    <a:bodyPr/>
-                    <a:lstStyle/>
-                    <a:p>
-                      <a:pPr>
-                        <a:spcAft>
-                          <a:spcPts val="0"/>
-                        </a:spcAft>
-                      </a:pPr>
-                      <a:r>
-                        <a:rPr lang="de-DE" sz="1800" kern="150" dirty="0">
-                          <a:effectLst/>
-                          <a:latin typeface="+mn-lt"/>
-                          <a:ea typeface="Droid Sans Fallback"/>
-                          <a:cs typeface="Noto Sans Devanagari"/>
+              <a:tr h="655066">
+                <a:tc>
+                  <a:txBody>
+                    <a:bodyPr/>
+                    <a:lstStyle/>
+                    <a:p>
+                      <a:pPr>
+                        <a:spcAft>
+                          <a:spcPts val="0"/>
+                        </a:spcAft>
+                      </a:pPr>
+                      <a:r>
+                        <a:rPr lang="de-DE" sz="1800" kern="150">
+                          <a:effectLst/>
                         </a:rPr>
                         <a:t>Nachbedingung</a:t>
                       </a:r>
-                      <a:endParaRPr lang="en-GB" sz="1800" kern="150" dirty="0">
+                      <a:endParaRPr lang="en-GB" sz="1800" kern="150">
                         <a:effectLst/>
                         <a:latin typeface="+mn-lt"/>
                         <a:ea typeface="Droid Sans Fallback"/>
@@ -5340,33 +5923,12 @@
                         </a:spcAft>
                       </a:pPr>
                       <a:r>
-                        <a:rPr lang="de-DE" sz="1800" kern="150" dirty="0">
-                          <a:effectLst/>
-                          <a:latin typeface="+mn-lt"/>
-                          <a:ea typeface="Droid Sans Fallback"/>
-                          <a:cs typeface="Noto Sans Devanagari"/>
-                        </a:rPr>
-                        <a:t>Die Eigenschaften des angegebenen Flash Elements wurden entsprechend geändert. </a:t>
-                      </a:r>
-                      <a:r>
-                        <a:rPr lang="de-DE" sz="1800" kern="150" dirty="0">
-                          <a:effectLst/>
-                          <a:latin typeface="+mn-lt"/>
-                          <a:ea typeface="Bitstream Vera Serif"/>
-                          <a:cs typeface="Bitstream Vera Serif"/>
-                        </a:rPr>
-                        <a:t>Standardbildschirm</a:t>
-                      </a:r>
-                      <a:r>
-                        <a:rPr lang="de-DE" sz="1800" kern="150" dirty="0">
-                          <a:effectLst/>
-                          <a:latin typeface="+mn-lt"/>
-                          <a:ea typeface="Droid Sans Fallback"/>
-                          <a:cs typeface="Noto Sans Devanagari"/>
-                        </a:rPr>
-                        <a:t> wird wieder Angezeigt</a:t>
-                      </a:r>
-                      <a:endParaRPr lang="en-GB" sz="1800" kern="150" dirty="0">
+                        <a:rPr lang="de-DE" sz="1800" kern="150">
+                          <a:effectLst/>
+                        </a:rPr>
+                        <a:t>Die Eigenschaften des angegebenen Flash Elements wurden entsprechend geändert. Standardbildschirm wird wieder Angezeigt</a:t>
+                      </a:r>
+                      <a:endParaRPr lang="en-GB" sz="1800" kern="150">
                         <a:effectLst/>
                         <a:latin typeface="+mn-lt"/>
                         <a:ea typeface="Droid Sans Fallback"/>
@@ -5382,27 +5944,24 @@
                   </a:ext>
                 </a:extLst>
               </a:tr>
-              <a:tr h="370840">
-                <a:tc>
-                  <a:txBody>
-                    <a:bodyPr/>
-                    <a:lstStyle/>
-                    <a:p>
-                      <a:pPr>
-                        <a:spcAft>
-                          <a:spcPts val="0"/>
-                        </a:spcAft>
-                      </a:pPr>
-                      <a:r>
-                        <a:rPr lang="de-DE" sz="1800" kern="150" dirty="0">
-                          <a:effectLst/>
-                          <a:latin typeface="+mn-lt"/>
-                          <a:ea typeface="Droid Sans Fallback"/>
-                          <a:cs typeface="Noto Sans Devanagari"/>
+              <a:tr h="655066">
+                <a:tc>
+                  <a:txBody>
+                    <a:bodyPr/>
+                    <a:lstStyle/>
+                    <a:p>
+                      <a:pPr>
+                        <a:spcAft>
+                          <a:spcPts val="0"/>
+                        </a:spcAft>
+                      </a:pPr>
+                      <a:r>
+                        <a:rPr lang="de-DE" sz="1800" kern="150">
+                          <a:effectLst/>
                         </a:rPr>
                         <a:t>Nachbedingung im Fehlerfall</a:t>
                       </a:r>
-                      <a:endParaRPr lang="en-GB" sz="1800" kern="150" dirty="0">
+                      <a:endParaRPr lang="en-GB" sz="1800" kern="150">
                         <a:effectLst/>
                         <a:latin typeface="+mn-lt"/>
                         <a:ea typeface="Droid Sans Fallback"/>
@@ -5423,24 +5982,12 @@
                         </a:spcAft>
                       </a:pPr>
                       <a:r>
-                        <a:rPr lang="de-DE" sz="1800" kern="150" dirty="0">
-                          <a:effectLst/>
-                          <a:latin typeface="+mn-lt"/>
-                          <a:ea typeface="Bitstream Vera Serif"/>
-                          <a:cs typeface="Bitstream Vera Serif"/>
-                        </a:rPr>
-                        <a:t>Standardbildschirm</a:t>
-                      </a:r>
-                      <a:r>
-                        <a:rPr lang="de-DE" sz="1800" kern="150" dirty="0">
-                          <a:effectLst/>
-                          <a:latin typeface="+mn-lt"/>
-                          <a:ea typeface="Droid Sans Fallback"/>
-                          <a:cs typeface="Noto Sans Devanagari"/>
-                        </a:rPr>
-                        <a:t> wird Angezeigt. Das Flash Element wurde nicht modifiziert.</a:t>
-                      </a:r>
-                      <a:endParaRPr lang="en-GB" sz="1800" kern="150" dirty="0">
+                        <a:rPr lang="de-DE" sz="1800" kern="150">
+                          <a:effectLst/>
+                        </a:rPr>
+                        <a:t>Standardbildschirm wird Angezeigt. Das Flash Element wurde nicht modifiziert.</a:t>
+                      </a:r>
+                      <a:endParaRPr lang="en-GB" sz="1800" kern="150">
                         <a:effectLst/>
                         <a:latin typeface="+mn-lt"/>
                         <a:ea typeface="Droid Sans Fallback"/>
@@ -5456,27 +6003,24 @@
                   </a:ext>
                 </a:extLst>
               </a:tr>
-              <a:tr h="370840">
-                <a:tc>
-                  <a:txBody>
-                    <a:bodyPr/>
-                    <a:lstStyle/>
-                    <a:p>
-                      <a:pPr>
-                        <a:spcAft>
-                          <a:spcPts val="0"/>
-                        </a:spcAft>
-                      </a:pPr>
-                      <a:r>
-                        <a:rPr lang="de-DE" sz="1800" kern="150" dirty="0">
-                          <a:effectLst/>
-                          <a:latin typeface="+mn-lt"/>
-                          <a:ea typeface="Droid Sans Fallback"/>
-                          <a:cs typeface="Noto Sans Devanagari"/>
+              <a:tr h="380746">
+                <a:tc>
+                  <a:txBody>
+                    <a:bodyPr/>
+                    <a:lstStyle/>
+                    <a:p>
+                      <a:pPr>
+                        <a:spcAft>
+                          <a:spcPts val="0"/>
+                        </a:spcAft>
+                      </a:pPr>
+                      <a:r>
+                        <a:rPr lang="de-DE" sz="1800" kern="150">
+                          <a:effectLst/>
                         </a:rPr>
                         <a:t>Hauptakteur</a:t>
                       </a:r>
-                      <a:endParaRPr lang="en-GB" sz="1800" kern="150" dirty="0">
+                      <a:endParaRPr lang="en-GB" sz="1800" kern="150">
                         <a:effectLst/>
                         <a:latin typeface="+mn-lt"/>
                         <a:ea typeface="Droid Sans Fallback"/>
@@ -5497,15 +6041,12 @@
                         </a:spcAft>
                       </a:pPr>
                       <a:r>
-                        <a:rPr lang="de-DE" sz="1800" kern="150" dirty="0">
-                          <a:effectLst/>
-                          <a:latin typeface="+mn-lt"/>
-                          <a:ea typeface="Droid Sans Fallback"/>
-                          <a:cs typeface="Noto Sans Devanagari"/>
+                        <a:rPr lang="de-DE" sz="1800" kern="150">
+                          <a:effectLst/>
                         </a:rPr>
                         <a:t>Nutzer</a:t>
                       </a:r>
-                      <a:endParaRPr lang="en-GB" sz="1800" kern="150" dirty="0">
+                      <a:endParaRPr lang="en-GB" sz="1800" kern="150">
                         <a:effectLst/>
                         <a:latin typeface="+mn-lt"/>
                         <a:ea typeface="Droid Sans Fallback"/>
@@ -5521,27 +6062,24 @@
                   </a:ext>
                 </a:extLst>
               </a:tr>
-              <a:tr h="370840">
-                <a:tc>
-                  <a:txBody>
-                    <a:bodyPr/>
-                    <a:lstStyle/>
-                    <a:p>
-                      <a:pPr>
-                        <a:spcAft>
-                          <a:spcPts val="0"/>
-                        </a:spcAft>
-                      </a:pPr>
-                      <a:r>
-                        <a:rPr lang="de-DE" sz="1800" kern="150" dirty="0">
-                          <a:effectLst/>
-                          <a:latin typeface="+mn-lt"/>
-                          <a:ea typeface="Droid Sans Fallback"/>
-                          <a:cs typeface="Noto Sans Devanagari"/>
+              <a:tr h="380746">
+                <a:tc>
+                  <a:txBody>
+                    <a:bodyPr/>
+                    <a:lstStyle/>
+                    <a:p>
+                      <a:pPr>
+                        <a:spcAft>
+                          <a:spcPts val="0"/>
+                        </a:spcAft>
+                      </a:pPr>
+                      <a:r>
+                        <a:rPr lang="de-DE" sz="1800" kern="150">
+                          <a:effectLst/>
                         </a:rPr>
                         <a:t>Nebenakteure</a:t>
                       </a:r>
-                      <a:endParaRPr lang="en-GB" sz="1800" kern="150" dirty="0">
+                      <a:endParaRPr lang="en-GB" sz="1800" kern="150">
                         <a:effectLst/>
                         <a:latin typeface="+mn-lt"/>
                         <a:ea typeface="Droid Sans Fallback"/>
@@ -5562,15 +6100,12 @@
                         </a:spcAft>
                       </a:pPr>
                       <a:r>
-                        <a:rPr lang="de-DE" sz="1800" kern="150" dirty="0">
-                          <a:effectLst/>
-                          <a:latin typeface="+mn-lt"/>
-                          <a:ea typeface="Droid Sans Fallback"/>
-                          <a:cs typeface="Noto Sans Devanagari"/>
+                        <a:rPr lang="de-DE" sz="1800" kern="150">
+                          <a:effectLst/>
                         </a:rPr>
                         <a:t>-</a:t>
                       </a:r>
-                      <a:endParaRPr lang="en-GB" sz="1800" kern="150" dirty="0">
+                      <a:endParaRPr lang="en-GB" sz="1800" kern="150">
                         <a:effectLst/>
                         <a:latin typeface="+mn-lt"/>
                         <a:ea typeface="Droid Sans Fallback"/>
@@ -5586,27 +6121,24 @@
                   </a:ext>
                 </a:extLst>
               </a:tr>
-              <a:tr h="370840">
-                <a:tc>
-                  <a:txBody>
-                    <a:bodyPr/>
-                    <a:lstStyle/>
-                    <a:p>
-                      <a:pPr>
-                        <a:spcAft>
-                          <a:spcPts val="0"/>
-                        </a:spcAft>
-                      </a:pPr>
-                      <a:r>
-                        <a:rPr lang="de-DE" sz="1800" kern="150" dirty="0">
-                          <a:effectLst/>
-                          <a:latin typeface="+mn-lt"/>
-                          <a:ea typeface="Droid Sans Fallback"/>
-                          <a:cs typeface="Noto Sans Devanagari"/>
+              <a:tr h="380746">
+                <a:tc>
+                  <a:txBody>
+                    <a:bodyPr/>
+                    <a:lstStyle/>
+                    <a:p>
+                      <a:pPr>
+                        <a:spcAft>
+                          <a:spcPts val="0"/>
+                        </a:spcAft>
+                      </a:pPr>
+                      <a:r>
+                        <a:rPr lang="de-DE" sz="1800" kern="150">
+                          <a:effectLst/>
                         </a:rPr>
                         <a:t>Auslöser</a:t>
                       </a:r>
-                      <a:endParaRPr lang="en-GB" sz="1800" kern="150" dirty="0">
+                      <a:endParaRPr lang="en-GB" sz="1800" kern="150">
                         <a:effectLst/>
                         <a:latin typeface="+mn-lt"/>
                         <a:ea typeface="Droid Sans Fallback"/>
@@ -5627,33 +6159,12 @@
                         </a:spcAft>
                       </a:pPr>
                       <a:r>
-                        <a:rPr lang="de-DE" sz="1800" kern="150" dirty="0">
-                          <a:effectLst/>
-                          <a:latin typeface="+mn-lt"/>
-                          <a:ea typeface="Droid Sans Fallback"/>
-                          <a:cs typeface="Noto Sans Devanagari"/>
-                        </a:rPr>
-                        <a:t>Auswahl der Option eines  </a:t>
-                      </a:r>
-                      <a:r>
-                        <a:rPr lang="de-DE" sz="1800" kern="150" dirty="0" err="1">
-                          <a:effectLst/>
-                          <a:latin typeface="+mn-lt"/>
-                          <a:ea typeface="Droid Sans Fallback"/>
-                          <a:cs typeface="Noto Sans Devanagari"/>
-                        </a:rPr>
-                        <a:t>Flashes</a:t>
-                      </a:r>
-                      <a:r>
-                        <a:rPr lang="de-DE" sz="1800" kern="150" dirty="0">
-                          <a:effectLst/>
-                          <a:latin typeface="+mn-lt"/>
-                          <a:ea typeface="Droid Sans Fallback"/>
-                          <a:cs typeface="Noto Sans Devanagari"/>
-                        </a:rPr>
-                        <a:t>.</a:t>
-                      </a:r>
-                      <a:endParaRPr lang="en-GB" sz="1800" kern="150" dirty="0">
+                        <a:rPr lang="de-DE" sz="1800" kern="150">
+                          <a:effectLst/>
+                        </a:rPr>
+                        <a:t>Auswahl der Option eines  Flashes.</a:t>
+                      </a:r>
+                      <a:endParaRPr lang="en-GB" sz="1800" kern="150">
                         <a:effectLst/>
                         <a:latin typeface="+mn-lt"/>
                         <a:ea typeface="Droid Sans Fallback"/>
@@ -5686,9 +6197,17 @@
 </p:sld>
 </file>
 
-<file path=ppt/slides/slide13.xml><?xml version="1.0" encoding="utf-8"?>
+<file path=ppt/slides/slide15.xml><?xml version="1.0" encoding="utf-8"?>
 <p:sld xmlns:a="http://schemas.openxmlformats.org/drawingml/2006/main" xmlns:r="http://schemas.openxmlformats.org/officeDocument/2006/relationships" xmlns:p="http://schemas.openxmlformats.org/presentationml/2006/main">
   <p:cSld>
+    <p:bg>
+      <p:bgPr>
+        <a:solidFill>
+          <a:schemeClr val="bg1"/>
+        </a:solidFill>
+        <a:effectLst/>
+      </p:bgPr>
+    </p:bg>
     <p:spTree>
       <p:nvGrpSpPr>
         <p:cNvPr id="1" name=""/>
@@ -5719,9 +6238,16 @@
             <p:ph type="title"/>
           </p:nvPr>
         </p:nvSpPr>
-        <p:spPr/>
+        <p:spPr>
+          <a:xfrm>
+            <a:off x="838200" y="365125"/>
+            <a:ext cx="10515600" cy="1325563"/>
+          </a:xfrm>
+        </p:spPr>
         <p:txBody>
-          <a:bodyPr/>
+          <a:bodyPr>
+            <a:normAutofit/>
+          </a:bodyPr>
           <a:lstStyle/>
           <a:p>
             <a:r>
@@ -5748,20 +6274,20 @@
             <p:ph idx="1"/>
             <p:extLst>
               <p:ext uri="{D42A27DB-BD31-4B8C-83A1-F6EECF244321}">
-                <p14:modId xmlns:p14="http://schemas.microsoft.com/office/powerpoint/2010/main" val="3610999940"/>
+                <p14:modId xmlns:p14="http://schemas.microsoft.com/office/powerpoint/2010/main" val="245829940"/>
               </p:ext>
             </p:extLst>
           </p:nvPr>
         </p:nvGraphicFramePr>
         <p:xfrm>
-          <a:off x="838200" y="1825625"/>
-          <a:ext cx="10515600" cy="2472690"/>
+          <a:off x="838200" y="2721896"/>
+          <a:ext cx="10515600" cy="2558796"/>
         </p:xfrm>
         <a:graphic>
           <a:graphicData uri="http://schemas.openxmlformats.org/drawingml/2006/table">
             <a:tbl>
               <a:tblPr firstRow="1" bandRow="1">
-                <a:tableStyleId>{5940675A-B579-460E-94D1-54222C63F5DA}</a:tableStyleId>
+                <a:tableStyleId>{8EC20E35-A176-4012-BC5E-935CFFF8708E}</a:tableStyleId>
               </a:tblPr>
               <a:tblGrid>
                 <a:gridCol w="2171330">
@@ -5786,7 +6312,7 @@
                   </a:extLst>
                 </a:gridCol>
               </a:tblGrid>
-              <a:tr h="370840">
+              <a:tr h="380746">
                 <a:tc>
                   <a:txBody>
                     <a:bodyPr/>
@@ -5800,9 +6326,6 @@
                       <a:r>
                         <a:rPr lang="de-DE" sz="1800" kern="150" dirty="0">
                           <a:effectLst/>
-                          <a:latin typeface="+mn-lt"/>
-                          <a:ea typeface="Droid Sans Fallback"/>
-                          <a:cs typeface="Noto Sans Devanagari"/>
                         </a:rPr>
                         <a:t>Standardablauf</a:t>
                       </a:r>
@@ -5827,15 +6350,12 @@
                         </a:spcAft>
                       </a:pPr>
                       <a:r>
-                        <a:rPr lang="de-DE" sz="1800" kern="150" dirty="0">
-                          <a:effectLst/>
-                          <a:latin typeface="+mn-lt"/>
-                          <a:ea typeface="Droid Sans Fallback"/>
-                          <a:cs typeface="Noto Sans Devanagari"/>
+                        <a:rPr lang="de-DE" sz="1800" kern="150">
+                          <a:effectLst/>
                         </a:rPr>
                         <a:t>Schritt</a:t>
                       </a:r>
-                      <a:endParaRPr lang="en-GB" sz="1800" kern="150" dirty="0">
+                      <a:endParaRPr lang="en-GB" sz="1800" kern="150">
                         <a:effectLst/>
                         <a:latin typeface="+mn-lt"/>
                         <a:ea typeface="Droid Sans Fallback"/>
@@ -5856,15 +6376,12 @@
                         </a:spcAft>
                       </a:pPr>
                       <a:r>
-                        <a:rPr lang="de-DE" sz="1800" kern="150" dirty="0">
-                          <a:effectLst/>
-                          <a:latin typeface="+mn-lt"/>
-                          <a:ea typeface="Droid Sans Fallback"/>
-                          <a:cs typeface="Noto Sans Devanagari"/>
+                        <a:rPr lang="de-DE" sz="1800" kern="150">
+                          <a:effectLst/>
                         </a:rPr>
                         <a:t>Aktion</a:t>
                       </a:r>
-                      <a:endParaRPr lang="en-GB" sz="1800" kern="150" dirty="0">
+                      <a:endParaRPr lang="en-GB" sz="1800" kern="150">
                         <a:effectLst/>
                         <a:latin typeface="+mn-lt"/>
                         <a:ea typeface="Droid Sans Fallback"/>
@@ -5880,27 +6397,24 @@
                   </a:ext>
                 </a:extLst>
               </a:tr>
-              <a:tr h="370840">
-                <a:tc>
-                  <a:txBody>
-                    <a:bodyPr/>
-                    <a:lstStyle/>
-                    <a:p>
-                      <a:pPr>
-                        <a:spcAft>
-                          <a:spcPts val="0"/>
-                        </a:spcAft>
-                      </a:pPr>
-                      <a:r>
-                        <a:rPr lang="de-DE" sz="1800" kern="150" dirty="0">
-                          <a:effectLst/>
-                          <a:latin typeface="+mn-lt"/>
-                          <a:ea typeface="Droid Sans Fallback"/>
-                          <a:cs typeface="Noto Sans Devanagari"/>
+              <a:tr h="380746">
+                <a:tc>
+                  <a:txBody>
+                    <a:bodyPr/>
+                    <a:lstStyle/>
+                    <a:p>
+                      <a:pPr>
+                        <a:spcAft>
+                          <a:spcPts val="0"/>
+                        </a:spcAft>
+                      </a:pPr>
+                      <a:r>
+                        <a:rPr lang="de-DE" sz="1800" kern="150">
+                          <a:effectLst/>
                         </a:rPr>
                         <a:t> </a:t>
                       </a:r>
-                      <a:endParaRPr lang="en-GB" sz="1800" kern="150" dirty="0">
+                      <a:endParaRPr lang="en-GB" sz="1800" kern="150">
                         <a:effectLst/>
                         <a:latin typeface="+mn-lt"/>
                         <a:ea typeface="Droid Sans Fallback"/>
@@ -5921,15 +6435,12 @@
                         </a:spcAft>
                       </a:pPr>
                       <a:r>
-                        <a:rPr lang="de-DE" sz="1800" kern="150" dirty="0">
-                          <a:effectLst/>
-                          <a:latin typeface="+mn-lt"/>
-                          <a:ea typeface="Droid Sans Fallback"/>
-                          <a:cs typeface="Noto Sans Devanagari"/>
+                        <a:rPr lang="de-DE" sz="1800" kern="150">
+                          <a:effectLst/>
                         </a:rPr>
                         <a:t>1</a:t>
                       </a:r>
-                      <a:endParaRPr lang="en-GB" sz="1800" kern="150" dirty="0">
+                      <a:endParaRPr lang="en-GB" sz="1800" kern="150">
                         <a:effectLst/>
                         <a:latin typeface="+mn-lt"/>
                         <a:ea typeface="Droid Sans Fallback"/>
@@ -5950,15 +6461,12 @@
                         </a:spcAft>
                       </a:pPr>
                       <a:r>
-                        <a:rPr lang="de-DE" sz="1800" kern="150" dirty="0">
-                          <a:effectLst/>
-                          <a:latin typeface="+mn-lt"/>
-                          <a:ea typeface="Droid Sans Fallback"/>
-                          <a:cs typeface="Noto Sans Devanagari"/>
+                        <a:rPr lang="de-DE" sz="1800" kern="150">
+                          <a:effectLst/>
                         </a:rPr>
                         <a:t>Nutzer wählt Flash bearbeiten aus.</a:t>
                       </a:r>
-                      <a:endParaRPr lang="en-GB" sz="1800" kern="150" dirty="0">
+                      <a:endParaRPr lang="en-GB" sz="1800" kern="150">
                         <a:effectLst/>
                         <a:latin typeface="+mn-lt"/>
                         <a:ea typeface="Droid Sans Fallback"/>
@@ -5974,27 +6482,24 @@
                   </a:ext>
                 </a:extLst>
               </a:tr>
-              <a:tr h="370840">
-                <a:tc>
-                  <a:txBody>
-                    <a:bodyPr/>
-                    <a:lstStyle/>
-                    <a:p>
-                      <a:pPr>
-                        <a:spcAft>
-                          <a:spcPts val="0"/>
-                        </a:spcAft>
-                      </a:pPr>
-                      <a:r>
-                        <a:rPr lang="de-DE" sz="1800" kern="150" dirty="0">
-                          <a:effectLst/>
-                          <a:latin typeface="+mn-lt"/>
-                          <a:ea typeface="Droid Sans Fallback"/>
-                          <a:cs typeface="Noto Sans Devanagari"/>
+              <a:tr h="380746">
+                <a:tc>
+                  <a:txBody>
+                    <a:bodyPr/>
+                    <a:lstStyle/>
+                    <a:p>
+                      <a:pPr>
+                        <a:spcAft>
+                          <a:spcPts val="0"/>
+                        </a:spcAft>
+                      </a:pPr>
+                      <a:r>
+                        <a:rPr lang="de-DE" sz="1800" kern="150">
+                          <a:effectLst/>
                         </a:rPr>
                         <a:t> </a:t>
                       </a:r>
-                      <a:endParaRPr lang="en-GB" sz="1800" kern="150" dirty="0">
+                      <a:endParaRPr lang="en-GB" sz="1800" kern="150">
                         <a:effectLst/>
                         <a:latin typeface="+mn-lt"/>
                         <a:ea typeface="Droid Sans Fallback"/>
@@ -6015,15 +6520,12 @@
                         </a:spcAft>
                       </a:pPr>
                       <a:r>
-                        <a:rPr lang="de-DE" sz="1800" kern="150" dirty="0">
-                          <a:effectLst/>
-                          <a:latin typeface="+mn-lt"/>
-                          <a:ea typeface="Droid Sans Fallback"/>
-                          <a:cs typeface="Noto Sans Devanagari"/>
+                        <a:rPr lang="de-DE" sz="1800" kern="150">
+                          <a:effectLst/>
                         </a:rPr>
                         <a:t>2</a:t>
                       </a:r>
-                      <a:endParaRPr lang="en-GB" sz="1800" kern="150" dirty="0">
+                      <a:endParaRPr lang="en-GB" sz="1800" kern="150">
                         <a:effectLst/>
                         <a:latin typeface="+mn-lt"/>
                         <a:ea typeface="Droid Sans Fallback"/>
@@ -6044,15 +6546,12 @@
                         </a:spcAft>
                       </a:pPr>
                       <a:r>
-                        <a:rPr lang="de-DE" sz="1800" kern="150" dirty="0">
-                          <a:effectLst/>
-                          <a:latin typeface="+mn-lt"/>
-                          <a:ea typeface="Droid Sans Fallback"/>
-                          <a:cs typeface="Noto Sans Devanagari"/>
+                        <a:rPr lang="de-DE" sz="1800" kern="150">
+                          <a:effectLst/>
                         </a:rPr>
                         <a:t>Eingabedialog für die neuen Werte bzw. Eigenschaften.</a:t>
                       </a:r>
-                      <a:endParaRPr lang="en-GB" sz="1800" kern="150" dirty="0">
+                      <a:endParaRPr lang="en-GB" sz="1800" kern="150">
                         <a:effectLst/>
                         <a:latin typeface="+mn-lt"/>
                         <a:ea typeface="Droid Sans Fallback"/>
@@ -6068,27 +6567,24 @@
                   </a:ext>
                 </a:extLst>
               </a:tr>
-              <a:tr h="370840">
-                <a:tc>
-                  <a:txBody>
-                    <a:bodyPr/>
-                    <a:lstStyle/>
-                    <a:p>
-                      <a:pPr>
-                        <a:spcAft>
-                          <a:spcPts val="0"/>
-                        </a:spcAft>
-                      </a:pPr>
-                      <a:r>
-                        <a:rPr lang="de-DE" sz="1800" kern="150" dirty="0">
-                          <a:effectLst/>
-                          <a:latin typeface="+mn-lt"/>
-                          <a:ea typeface="Droid Sans Fallback"/>
-                          <a:cs typeface="Noto Sans Devanagari"/>
+              <a:tr h="380746">
+                <a:tc>
+                  <a:txBody>
+                    <a:bodyPr/>
+                    <a:lstStyle/>
+                    <a:p>
+                      <a:pPr>
+                        <a:spcAft>
+                          <a:spcPts val="0"/>
+                        </a:spcAft>
+                      </a:pPr>
+                      <a:r>
+                        <a:rPr lang="de-DE" sz="1800" kern="150">
+                          <a:effectLst/>
                         </a:rPr>
                         <a:t> </a:t>
                       </a:r>
-                      <a:endParaRPr lang="en-GB" sz="1800" kern="150" dirty="0">
+                      <a:endParaRPr lang="en-GB" sz="1800" kern="150">
                         <a:effectLst/>
                         <a:latin typeface="+mn-lt"/>
                         <a:ea typeface="Droid Sans Fallback"/>
@@ -6109,15 +6605,12 @@
                         </a:spcAft>
                       </a:pPr>
                       <a:r>
-                        <a:rPr lang="de-DE" sz="1800" kern="150" dirty="0">
-                          <a:effectLst/>
-                          <a:latin typeface="+mn-lt"/>
-                          <a:ea typeface="Droid Sans Fallback"/>
-                          <a:cs typeface="Noto Sans Devanagari"/>
+                        <a:rPr lang="de-DE" sz="1800" kern="150">
+                          <a:effectLst/>
                         </a:rPr>
                         <a:t>3</a:t>
                       </a:r>
-                      <a:endParaRPr lang="en-GB" sz="1800" kern="150" dirty="0">
+                      <a:endParaRPr lang="en-GB" sz="1800" kern="150">
                         <a:effectLst/>
                         <a:latin typeface="+mn-lt"/>
                         <a:ea typeface="Droid Sans Fallback"/>
@@ -6138,15 +6631,12 @@
                         </a:spcAft>
                       </a:pPr>
                       <a:r>
-                        <a:rPr lang="de-DE" sz="1800" kern="150" dirty="0">
-                          <a:effectLst/>
-                          <a:latin typeface="+mn-lt"/>
-                          <a:ea typeface="Bitstream Vera Serif"/>
-                          <a:cs typeface="Bitstream Vera Serif"/>
+                        <a:rPr lang="de-DE" sz="1800" kern="150">
+                          <a:effectLst/>
                         </a:rPr>
                         <a:t>Rückkehr zum Standardbildschirm</a:t>
                       </a:r>
-                      <a:endParaRPr lang="en-GB" sz="1800" kern="150" dirty="0">
+                      <a:endParaRPr lang="en-GB" sz="1800" kern="150">
                         <a:effectLst/>
                         <a:latin typeface="+mn-lt"/>
                         <a:ea typeface="Bitstream Vera Serif"/>
@@ -6162,27 +6652,24 @@
                   </a:ext>
                 </a:extLst>
               </a:tr>
-              <a:tr h="370840">
-                <a:tc>
-                  <a:txBody>
-                    <a:bodyPr/>
-                    <a:lstStyle/>
-                    <a:p>
-                      <a:pPr>
-                        <a:spcAft>
-                          <a:spcPts val="0"/>
-                        </a:spcAft>
-                      </a:pPr>
-                      <a:r>
-                        <a:rPr lang="de-DE" sz="1800" kern="150" dirty="0">
-                          <a:effectLst/>
-                          <a:latin typeface="+mn-lt"/>
-                          <a:ea typeface="Droid Sans Fallback"/>
-                          <a:cs typeface="Noto Sans Devanagari"/>
+              <a:tr h="380746">
+                <a:tc>
+                  <a:txBody>
+                    <a:bodyPr/>
+                    <a:lstStyle/>
+                    <a:p>
+                      <a:pPr>
+                        <a:spcAft>
+                          <a:spcPts val="0"/>
+                        </a:spcAft>
+                      </a:pPr>
+                      <a:r>
+                        <a:rPr lang="de-DE" sz="1800" kern="150">
+                          <a:effectLst/>
                         </a:rPr>
                         <a:t>Verzweigungen</a:t>
                       </a:r>
-                      <a:endParaRPr lang="en-GB" sz="1800" kern="150" dirty="0">
+                      <a:endParaRPr lang="en-GB" sz="1800" kern="150">
                         <a:effectLst/>
                         <a:latin typeface="+mn-lt"/>
                         <a:ea typeface="Droid Sans Fallback"/>
@@ -6203,15 +6690,12 @@
                         </a:spcAft>
                       </a:pPr>
                       <a:r>
-                        <a:rPr lang="de-DE" sz="1800" kern="150" dirty="0">
-                          <a:effectLst/>
-                          <a:latin typeface="+mn-lt"/>
-                          <a:ea typeface="Droid Sans Fallback"/>
-                          <a:cs typeface="Noto Sans Devanagari"/>
+                        <a:rPr lang="de-DE" sz="1800" kern="150">
+                          <a:effectLst/>
                         </a:rPr>
                         <a:t>Schritt</a:t>
                       </a:r>
-                      <a:endParaRPr lang="en-GB" sz="1800" kern="150" dirty="0">
+                      <a:endParaRPr lang="en-GB" sz="1800" kern="150">
                         <a:effectLst/>
                         <a:latin typeface="+mn-lt"/>
                         <a:ea typeface="Droid Sans Fallback"/>
@@ -6232,15 +6716,12 @@
                         </a:spcAft>
                       </a:pPr>
                       <a:r>
-                        <a:rPr lang="de-DE" sz="1800" kern="150" dirty="0">
-                          <a:effectLst/>
-                          <a:latin typeface="+mn-lt"/>
-                          <a:ea typeface="Droid Sans Fallback"/>
-                          <a:cs typeface="Noto Sans Devanagari"/>
+                        <a:rPr lang="de-DE" sz="1800" kern="150">
+                          <a:effectLst/>
                         </a:rPr>
                         <a:t>Aktion</a:t>
                       </a:r>
-                      <a:endParaRPr lang="en-GB" sz="1800" kern="150" dirty="0">
+                      <a:endParaRPr lang="en-GB" sz="1800" kern="150">
                         <a:effectLst/>
                         <a:latin typeface="+mn-lt"/>
                         <a:ea typeface="Droid Sans Fallback"/>
@@ -6256,27 +6737,24 @@
                   </a:ext>
                 </a:extLst>
               </a:tr>
-              <a:tr h="370840">
-                <a:tc>
-                  <a:txBody>
-                    <a:bodyPr/>
-                    <a:lstStyle/>
-                    <a:p>
-                      <a:pPr>
-                        <a:spcAft>
-                          <a:spcPts val="0"/>
-                        </a:spcAft>
-                      </a:pPr>
-                      <a:r>
-                        <a:rPr lang="de-DE" sz="1800" kern="150" dirty="0">
-                          <a:effectLst/>
-                          <a:latin typeface="+mn-lt"/>
-                          <a:ea typeface="Droid Sans Fallback"/>
-                          <a:cs typeface="Noto Sans Devanagari"/>
+              <a:tr h="655066">
+                <a:tc>
+                  <a:txBody>
+                    <a:bodyPr/>
+                    <a:lstStyle/>
+                    <a:p>
+                      <a:pPr>
+                        <a:spcAft>
+                          <a:spcPts val="0"/>
+                        </a:spcAft>
+                      </a:pPr>
+                      <a:r>
+                        <a:rPr lang="de-DE" sz="1800" kern="150">
+                          <a:effectLst/>
                         </a:rPr>
                         <a:t> </a:t>
                       </a:r>
-                      <a:endParaRPr lang="en-GB" sz="1800" kern="150" dirty="0">
+                      <a:endParaRPr lang="en-GB" sz="1800" kern="150">
                         <a:effectLst/>
                         <a:latin typeface="+mn-lt"/>
                         <a:ea typeface="Droid Sans Fallback"/>
@@ -6297,15 +6775,12 @@
                         </a:spcAft>
                       </a:pPr>
                       <a:r>
-                        <a:rPr lang="de-DE" sz="1800" kern="150" dirty="0">
-                          <a:effectLst/>
-                          <a:latin typeface="+mn-lt"/>
-                          <a:ea typeface="Droid Sans Fallback"/>
-                          <a:cs typeface="Noto Sans Devanagari"/>
+                        <a:rPr lang="de-DE" sz="1800" kern="150">
+                          <a:effectLst/>
                         </a:rPr>
                         <a:t>2a</a:t>
                       </a:r>
-                      <a:endParaRPr lang="en-GB" sz="1800" kern="150" dirty="0">
+                      <a:endParaRPr lang="en-GB" sz="1800" kern="150">
                         <a:effectLst/>
                         <a:latin typeface="+mn-lt"/>
                         <a:ea typeface="Droid Sans Fallback"/>
@@ -6328,17 +6803,11 @@
                       <a:r>
                         <a:rPr lang="de-DE" sz="1800" kern="150" dirty="0">
                           <a:effectLst/>
-                          <a:latin typeface="+mn-lt"/>
-                          <a:ea typeface="Droid Sans Fallback"/>
-                          <a:cs typeface="Noto Sans Devanagari"/>
                         </a:rPr>
                         <a:t>Ein Flash Element mit eingegebenen Namen existiert nicht:</a:t>
                       </a:r>
                       <a:endParaRPr lang="en-GB" sz="1800" kern="150" dirty="0">
                         <a:effectLst/>
-                        <a:latin typeface="+mn-lt"/>
-                        <a:ea typeface="Droid Sans Fallback"/>
-                        <a:cs typeface="Noto Sans Devanagari"/>
                       </a:endParaRPr>
                     </a:p>
                     <a:p>
@@ -6350,11 +6819,20 @@
                       <a:r>
                         <a:rPr lang="de-DE" sz="1800" kern="150" dirty="0">
                           <a:effectLst/>
-                          <a:latin typeface="+mn-lt"/>
-                          <a:ea typeface="Droid Sans Fallback"/>
-                          <a:cs typeface="Noto Sans Devanagari"/>
-                        </a:rPr>
-                        <a:t>Fehlermeldung, Rückfuhr auf Schritt 2</a:t>
+                        </a:rPr>
+                        <a:t>Fehlermeldung, </a:t>
+                      </a:r>
+                      <a:r>
+                        <a:rPr lang="de-DE" sz="1800" kern="150" dirty="0" err="1">
+                          <a:effectLst/>
+                        </a:rPr>
+                        <a:t>Rückfuhr</a:t>
+                      </a:r>
+                      <a:r>
+                        <a:rPr lang="de-DE" sz="1800" kern="150" dirty="0">
+                          <a:effectLst/>
+                        </a:rPr>
+                        <a:t> auf Schritt 2</a:t>
                       </a:r>
                       <a:endParaRPr lang="en-GB" sz="1800" kern="150" dirty="0">
                         <a:effectLst/>
@@ -6389,9 +6867,282 @@
 </p:sld>
 </file>
 
-<file path=ppt/slides/slide14.xml><?xml version="1.0" encoding="utf-8"?>
+<file path=ppt/slides/slide16.xml><?xml version="1.0" encoding="utf-8"?>
 <p:sld xmlns:a="http://schemas.openxmlformats.org/drawingml/2006/main" xmlns:r="http://schemas.openxmlformats.org/officeDocument/2006/relationships" xmlns:p="http://schemas.openxmlformats.org/presentationml/2006/main">
   <p:cSld>
+    <p:bg>
+      <p:bgPr>
+        <a:solidFill>
+          <a:schemeClr val="bg1"/>
+        </a:solidFill>
+        <a:effectLst/>
+      </p:bgPr>
+    </p:bg>
+    <p:spTree>
+      <p:nvGrpSpPr>
+        <p:cNvPr id="1" name=""/>
+        <p:cNvGrpSpPr/>
+        <p:nvPr/>
+      </p:nvGrpSpPr>
+      <p:grpSpPr>
+        <a:xfrm>
+          <a:off x="0" y="0"/>
+          <a:ext cx="0" cy="0"/>
+          <a:chOff x="0" y="0"/>
+          <a:chExt cx="0" cy="0"/>
+        </a:xfrm>
+      </p:grpSpPr>
+      <p:sp>
+        <p:nvSpPr>
+          <p:cNvPr id="10" name="Rectangle 9">
+            <a:extLst>
+              <a:ext uri="{FF2B5EF4-FFF2-40B4-BE49-F238E27FC236}">
+                <a16:creationId xmlns:a16="http://schemas.microsoft.com/office/drawing/2014/main" id="{6753252F-4873-4F63-801D-CC719279A7D5}"/>
+              </a:ext>
+              <a:ext uri="{C183D7F6-B498-43B3-948B-1728B52AA6E4}">
+                <adec:decorative xmlns:adec="http://schemas.microsoft.com/office/drawing/2017/decorative" val="1"/>
+              </a:ext>
+            </a:extLst>
+          </p:cNvPr>
+          <p:cNvSpPr>
+            <a:spLocks noGrp="1" noRot="1" noChangeAspect="1" noMove="1" noResize="1" noEditPoints="1" noAdjustHandles="1" noChangeArrowheads="1" noChangeShapeType="1" noTextEdit="1"/>
+          </p:cNvSpPr>
+          <p:nvPr>
+            <p:extLst>
+              <p:ext uri="{386F3935-93C4-4BCD-93E2-E3B085C9AB24}">
+                <p16:designElem xmlns:p16="http://schemas.microsoft.com/office/powerpoint/2015/main" val="1"/>
+              </p:ext>
+            </p:extLst>
+          </p:nvPr>
+        </p:nvSpPr>
+        <p:spPr>
+          <a:xfrm>
+            <a:off x="0" y="0"/>
+            <a:ext cx="12192000" cy="6858000"/>
+          </a:xfrm>
+          <a:prstGeom prst="rect">
+            <a:avLst/>
+          </a:prstGeom>
+          <a:solidFill>
+            <a:srgbClr val="FFFFFF"/>
+          </a:solidFill>
+          <a:ln>
+            <a:noFill/>
+          </a:ln>
+        </p:spPr>
+        <p:style>
+          <a:lnRef idx="2">
+            <a:schemeClr val="accent1">
+              <a:shade val="50000"/>
+            </a:schemeClr>
+          </a:lnRef>
+          <a:fillRef idx="1">
+            <a:schemeClr val="accent1"/>
+          </a:fillRef>
+          <a:effectRef idx="0">
+            <a:schemeClr val="accent1"/>
+          </a:effectRef>
+          <a:fontRef idx="minor">
+            <a:schemeClr val="lt1"/>
+          </a:fontRef>
+        </p:style>
+        <p:txBody>
+          <a:bodyPr rtlCol="0" anchor="ctr"/>
+          <a:lstStyle/>
+          <a:p>
+            <a:pPr algn="ctr"/>
+            <a:endParaRPr lang="en-US"/>
+          </a:p>
+        </p:txBody>
+      </p:sp>
+      <p:sp>
+        <p:nvSpPr>
+          <p:cNvPr id="12" name="Rectangle 11">
+            <a:extLst>
+              <a:ext uri="{FF2B5EF4-FFF2-40B4-BE49-F238E27FC236}">
+                <a16:creationId xmlns:a16="http://schemas.microsoft.com/office/drawing/2014/main" id="{047C8CCB-F95D-4249-92DD-651249D3535A}"/>
+              </a:ext>
+              <a:ext uri="{C183D7F6-B498-43B3-948B-1728B52AA6E4}">
+                <adec:decorative xmlns:adec="http://schemas.microsoft.com/office/drawing/2017/decorative" val="1"/>
+              </a:ext>
+            </a:extLst>
+          </p:cNvPr>
+          <p:cNvSpPr>
+            <a:spLocks noGrp="1" noRot="1" noChangeAspect="1" noMove="1" noResize="1" noEditPoints="1" noAdjustHandles="1" noChangeArrowheads="1" noChangeShapeType="1" noTextEdit="1"/>
+          </p:cNvSpPr>
+          <p:nvPr>
+            <p:extLst>
+              <p:ext uri="{386F3935-93C4-4BCD-93E2-E3B085C9AB24}">
+                <p16:designElem xmlns:p16="http://schemas.microsoft.com/office/powerpoint/2015/main" val="1"/>
+              </p:ext>
+            </p:extLst>
+          </p:nvPr>
+        </p:nvSpPr>
+        <p:spPr>
+          <a:xfrm>
+            <a:off x="0" y="0"/>
+            <a:ext cx="2013557" cy="6858000"/>
+          </a:xfrm>
+          <a:prstGeom prst="rect">
+            <a:avLst/>
+          </a:prstGeom>
+          <a:solidFill>
+            <a:srgbClr val="7F7F7F"/>
+          </a:solidFill>
+          <a:ln>
+            <a:noFill/>
+          </a:ln>
+        </p:spPr>
+        <p:style>
+          <a:lnRef idx="2">
+            <a:schemeClr val="accent1">
+              <a:shade val="50000"/>
+            </a:schemeClr>
+          </a:lnRef>
+          <a:fillRef idx="1">
+            <a:schemeClr val="accent1"/>
+          </a:fillRef>
+          <a:effectRef idx="0">
+            <a:schemeClr val="accent1"/>
+          </a:effectRef>
+          <a:fontRef idx="minor">
+            <a:schemeClr val="lt1"/>
+          </a:fontRef>
+        </p:style>
+        <p:txBody>
+          <a:bodyPr rtlCol="0" anchor="ctr"/>
+          <a:lstStyle/>
+          <a:p>
+            <a:pPr algn="ctr"/>
+            <a:endParaRPr lang="en-US"/>
+          </a:p>
+        </p:txBody>
+      </p:sp>
+      <p:sp>
+        <p:nvSpPr>
+          <p:cNvPr id="2" name="Titel 1">
+            <a:extLst>
+              <a:ext uri="{FF2B5EF4-FFF2-40B4-BE49-F238E27FC236}">
+                <a16:creationId xmlns:a16="http://schemas.microsoft.com/office/drawing/2014/main" id="{4D06747E-6888-485D-A461-B7CBF4FB1183}"/>
+              </a:ext>
+            </a:extLst>
+          </p:cNvPr>
+          <p:cNvSpPr>
+            <a:spLocks noGrp="1"/>
+          </p:cNvSpPr>
+          <p:nvPr>
+            <p:ph type="title"/>
+          </p:nvPr>
+        </p:nvSpPr>
+        <p:spPr>
+          <a:xfrm>
+            <a:off x="640080" y="2074363"/>
+            <a:ext cx="2752354" cy="2709275"/>
+          </a:xfrm>
+          <a:prstGeom prst="ellipse">
+            <a:avLst/>
+          </a:prstGeom>
+          <a:solidFill>
+            <a:srgbClr val="262626"/>
+          </a:solidFill>
+          <a:ln w="174625" cmpd="thinThick">
+            <a:solidFill>
+              <a:srgbClr val="262626"/>
+            </a:solidFill>
+          </a:ln>
+        </p:spPr>
+        <p:txBody>
+          <a:bodyPr vert="horz" lIns="91440" tIns="45720" rIns="91440" bIns="45720" rtlCol="0" anchor="ctr">
+            <a:normAutofit/>
+          </a:bodyPr>
+          <a:lstStyle/>
+          <a:p>
+            <a:pPr algn="ctr"/>
+            <a:r>
+              <a:rPr lang="en-US" sz="2000" kern="1200" dirty="0" err="1">
+                <a:solidFill>
+                  <a:srgbClr val="FFFFFF"/>
+                </a:solidFill>
+                <a:latin typeface="+mj-lt"/>
+                <a:ea typeface="+mj-ea"/>
+                <a:cs typeface="+mj-cs"/>
+              </a:rPr>
+              <a:t>Anwendungsfälle</a:t>
+            </a:r>
+            <a:r>
+              <a:rPr lang="en-US" sz="2000" kern="1200" dirty="0">
+                <a:solidFill>
+                  <a:srgbClr val="FFFFFF"/>
+                </a:solidFill>
+                <a:latin typeface="+mj-lt"/>
+                <a:ea typeface="+mj-ea"/>
+                <a:cs typeface="+mj-cs"/>
+              </a:rPr>
+              <a:t> 3</a:t>
+            </a:r>
+          </a:p>
+        </p:txBody>
+      </p:sp>
+      <p:pic>
+        <p:nvPicPr>
+          <p:cNvPr id="5" name="Grafik 4">
+            <a:extLst>
+              <a:ext uri="{FF2B5EF4-FFF2-40B4-BE49-F238E27FC236}">
+                <a16:creationId xmlns:a16="http://schemas.microsoft.com/office/drawing/2014/main" id="{2AF41BCA-7B87-4653-9AAB-E9536D002B8E}"/>
+              </a:ext>
+            </a:extLst>
+          </p:cNvPr>
+          <p:cNvPicPr>
+            <a:picLocks noChangeAspect="1"/>
+          </p:cNvPicPr>
+          <p:nvPr/>
+        </p:nvPicPr>
+        <p:blipFill>
+          <a:blip r:embed="rId2">
+            <a:extLst>
+              <a:ext uri="{28A0092B-C50C-407E-A947-70E740481C1C}">
+                <a14:useLocalDpi xmlns:a14="http://schemas.microsoft.com/office/drawing/2010/main" val="0"/>
+              </a:ext>
+            </a:extLst>
+          </a:blip>
+          <a:stretch>
+            <a:fillRect/>
+          </a:stretch>
+        </p:blipFill>
+        <p:spPr>
+          <a:xfrm>
+            <a:off x="5401428" y="961812"/>
+            <a:ext cx="4462542" cy="4930987"/>
+          </a:xfrm>
+          <a:prstGeom prst="rect">
+            <a:avLst/>
+          </a:prstGeom>
+        </p:spPr>
+      </p:pic>
+    </p:spTree>
+    <p:extLst>
+      <p:ext uri="{BB962C8B-B14F-4D97-AF65-F5344CB8AC3E}">
+        <p14:creationId xmlns:p14="http://schemas.microsoft.com/office/powerpoint/2010/main" val="2933413500"/>
+      </p:ext>
+    </p:extLst>
+  </p:cSld>
+  <p:clrMapOvr>
+    <a:masterClrMapping/>
+  </p:clrMapOvr>
+</p:sld>
+</file>
+
+<file path=ppt/slides/slide17.xml><?xml version="1.0" encoding="utf-8"?>
+<p:sld xmlns:a="http://schemas.openxmlformats.org/drawingml/2006/main" xmlns:r="http://schemas.openxmlformats.org/officeDocument/2006/relationships" xmlns:p="http://schemas.openxmlformats.org/presentationml/2006/main">
+  <p:cSld>
+    <p:bg>
+      <p:bgPr>
+        <a:solidFill>
+          <a:schemeClr val="bg1"/>
+        </a:solidFill>
+        <a:effectLst/>
+      </p:bgPr>
+    </p:bg>
     <p:spTree>
       <p:nvGrpSpPr>
         <p:cNvPr id="1" name=""/>
@@ -6422,9 +7173,16 @@
             <p:ph type="title"/>
           </p:nvPr>
         </p:nvSpPr>
-        <p:spPr/>
+        <p:spPr>
+          <a:xfrm>
+            <a:off x="838200" y="365125"/>
+            <a:ext cx="10515600" cy="1325563"/>
+          </a:xfrm>
+        </p:spPr>
         <p:txBody>
-          <a:bodyPr/>
+          <a:bodyPr>
+            <a:normAutofit/>
+          </a:bodyPr>
           <a:lstStyle/>
           <a:p>
             <a:r>
@@ -6451,20 +7209,20 @@
             <p:ph idx="1"/>
             <p:extLst>
               <p:ext uri="{D42A27DB-BD31-4B8C-83A1-F6EECF244321}">
-                <p14:modId xmlns:p14="http://schemas.microsoft.com/office/powerpoint/2010/main" val="2575928350"/>
+                <p14:modId xmlns:p14="http://schemas.microsoft.com/office/powerpoint/2010/main" val="2928210374"/>
               </p:ext>
             </p:extLst>
           </p:nvPr>
         </p:nvGraphicFramePr>
         <p:xfrm>
-          <a:off x="838200" y="1825625"/>
-          <a:ext cx="10515600" cy="3832860"/>
+          <a:off x="838200" y="2013617"/>
+          <a:ext cx="10515600" cy="3975354"/>
         </p:xfrm>
         <a:graphic>
           <a:graphicData uri="http://schemas.openxmlformats.org/drawingml/2006/table">
             <a:tbl>
               <a:tblPr firstRow="1" bandRow="1">
-                <a:tableStyleId>{5940675A-B579-460E-94D1-54222C63F5DA}</a:tableStyleId>
+                <a:tableStyleId>{8EC20E35-A176-4012-BC5E-935CFFF8708E}</a:tableStyleId>
               </a:tblPr>
               <a:tblGrid>
                 <a:gridCol w="2171330">
@@ -6482,27 +7240,24 @@
                   </a:extLst>
                 </a:gridCol>
               </a:tblGrid>
-              <a:tr h="370840">
-                <a:tc>
-                  <a:txBody>
-                    <a:bodyPr/>
-                    <a:lstStyle/>
-                    <a:p>
-                      <a:pPr>
-                        <a:spcAft>
-                          <a:spcPts val="0"/>
-                        </a:spcAft>
-                      </a:pPr>
-                      <a:r>
-                        <a:rPr lang="de-DE" sz="1800" kern="150" dirty="0">
-                          <a:effectLst/>
-                          <a:latin typeface="+mn-lt"/>
-                          <a:ea typeface="Droid Sans Fallback"/>
-                          <a:cs typeface="Noto Sans Devanagari"/>
+              <a:tr h="380746">
+                <a:tc>
+                  <a:txBody>
+                    <a:bodyPr/>
+                    <a:lstStyle/>
+                    <a:p>
+                      <a:pPr>
+                        <a:spcAft>
+                          <a:spcPts val="0"/>
+                        </a:spcAft>
+                      </a:pPr>
+                      <a:r>
+                        <a:rPr lang="de-DE" sz="1800" kern="150">
+                          <a:effectLst/>
                         </a:rPr>
                         <a:t>Name</a:t>
                       </a:r>
-                      <a:endParaRPr lang="en-GB" sz="1800" kern="150" dirty="0">
+                      <a:endParaRPr lang="en-GB" sz="1800" kern="150">
                         <a:effectLst/>
                         <a:latin typeface="+mn-lt"/>
                         <a:ea typeface="Droid Sans Fallback"/>
@@ -6523,15 +7278,12 @@
                         </a:spcAft>
                       </a:pPr>
                       <a:r>
-                        <a:rPr lang="de-DE" sz="1800" kern="150" dirty="0">
-                          <a:effectLst/>
-                          <a:latin typeface="+mn-lt"/>
-                          <a:ea typeface="Droid Sans Fallback"/>
-                          <a:cs typeface="Noto Sans Devanagari"/>
+                        <a:rPr lang="de-DE" sz="1800" kern="150">
+                          <a:effectLst/>
                         </a:rPr>
                         <a:t>Flashs verschalten</a:t>
                       </a:r>
-                      <a:endParaRPr lang="en-GB" sz="1800" kern="150" dirty="0">
+                      <a:endParaRPr lang="en-GB" sz="1800" kern="150">
                         <a:effectLst/>
                         <a:latin typeface="+mn-lt"/>
                         <a:ea typeface="Droid Sans Fallback"/>
@@ -6547,27 +7299,24 @@
                   </a:ext>
                 </a:extLst>
               </a:tr>
-              <a:tr h="370840">
-                <a:tc>
-                  <a:txBody>
-                    <a:bodyPr/>
-                    <a:lstStyle/>
-                    <a:p>
-                      <a:pPr>
-                        <a:spcAft>
-                          <a:spcPts val="0"/>
-                        </a:spcAft>
-                      </a:pPr>
-                      <a:r>
-                        <a:rPr lang="de-DE" sz="1800" kern="150" dirty="0">
-                          <a:effectLst/>
-                          <a:latin typeface="+mn-lt"/>
-                          <a:ea typeface="Droid Sans Fallback"/>
-                          <a:cs typeface="Noto Sans Devanagari"/>
+              <a:tr h="655066">
+                <a:tc>
+                  <a:txBody>
+                    <a:bodyPr/>
+                    <a:lstStyle/>
+                    <a:p>
+                      <a:pPr>
+                        <a:spcAft>
+                          <a:spcPts val="0"/>
+                        </a:spcAft>
+                      </a:pPr>
+                      <a:r>
+                        <a:rPr lang="de-DE" sz="1800" kern="150">
+                          <a:effectLst/>
                         </a:rPr>
                         <a:t>Ziel</a:t>
                       </a:r>
-                      <a:endParaRPr lang="en-GB" sz="1800" kern="150" dirty="0">
+                      <a:endParaRPr lang="en-GB" sz="1800" kern="150">
                         <a:effectLst/>
                         <a:latin typeface="+mn-lt"/>
                         <a:ea typeface="Droid Sans Fallback"/>
@@ -6588,15 +7337,12 @@
                         </a:spcAft>
                       </a:pPr>
                       <a:r>
-                        <a:rPr lang="de-DE" sz="1800" kern="150" dirty="0">
-                          <a:effectLst/>
-                          <a:latin typeface="+mn-lt"/>
-                          <a:ea typeface="Droid Sans Fallback"/>
-                          <a:cs typeface="Noto Sans Devanagari"/>
+                        <a:rPr lang="de-DE" sz="1800" kern="150">
+                          <a:effectLst/>
                         </a:rPr>
                         <a:t>Zwei Elemente hintereinander zur verschalten also die Ausfuhr des ersten Elements als Zufuhr des Zweiten zu setzen.  </a:t>
                       </a:r>
-                      <a:endParaRPr lang="en-GB" sz="1800" kern="150" dirty="0">
+                      <a:endParaRPr lang="en-GB" sz="1800" kern="150">
                         <a:effectLst/>
                         <a:latin typeface="+mn-lt"/>
                         <a:ea typeface="Droid Sans Fallback"/>
@@ -6612,27 +7358,24 @@
                   </a:ext>
                 </a:extLst>
               </a:tr>
-              <a:tr h="370840">
-                <a:tc>
-                  <a:txBody>
-                    <a:bodyPr/>
-                    <a:lstStyle/>
-                    <a:p>
-                      <a:pPr>
-                        <a:spcAft>
-                          <a:spcPts val="0"/>
-                        </a:spcAft>
-                      </a:pPr>
-                      <a:r>
-                        <a:rPr lang="de-DE" sz="1800" kern="150" dirty="0">
-                          <a:effectLst/>
-                          <a:latin typeface="+mn-lt"/>
-                          <a:ea typeface="Droid Sans Fallback"/>
-                          <a:cs typeface="Noto Sans Devanagari"/>
+              <a:tr h="380746">
+                <a:tc>
+                  <a:txBody>
+                    <a:bodyPr/>
+                    <a:lstStyle/>
+                    <a:p>
+                      <a:pPr>
+                        <a:spcAft>
+                          <a:spcPts val="0"/>
+                        </a:spcAft>
+                      </a:pPr>
+                      <a:r>
+                        <a:rPr lang="de-DE" sz="1800" kern="150">
+                          <a:effectLst/>
                         </a:rPr>
                         <a:t>Einordnung</a:t>
                       </a:r>
-                      <a:endParaRPr lang="en-GB" sz="1800" kern="150" dirty="0">
+                      <a:endParaRPr lang="en-GB" sz="1800" kern="150">
                         <a:effectLst/>
                         <a:latin typeface="+mn-lt"/>
                         <a:ea typeface="Droid Sans Fallback"/>
@@ -6653,15 +7396,12 @@
                         </a:spcAft>
                       </a:pPr>
                       <a:r>
-                        <a:rPr lang="de-DE" sz="1800" kern="150" dirty="0">
-                          <a:effectLst/>
-                          <a:latin typeface="+mn-lt"/>
-                          <a:ea typeface="Droid Sans Fallback"/>
-                          <a:cs typeface="Noto Sans Devanagari"/>
+                        <a:rPr lang="de-DE" sz="1800" kern="150">
+                          <a:effectLst/>
                         </a:rPr>
                         <a:t>Nebenfunktion</a:t>
                       </a:r>
-                      <a:endParaRPr lang="en-GB" sz="1800" kern="150" dirty="0">
+                      <a:endParaRPr lang="en-GB" sz="1800" kern="150">
                         <a:effectLst/>
                         <a:latin typeface="+mn-lt"/>
                         <a:ea typeface="Droid Sans Fallback"/>
@@ -6677,27 +7417,24 @@
                   </a:ext>
                 </a:extLst>
               </a:tr>
-              <a:tr h="370840">
-                <a:tc>
-                  <a:txBody>
-                    <a:bodyPr/>
-                    <a:lstStyle/>
-                    <a:p>
-                      <a:pPr>
-                        <a:spcAft>
-                          <a:spcPts val="0"/>
-                        </a:spcAft>
-                      </a:pPr>
-                      <a:r>
-                        <a:rPr lang="de-DE" sz="1800" kern="150" dirty="0">
-                          <a:effectLst/>
-                          <a:latin typeface="+mn-lt"/>
-                          <a:ea typeface="Droid Sans Fallback"/>
-                          <a:cs typeface="Noto Sans Devanagari"/>
+              <a:tr h="380746">
+                <a:tc>
+                  <a:txBody>
+                    <a:bodyPr/>
+                    <a:lstStyle/>
+                    <a:p>
+                      <a:pPr>
+                        <a:spcAft>
+                          <a:spcPts val="0"/>
+                        </a:spcAft>
+                      </a:pPr>
+                      <a:r>
+                        <a:rPr lang="de-DE" sz="1800" kern="150">
+                          <a:effectLst/>
                         </a:rPr>
                         <a:t>Vorbedingung</a:t>
                       </a:r>
-                      <a:endParaRPr lang="en-GB" sz="1800" kern="150" dirty="0">
+                      <a:endParaRPr lang="en-GB" sz="1800" kern="150">
                         <a:effectLst/>
                         <a:latin typeface="+mn-lt"/>
                         <a:ea typeface="Droid Sans Fallback"/>
@@ -6718,15 +7455,12 @@
                         </a:spcAft>
                       </a:pPr>
                       <a:r>
-                        <a:rPr lang="de-DE" sz="1800" kern="150" dirty="0">
-                          <a:effectLst/>
-                          <a:latin typeface="+mn-lt"/>
-                          <a:ea typeface="Droid Sans Fallback"/>
-                          <a:cs typeface="Noto Sans Devanagari"/>
+                        <a:rPr lang="de-DE" sz="1800" kern="150">
+                          <a:effectLst/>
                         </a:rPr>
                         <a:t>Es müssen min. 2 Flash Elemente existieren</a:t>
                       </a:r>
-                      <a:endParaRPr lang="en-GB" sz="1800" kern="150" dirty="0">
+                      <a:endParaRPr lang="en-GB" sz="1800" kern="150">
                         <a:effectLst/>
                         <a:latin typeface="+mn-lt"/>
                         <a:ea typeface="Droid Sans Fallback"/>
@@ -6742,27 +7476,24 @@
                   </a:ext>
                 </a:extLst>
               </a:tr>
-              <a:tr h="370840">
-                <a:tc>
-                  <a:txBody>
-                    <a:bodyPr/>
-                    <a:lstStyle/>
-                    <a:p>
-                      <a:pPr>
-                        <a:spcAft>
-                          <a:spcPts val="0"/>
-                        </a:spcAft>
-                      </a:pPr>
-                      <a:r>
-                        <a:rPr lang="de-DE" sz="1800" kern="150" dirty="0">
-                          <a:effectLst/>
-                          <a:latin typeface="+mn-lt"/>
-                          <a:ea typeface="Droid Sans Fallback"/>
-                          <a:cs typeface="Noto Sans Devanagari"/>
+              <a:tr h="380746">
+                <a:tc>
+                  <a:txBody>
+                    <a:bodyPr/>
+                    <a:lstStyle/>
+                    <a:p>
+                      <a:pPr>
+                        <a:spcAft>
+                          <a:spcPts val="0"/>
+                        </a:spcAft>
+                      </a:pPr>
+                      <a:r>
+                        <a:rPr lang="de-DE" sz="1800" kern="150">
+                          <a:effectLst/>
                         </a:rPr>
                         <a:t>Nachbedingung</a:t>
                       </a:r>
-                      <a:endParaRPr lang="en-GB" sz="1800" kern="150" dirty="0">
+                      <a:endParaRPr lang="en-GB" sz="1800" kern="150">
                         <a:effectLst/>
                         <a:latin typeface="+mn-lt"/>
                         <a:ea typeface="Droid Sans Fallback"/>
@@ -6783,15 +7514,12 @@
                         </a:spcAft>
                       </a:pPr>
                       <a:r>
-                        <a:rPr lang="de-DE" sz="1800" kern="150" dirty="0">
-                          <a:effectLst/>
-                          <a:latin typeface="+mn-lt"/>
-                          <a:ea typeface="Droid Sans Fallback"/>
-                          <a:cs typeface="Noto Sans Devanagari"/>
+                        <a:rPr lang="de-DE" sz="1800" kern="150">
+                          <a:effectLst/>
                         </a:rPr>
                         <a:t>Die Angegebenen Elemente wurden verschaltet und sonst nicht modifiziert.</a:t>
                       </a:r>
-                      <a:endParaRPr lang="en-GB" sz="1800" kern="150" dirty="0">
+                      <a:endParaRPr lang="en-GB" sz="1800" kern="150">
                         <a:effectLst/>
                         <a:latin typeface="+mn-lt"/>
                         <a:ea typeface="Droid Sans Fallback"/>
@@ -6807,27 +7535,24 @@
                   </a:ext>
                 </a:extLst>
               </a:tr>
-              <a:tr h="370840">
-                <a:tc>
-                  <a:txBody>
-                    <a:bodyPr/>
-                    <a:lstStyle/>
-                    <a:p>
-                      <a:pPr>
-                        <a:spcAft>
-                          <a:spcPts val="0"/>
-                        </a:spcAft>
-                      </a:pPr>
-                      <a:r>
-                        <a:rPr lang="de-DE" sz="1800" kern="150" dirty="0">
-                          <a:effectLst/>
-                          <a:latin typeface="+mn-lt"/>
-                          <a:ea typeface="Droid Sans Fallback"/>
-                          <a:cs typeface="Noto Sans Devanagari"/>
+              <a:tr h="655066">
+                <a:tc>
+                  <a:txBody>
+                    <a:bodyPr/>
+                    <a:lstStyle/>
+                    <a:p>
+                      <a:pPr>
+                        <a:spcAft>
+                          <a:spcPts val="0"/>
+                        </a:spcAft>
+                      </a:pPr>
+                      <a:r>
+                        <a:rPr lang="de-DE" sz="1800" kern="150">
+                          <a:effectLst/>
                         </a:rPr>
                         <a:t>Nachbedingung im Fehlerfall</a:t>
                       </a:r>
-                      <a:endParaRPr lang="en-GB" sz="1800" kern="150" dirty="0">
+                      <a:endParaRPr lang="en-GB" sz="1800" kern="150">
                         <a:effectLst/>
                         <a:latin typeface="+mn-lt"/>
                         <a:ea typeface="Droid Sans Fallback"/>
@@ -6848,15 +7573,12 @@
                         </a:spcAft>
                       </a:pPr>
                       <a:r>
-                        <a:rPr lang="de-DE" sz="1800" kern="150" dirty="0">
-                          <a:effectLst/>
-                          <a:latin typeface="+mn-lt"/>
-                          <a:ea typeface="Droid Sans Fallback"/>
-                          <a:cs typeface="Noto Sans Devanagari"/>
+                        <a:rPr lang="de-DE" sz="1800" kern="150">
+                          <a:effectLst/>
                         </a:rPr>
                         <a:t>Die Elemente wurden nicht verschaltet und behalten ihre bisherige Eigenschaften und Verhalten bei.</a:t>
                       </a:r>
-                      <a:endParaRPr lang="en-GB" sz="1800" kern="150" dirty="0">
+                      <a:endParaRPr lang="en-GB" sz="1800" kern="150">
                         <a:effectLst/>
                         <a:latin typeface="+mn-lt"/>
                         <a:ea typeface="Droid Sans Fallback"/>
@@ -6872,27 +7594,24 @@
                   </a:ext>
                 </a:extLst>
               </a:tr>
-              <a:tr h="370840">
-                <a:tc>
-                  <a:txBody>
-                    <a:bodyPr/>
-                    <a:lstStyle/>
-                    <a:p>
-                      <a:pPr>
-                        <a:spcAft>
-                          <a:spcPts val="0"/>
-                        </a:spcAft>
-                      </a:pPr>
-                      <a:r>
-                        <a:rPr lang="de-DE" sz="1800" kern="150" dirty="0">
-                          <a:effectLst/>
-                          <a:latin typeface="+mn-lt"/>
-                          <a:ea typeface="Droid Sans Fallback"/>
-                          <a:cs typeface="Noto Sans Devanagari"/>
+              <a:tr h="380746">
+                <a:tc>
+                  <a:txBody>
+                    <a:bodyPr/>
+                    <a:lstStyle/>
+                    <a:p>
+                      <a:pPr>
+                        <a:spcAft>
+                          <a:spcPts val="0"/>
+                        </a:spcAft>
+                      </a:pPr>
+                      <a:r>
+                        <a:rPr lang="de-DE" sz="1800" kern="150">
+                          <a:effectLst/>
                         </a:rPr>
                         <a:t>Hauptakteur</a:t>
                       </a:r>
-                      <a:endParaRPr lang="en-GB" sz="1800" kern="150" dirty="0">
+                      <a:endParaRPr lang="en-GB" sz="1800" kern="150">
                         <a:effectLst/>
                         <a:latin typeface="+mn-lt"/>
                         <a:ea typeface="Droid Sans Fallback"/>
@@ -6913,15 +7632,12 @@
                         </a:spcAft>
                       </a:pPr>
                       <a:r>
-                        <a:rPr lang="de-DE" sz="1800" kern="150" dirty="0">
-                          <a:effectLst/>
-                          <a:latin typeface="+mn-lt"/>
-                          <a:ea typeface="Droid Sans Fallback"/>
-                          <a:cs typeface="Noto Sans Devanagari"/>
+                        <a:rPr lang="de-DE" sz="1800" kern="150">
+                          <a:effectLst/>
                         </a:rPr>
                         <a:t>Nutzer</a:t>
                       </a:r>
-                      <a:endParaRPr lang="en-GB" sz="1800" kern="150" dirty="0">
+                      <a:endParaRPr lang="en-GB" sz="1800" kern="150">
                         <a:effectLst/>
                         <a:latin typeface="+mn-lt"/>
                         <a:ea typeface="Droid Sans Fallback"/>
@@ -6937,27 +7653,24 @@
                   </a:ext>
                 </a:extLst>
               </a:tr>
-              <a:tr h="370840">
-                <a:tc>
-                  <a:txBody>
-                    <a:bodyPr/>
-                    <a:lstStyle/>
-                    <a:p>
-                      <a:pPr>
-                        <a:spcAft>
-                          <a:spcPts val="0"/>
-                        </a:spcAft>
-                      </a:pPr>
-                      <a:r>
-                        <a:rPr lang="de-DE" sz="1800" kern="150" dirty="0">
-                          <a:effectLst/>
-                          <a:latin typeface="+mn-lt"/>
-                          <a:ea typeface="Droid Sans Fallback"/>
-                          <a:cs typeface="Noto Sans Devanagari"/>
+              <a:tr h="380746">
+                <a:tc>
+                  <a:txBody>
+                    <a:bodyPr/>
+                    <a:lstStyle/>
+                    <a:p>
+                      <a:pPr>
+                        <a:spcAft>
+                          <a:spcPts val="0"/>
+                        </a:spcAft>
+                      </a:pPr>
+                      <a:r>
+                        <a:rPr lang="de-DE" sz="1800" kern="150">
+                          <a:effectLst/>
                         </a:rPr>
                         <a:t>Nebenakteure</a:t>
                       </a:r>
-                      <a:endParaRPr lang="en-GB" sz="1800" kern="150" dirty="0">
+                      <a:endParaRPr lang="en-GB" sz="1800" kern="150">
                         <a:effectLst/>
                         <a:latin typeface="+mn-lt"/>
                         <a:ea typeface="Droid Sans Fallback"/>
@@ -6978,15 +7691,12 @@
                         </a:spcAft>
                       </a:pPr>
                       <a:r>
-                        <a:rPr lang="de-DE" sz="1800" kern="150" dirty="0">
-                          <a:effectLst/>
-                          <a:latin typeface="+mn-lt"/>
-                          <a:ea typeface="Droid Sans Fallback"/>
-                          <a:cs typeface="Noto Sans Devanagari"/>
+                        <a:rPr lang="de-DE" sz="1800" kern="150">
+                          <a:effectLst/>
                         </a:rPr>
                         <a:t>-</a:t>
                       </a:r>
-                      <a:endParaRPr lang="en-GB" sz="1800" kern="150" dirty="0">
+                      <a:endParaRPr lang="en-GB" sz="1800" kern="150">
                         <a:effectLst/>
                         <a:latin typeface="+mn-lt"/>
                         <a:ea typeface="Droid Sans Fallback"/>
@@ -7002,27 +7712,24 @@
                   </a:ext>
                 </a:extLst>
               </a:tr>
-              <a:tr h="370840">
-                <a:tc>
-                  <a:txBody>
-                    <a:bodyPr/>
-                    <a:lstStyle/>
-                    <a:p>
-                      <a:pPr>
-                        <a:spcAft>
-                          <a:spcPts val="0"/>
-                        </a:spcAft>
-                      </a:pPr>
-                      <a:r>
-                        <a:rPr lang="de-DE" sz="1800" kern="150" dirty="0">
-                          <a:effectLst/>
-                          <a:latin typeface="+mn-lt"/>
-                          <a:ea typeface="Droid Sans Fallback"/>
-                          <a:cs typeface="Noto Sans Devanagari"/>
+              <a:tr h="380746">
+                <a:tc>
+                  <a:txBody>
+                    <a:bodyPr/>
+                    <a:lstStyle/>
+                    <a:p>
+                      <a:pPr>
+                        <a:spcAft>
+                          <a:spcPts val="0"/>
+                        </a:spcAft>
+                      </a:pPr>
+                      <a:r>
+                        <a:rPr lang="de-DE" sz="1800" kern="150">
+                          <a:effectLst/>
                         </a:rPr>
                         <a:t>Auslöser</a:t>
                       </a:r>
-                      <a:endParaRPr lang="en-GB" sz="1800" kern="150" dirty="0">
+                      <a:endParaRPr lang="en-GB" sz="1800" kern="150">
                         <a:effectLst/>
                         <a:latin typeface="+mn-lt"/>
                         <a:ea typeface="Droid Sans Fallback"/>
@@ -7043,15 +7750,12 @@
                         </a:spcAft>
                       </a:pPr>
                       <a:r>
-                        <a:rPr lang="de-DE" sz="1800" kern="150" dirty="0">
-                          <a:effectLst/>
-                          <a:latin typeface="+mn-lt"/>
-                          <a:ea typeface="Droid Sans Fallback"/>
-                          <a:cs typeface="Noto Sans Devanagari"/>
+                        <a:rPr lang="de-DE" sz="1800" kern="150">
+                          <a:effectLst/>
                         </a:rPr>
                         <a:t>Auswahl der entsprechenden Option aus dem Menü</a:t>
                       </a:r>
-                      <a:endParaRPr lang="en-GB" sz="1800" kern="150" dirty="0">
+                      <a:endParaRPr lang="en-GB" sz="1800" kern="150">
                         <a:effectLst/>
                         <a:latin typeface="+mn-lt"/>
                         <a:ea typeface="Droid Sans Fallback"/>
@@ -7084,9 +7788,17 @@
 </p:sld>
 </file>
 
-<file path=ppt/slides/slide15.xml><?xml version="1.0" encoding="utf-8"?>
+<file path=ppt/slides/slide18.xml><?xml version="1.0" encoding="utf-8"?>
 <p:sld xmlns:a="http://schemas.openxmlformats.org/drawingml/2006/main" xmlns:r="http://schemas.openxmlformats.org/officeDocument/2006/relationships" xmlns:p="http://schemas.openxmlformats.org/presentationml/2006/main">
   <p:cSld>
+    <p:bg>
+      <p:bgPr>
+        <a:solidFill>
+          <a:schemeClr val="bg1"/>
+        </a:solidFill>
+        <a:effectLst/>
+      </p:bgPr>
+    </p:bg>
     <p:spTree>
       <p:nvGrpSpPr>
         <p:cNvPr id="1" name=""/>
@@ -7117,9 +7829,16 @@
             <p:ph type="title"/>
           </p:nvPr>
         </p:nvSpPr>
-        <p:spPr/>
+        <p:spPr>
+          <a:xfrm>
+            <a:off x="838200" y="365125"/>
+            <a:ext cx="10515600" cy="1325563"/>
+          </a:xfrm>
+        </p:spPr>
         <p:txBody>
-          <a:bodyPr/>
+          <a:bodyPr>
+            <a:normAutofit/>
+          </a:bodyPr>
           <a:lstStyle/>
           <a:p>
             <a:r>
@@ -7146,37 +7865,37 @@
             <p:ph idx="1"/>
             <p:extLst>
               <p:ext uri="{D42A27DB-BD31-4B8C-83A1-F6EECF244321}">
-                <p14:modId xmlns:p14="http://schemas.microsoft.com/office/powerpoint/2010/main" val="440926142"/>
+                <p14:modId xmlns:p14="http://schemas.microsoft.com/office/powerpoint/2010/main" val="339081028"/>
               </p:ext>
             </p:extLst>
           </p:nvPr>
         </p:nvGraphicFramePr>
         <p:xfrm>
-          <a:off x="838200" y="1825625"/>
-          <a:ext cx="10515600" cy="2843530"/>
+          <a:off x="838200" y="2400463"/>
+          <a:ext cx="10515601" cy="3201665"/>
         </p:xfrm>
         <a:graphic>
           <a:graphicData uri="http://schemas.openxmlformats.org/drawingml/2006/table">
             <a:tbl>
               <a:tblPr firstRow="1" bandRow="1">
-                <a:tableStyleId>{5940675A-B579-460E-94D1-54222C63F5DA}</a:tableStyleId>
+                <a:tableStyleId>{8EC20E35-A176-4012-BC5E-935CFFF8708E}</a:tableStyleId>
               </a:tblPr>
               <a:tblGrid>
-                <a:gridCol w="2171330">
+                <a:gridCol w="2163088">
                   <a:extLst>
                     <a:ext uri="{9D8B030D-6E8A-4147-A177-3AD203B41FA5}">
                       <a16:colId xmlns:a16="http://schemas.microsoft.com/office/drawing/2014/main" val="4184748070"/>
                     </a:ext>
                   </a:extLst>
                 </a:gridCol>
-                <a:gridCol w="923278">
+                <a:gridCol w="919774">
                   <a:extLst>
                     <a:ext uri="{9D8B030D-6E8A-4147-A177-3AD203B41FA5}">
                       <a16:colId xmlns:a16="http://schemas.microsoft.com/office/drawing/2014/main" val="3586629851"/>
                     </a:ext>
                   </a:extLst>
                 </a:gridCol>
-                <a:gridCol w="7420992">
+                <a:gridCol w="7432739">
                   <a:extLst>
                     <a:ext uri="{9D8B030D-6E8A-4147-A177-3AD203B41FA5}">
                       <a16:colId xmlns:a16="http://schemas.microsoft.com/office/drawing/2014/main" val="2874087002"/>
@@ -7184,27 +7903,24 @@
                   </a:extLst>
                 </a:gridCol>
               </a:tblGrid>
-              <a:tr h="370840">
-                <a:tc>
-                  <a:txBody>
-                    <a:bodyPr/>
-                    <a:lstStyle/>
-                    <a:p>
-                      <a:pPr>
-                        <a:spcAft>
-                          <a:spcPts val="0"/>
-                        </a:spcAft>
-                      </a:pPr>
-                      <a:r>
-                        <a:rPr lang="de-DE" sz="1800" kern="150" dirty="0">
-                          <a:effectLst/>
-                          <a:latin typeface="+mn-lt"/>
-                          <a:ea typeface="Droid Sans Fallback"/>
-                          <a:cs typeface="Noto Sans Devanagari"/>
+              <a:tr h="379301">
+                <a:tc>
+                  <a:txBody>
+                    <a:bodyPr/>
+                    <a:lstStyle/>
+                    <a:p>
+                      <a:pPr>
+                        <a:spcAft>
+                          <a:spcPts val="0"/>
+                        </a:spcAft>
+                      </a:pPr>
+                      <a:r>
+                        <a:rPr lang="de-DE" sz="1800" kern="150">
+                          <a:effectLst/>
                         </a:rPr>
                         <a:t>Standardablauf</a:t>
                       </a:r>
-                      <a:endParaRPr lang="en-GB" sz="1800" kern="150" dirty="0">
+                      <a:endParaRPr lang="en-GB" sz="1800" kern="150">
                         <a:effectLst/>
                         <a:latin typeface="+mn-lt"/>
                         <a:ea typeface="Droid Sans Fallback"/>
@@ -7212,28 +7928,25 @@
                       </a:endParaRPr>
                     </a:p>
                   </a:txBody>
-                  <a:tcPr marL="34925" marR="34925" marT="34925" marB="34925"/>
-                </a:tc>
-                <a:tc>
-                  <a:txBody>
-                    <a:bodyPr/>
-                    <a:lstStyle/>
-                    <a:p>
-                      <a:pPr>
-                        <a:spcAft>
-                          <a:spcPts val="0"/>
-                        </a:spcAft>
-                      </a:pPr>
-                      <a:r>
-                        <a:rPr lang="de-DE" sz="1800" kern="150" dirty="0">
-                          <a:effectLst/>
-                          <a:latin typeface="+mn-lt"/>
-                          <a:ea typeface="Droid Sans Fallback"/>
-                          <a:cs typeface="Noto Sans Devanagari"/>
+                  <a:tcPr marL="34792" marR="34792" marT="34792" marB="34792"/>
+                </a:tc>
+                <a:tc>
+                  <a:txBody>
+                    <a:bodyPr/>
+                    <a:lstStyle/>
+                    <a:p>
+                      <a:pPr>
+                        <a:spcAft>
+                          <a:spcPts val="0"/>
+                        </a:spcAft>
+                      </a:pPr>
+                      <a:r>
+                        <a:rPr lang="de-DE" sz="1800" kern="150">
+                          <a:effectLst/>
                         </a:rPr>
                         <a:t>Schritt</a:t>
                       </a:r>
-                      <a:endParaRPr lang="en-GB" sz="1800" kern="150" dirty="0">
+                      <a:endParaRPr lang="en-GB" sz="1800" kern="150">
                         <a:effectLst/>
                         <a:latin typeface="+mn-lt"/>
                         <a:ea typeface="Droid Sans Fallback"/>
@@ -7241,28 +7954,25 @@
                       </a:endParaRPr>
                     </a:p>
                   </a:txBody>
-                  <a:tcPr marL="34925" marR="34925" marT="34925" marB="34925"/>
-                </a:tc>
-                <a:tc>
-                  <a:txBody>
-                    <a:bodyPr/>
-                    <a:lstStyle/>
-                    <a:p>
-                      <a:pPr>
-                        <a:spcAft>
-                          <a:spcPts val="0"/>
-                        </a:spcAft>
-                      </a:pPr>
-                      <a:r>
-                        <a:rPr lang="de-DE" sz="1800" kern="150" dirty="0">
-                          <a:effectLst/>
-                          <a:latin typeface="+mn-lt"/>
-                          <a:ea typeface="Droid Sans Fallback"/>
-                          <a:cs typeface="Noto Sans Devanagari"/>
+                  <a:tcPr marL="34792" marR="34792" marT="34792" marB="34792"/>
+                </a:tc>
+                <a:tc>
+                  <a:txBody>
+                    <a:bodyPr/>
+                    <a:lstStyle/>
+                    <a:p>
+                      <a:pPr>
+                        <a:spcAft>
+                          <a:spcPts val="0"/>
+                        </a:spcAft>
+                      </a:pPr>
+                      <a:r>
+                        <a:rPr lang="de-DE" sz="1800" kern="150">
+                          <a:effectLst/>
                         </a:rPr>
                         <a:t>Aktion</a:t>
                       </a:r>
-                      <a:endParaRPr lang="en-GB" sz="1800" kern="150" dirty="0">
+                      <a:endParaRPr lang="en-GB" sz="1800" kern="150">
                         <a:effectLst/>
                         <a:latin typeface="+mn-lt"/>
                         <a:ea typeface="Droid Sans Fallback"/>
@@ -7270,7 +7980,7 @@
                       </a:endParaRPr>
                     </a:p>
                   </a:txBody>
-                  <a:tcPr marL="34925" marR="34925" marT="34925" marB="34925"/>
+                  <a:tcPr marL="34792" marR="34792" marT="34792" marB="34792"/>
                 </a:tc>
                 <a:extLst>
                   <a:ext uri="{0D108BD9-81ED-4DB2-BD59-A6C34878D82A}">
@@ -7278,27 +7988,24 @@
                   </a:ext>
                 </a:extLst>
               </a:tr>
-              <a:tr h="370840">
-                <a:tc>
-                  <a:txBody>
-                    <a:bodyPr/>
-                    <a:lstStyle/>
-                    <a:p>
-                      <a:pPr>
-                        <a:spcAft>
-                          <a:spcPts val="0"/>
-                        </a:spcAft>
-                      </a:pPr>
-                      <a:r>
-                        <a:rPr lang="de-DE" sz="1800" kern="150" dirty="0">
-                          <a:effectLst/>
-                          <a:latin typeface="+mn-lt"/>
-                          <a:ea typeface="Droid Sans Fallback"/>
-                          <a:cs typeface="Noto Sans Devanagari"/>
+              <a:tr h="379301">
+                <a:tc>
+                  <a:txBody>
+                    <a:bodyPr/>
+                    <a:lstStyle/>
+                    <a:p>
+                      <a:pPr>
+                        <a:spcAft>
+                          <a:spcPts val="0"/>
+                        </a:spcAft>
+                      </a:pPr>
+                      <a:r>
+                        <a:rPr lang="de-DE" sz="1800" kern="150">
+                          <a:effectLst/>
                         </a:rPr>
                         <a:t> </a:t>
                       </a:r>
-                      <a:endParaRPr lang="en-GB" sz="1800" kern="150" dirty="0">
+                      <a:endParaRPr lang="en-GB" sz="1800" kern="150">
                         <a:effectLst/>
                         <a:latin typeface="+mn-lt"/>
                         <a:ea typeface="Droid Sans Fallback"/>
@@ -7306,7 +8013,7 @@
                       </a:endParaRPr>
                     </a:p>
                   </a:txBody>
-                  <a:tcPr marL="34925" marR="34925" marT="34925" marB="34925"/>
+                  <a:tcPr marL="34792" marR="34792" marT="34792" marB="34792"/>
                 </a:tc>
                 <a:tc>
                   <a:txBody>
@@ -7319,15 +8026,12 @@
                         </a:spcAft>
                       </a:pPr>
                       <a:r>
-                        <a:rPr lang="de-DE" sz="1800" kern="150" dirty="0">
-                          <a:effectLst/>
-                          <a:latin typeface="+mn-lt"/>
-                          <a:ea typeface="Droid Sans Fallback"/>
-                          <a:cs typeface="Noto Sans Devanagari"/>
+                        <a:rPr lang="de-DE" sz="1800" kern="150">
+                          <a:effectLst/>
                         </a:rPr>
                         <a:t>1</a:t>
                       </a:r>
-                      <a:endParaRPr lang="en-GB" sz="1800" kern="150" dirty="0">
+                      <a:endParaRPr lang="en-GB" sz="1800" kern="150">
                         <a:effectLst/>
                         <a:latin typeface="+mn-lt"/>
                         <a:ea typeface="Droid Sans Fallback"/>
@@ -7335,28 +8039,25 @@
                       </a:endParaRPr>
                     </a:p>
                   </a:txBody>
-                  <a:tcPr marL="34925" marR="34925" marT="34925" marB="34925"/>
-                </a:tc>
-                <a:tc>
-                  <a:txBody>
-                    <a:bodyPr/>
-                    <a:lstStyle/>
-                    <a:p>
-                      <a:pPr>
-                        <a:spcAft>
-                          <a:spcPts val="0"/>
-                        </a:spcAft>
-                      </a:pPr>
-                      <a:r>
-                        <a:rPr lang="de-DE" sz="1800" kern="150" dirty="0">
-                          <a:effectLst/>
-                          <a:latin typeface="+mn-lt"/>
-                          <a:ea typeface="Droid Sans Fallback"/>
-                          <a:cs typeface="Noto Sans Devanagari"/>
+                  <a:tcPr marL="34792" marR="34792" marT="34792" marB="34792"/>
+                </a:tc>
+                <a:tc>
+                  <a:txBody>
+                    <a:bodyPr/>
+                    <a:lstStyle/>
+                    <a:p>
+                      <a:pPr>
+                        <a:spcAft>
+                          <a:spcPts val="0"/>
+                        </a:spcAft>
+                      </a:pPr>
+                      <a:r>
+                        <a:rPr lang="de-DE" sz="1800" kern="150">
+                          <a:effectLst/>
                         </a:rPr>
                         <a:t>Der Nutzer wählt Flashs verschalten aus dem Menü</a:t>
                       </a:r>
-                      <a:endParaRPr lang="en-GB" sz="1800" kern="150" dirty="0">
+                      <a:endParaRPr lang="en-GB" sz="1800" kern="150">
                         <a:effectLst/>
                         <a:latin typeface="+mn-lt"/>
                         <a:ea typeface="Droid Sans Fallback"/>
@@ -7364,7 +8065,7 @@
                       </a:endParaRPr>
                     </a:p>
                   </a:txBody>
-                  <a:tcPr marL="34925" marR="34925" marT="34925" marB="34925"/>
+                  <a:tcPr marL="34792" marR="34792" marT="34792" marB="34792"/>
                 </a:tc>
                 <a:extLst>
                   <a:ext uri="{0D108BD9-81ED-4DB2-BD59-A6C34878D82A}">
@@ -7372,27 +8073,24 @@
                   </a:ext>
                 </a:extLst>
               </a:tr>
-              <a:tr h="370840">
-                <a:tc>
-                  <a:txBody>
-                    <a:bodyPr/>
-                    <a:lstStyle/>
-                    <a:p>
-                      <a:pPr>
-                        <a:spcAft>
-                          <a:spcPts val="0"/>
-                        </a:spcAft>
-                      </a:pPr>
-                      <a:r>
-                        <a:rPr lang="de-DE" sz="1800" kern="150" dirty="0">
-                          <a:effectLst/>
-                          <a:latin typeface="+mn-lt"/>
-                          <a:ea typeface="Droid Sans Fallback"/>
-                          <a:cs typeface="Noto Sans Devanagari"/>
+              <a:tr h="379301">
+                <a:tc>
+                  <a:txBody>
+                    <a:bodyPr/>
+                    <a:lstStyle/>
+                    <a:p>
+                      <a:pPr>
+                        <a:spcAft>
+                          <a:spcPts val="0"/>
+                        </a:spcAft>
+                      </a:pPr>
+                      <a:r>
+                        <a:rPr lang="de-DE" sz="1800" kern="150">
+                          <a:effectLst/>
                         </a:rPr>
                         <a:t> </a:t>
                       </a:r>
-                      <a:endParaRPr lang="en-GB" sz="1800" kern="150" dirty="0">
+                      <a:endParaRPr lang="en-GB" sz="1800" kern="150">
                         <a:effectLst/>
                         <a:latin typeface="+mn-lt"/>
                         <a:ea typeface="Droid Sans Fallback"/>
@@ -7400,7 +8098,7 @@
                       </a:endParaRPr>
                     </a:p>
                   </a:txBody>
-                  <a:tcPr marL="34925" marR="34925" marT="34925" marB="34925"/>
+                  <a:tcPr marL="34792" marR="34792" marT="34792" marB="34792"/>
                 </a:tc>
                 <a:tc>
                   <a:txBody>
@@ -7413,15 +8111,12 @@
                         </a:spcAft>
                       </a:pPr>
                       <a:r>
-                        <a:rPr lang="de-DE" sz="1800" kern="150" dirty="0">
-                          <a:effectLst/>
-                          <a:latin typeface="+mn-lt"/>
-                          <a:ea typeface="Droid Sans Fallback"/>
-                          <a:cs typeface="Noto Sans Devanagari"/>
+                        <a:rPr lang="de-DE" sz="1800" kern="150">
+                          <a:effectLst/>
                         </a:rPr>
                         <a:t>2</a:t>
                       </a:r>
-                      <a:endParaRPr lang="en-GB" sz="1800" kern="150" dirty="0">
+                      <a:endParaRPr lang="en-GB" sz="1800" kern="150">
                         <a:effectLst/>
                         <a:latin typeface="+mn-lt"/>
                         <a:ea typeface="Droid Sans Fallback"/>
@@ -7429,28 +8124,25 @@
                       </a:endParaRPr>
                     </a:p>
                   </a:txBody>
-                  <a:tcPr marL="34925" marR="34925" marT="34925" marB="34925"/>
-                </a:tc>
-                <a:tc>
-                  <a:txBody>
-                    <a:bodyPr/>
-                    <a:lstStyle/>
-                    <a:p>
-                      <a:pPr>
-                        <a:spcAft>
-                          <a:spcPts val="0"/>
-                        </a:spcAft>
-                      </a:pPr>
-                      <a:r>
-                        <a:rPr lang="de-DE" sz="1800" kern="150" dirty="0">
-                          <a:effectLst/>
-                          <a:latin typeface="+mn-lt"/>
-                          <a:ea typeface="Droid Sans Fallback"/>
-                          <a:cs typeface="Noto Sans Devanagari"/>
+                  <a:tcPr marL="34792" marR="34792" marT="34792" marB="34792"/>
+                </a:tc>
+                <a:tc>
+                  <a:txBody>
+                    <a:bodyPr/>
+                    <a:lstStyle/>
+                    <a:p>
+                      <a:pPr>
+                        <a:spcAft>
+                          <a:spcPts val="0"/>
+                        </a:spcAft>
+                      </a:pPr>
+                      <a:r>
+                        <a:rPr lang="de-DE" sz="1800" kern="150">
+                          <a:effectLst/>
                         </a:rPr>
                         <a:t>Eingabedialog für die Namen der zwei zur modifizierenden Elemente.</a:t>
                       </a:r>
-                      <a:endParaRPr lang="en-GB" sz="1800" kern="150" dirty="0">
+                      <a:endParaRPr lang="en-GB" sz="1800" kern="150">
                         <a:effectLst/>
                         <a:latin typeface="+mn-lt"/>
                         <a:ea typeface="Droid Sans Fallback"/>
@@ -7458,7 +8150,7 @@
                       </a:endParaRPr>
                     </a:p>
                   </a:txBody>
-                  <a:tcPr marL="34925" marR="34925" marT="34925" marB="34925"/>
+                  <a:tcPr marL="34792" marR="34792" marT="34792" marB="34792"/>
                 </a:tc>
                 <a:extLst>
                   <a:ext uri="{0D108BD9-81ED-4DB2-BD59-A6C34878D82A}">
@@ -7466,27 +8158,24 @@
                   </a:ext>
                 </a:extLst>
               </a:tr>
-              <a:tr h="370840">
-                <a:tc>
-                  <a:txBody>
-                    <a:bodyPr/>
-                    <a:lstStyle/>
-                    <a:p>
-                      <a:pPr>
-                        <a:spcAft>
-                          <a:spcPts val="0"/>
-                        </a:spcAft>
-                      </a:pPr>
-                      <a:r>
-                        <a:rPr lang="de-DE" sz="1800" kern="150" dirty="0">
-                          <a:effectLst/>
-                          <a:latin typeface="+mn-lt"/>
-                          <a:ea typeface="Droid Sans Fallback"/>
-                          <a:cs typeface="Noto Sans Devanagari"/>
+              <a:tr h="652580">
+                <a:tc>
+                  <a:txBody>
+                    <a:bodyPr/>
+                    <a:lstStyle/>
+                    <a:p>
+                      <a:pPr>
+                        <a:spcAft>
+                          <a:spcPts val="0"/>
+                        </a:spcAft>
+                      </a:pPr>
+                      <a:r>
+                        <a:rPr lang="de-DE" sz="1800" kern="150">
+                          <a:effectLst/>
                         </a:rPr>
                         <a:t> </a:t>
                       </a:r>
-                      <a:endParaRPr lang="en-GB" sz="1800" kern="150" dirty="0">
+                      <a:endParaRPr lang="en-GB" sz="1800" kern="150">
                         <a:effectLst/>
                         <a:latin typeface="+mn-lt"/>
                         <a:ea typeface="Droid Sans Fallback"/>
@@ -7494,7 +8183,7 @@
                       </a:endParaRPr>
                     </a:p>
                   </a:txBody>
-                  <a:tcPr marL="34925" marR="34925" marT="34925" marB="34925"/>
+                  <a:tcPr marL="34792" marR="34792" marT="34792" marB="34792"/>
                 </a:tc>
                 <a:tc>
                   <a:txBody>
@@ -7507,15 +8196,12 @@
                         </a:spcAft>
                       </a:pPr>
                       <a:r>
-                        <a:rPr lang="de-DE" sz="1800" kern="150" dirty="0">
-                          <a:effectLst/>
-                          <a:latin typeface="+mn-lt"/>
-                          <a:ea typeface="Droid Sans Fallback"/>
-                          <a:cs typeface="Noto Sans Devanagari"/>
+                        <a:rPr lang="de-DE" sz="1800" kern="150">
+                          <a:effectLst/>
                         </a:rPr>
                         <a:t>3</a:t>
                       </a:r>
-                      <a:endParaRPr lang="en-GB" sz="1800" kern="150" dirty="0">
+                      <a:endParaRPr lang="en-GB" sz="1800" kern="150">
                         <a:effectLst/>
                         <a:latin typeface="+mn-lt"/>
                         <a:ea typeface="Droid Sans Fallback"/>
@@ -7523,28 +8209,25 @@
                       </a:endParaRPr>
                     </a:p>
                   </a:txBody>
-                  <a:tcPr marL="34925" marR="34925" marT="34925" marB="34925"/>
-                </a:tc>
-                <a:tc>
-                  <a:txBody>
-                    <a:bodyPr/>
-                    <a:lstStyle/>
-                    <a:p>
-                      <a:pPr>
-                        <a:spcAft>
-                          <a:spcPts val="0"/>
-                        </a:spcAft>
-                      </a:pPr>
-                      <a:r>
-                        <a:rPr lang="de-DE" sz="1800" kern="150" dirty="0">
-                          <a:effectLst/>
-                          <a:latin typeface="+mn-lt"/>
-                          <a:ea typeface="Droid Sans Fallback"/>
-                          <a:cs typeface="Noto Sans Devanagari"/>
+                  <a:tcPr marL="34792" marR="34792" marT="34792" marB="34792"/>
+                </a:tc>
+                <a:tc>
+                  <a:txBody>
+                    <a:bodyPr/>
+                    <a:lstStyle/>
+                    <a:p>
+                      <a:pPr>
+                        <a:spcAft>
+                          <a:spcPts val="0"/>
+                        </a:spcAft>
+                      </a:pPr>
+                      <a:r>
+                        <a:rPr lang="de-DE" sz="1800" kern="150">
+                          <a:effectLst/>
                         </a:rPr>
                         <a:t>Die Ausfuhrgrößen des ersten Elements werden als Einfuhrgrößen des zweiten gesetzt.</a:t>
                       </a:r>
-                      <a:endParaRPr lang="en-GB" sz="1800" kern="150" dirty="0">
+                      <a:endParaRPr lang="en-GB" sz="1800" kern="150">
                         <a:effectLst/>
                         <a:latin typeface="+mn-lt"/>
                         <a:ea typeface="Droid Sans Fallback"/>
@@ -7552,7 +8235,7 @@
                       </a:endParaRPr>
                     </a:p>
                   </a:txBody>
-                  <a:tcPr marL="34925" marR="34925" marT="34925" marB="34925"/>
+                  <a:tcPr marL="34792" marR="34792" marT="34792" marB="34792"/>
                 </a:tc>
                 <a:extLst>
                   <a:ext uri="{0D108BD9-81ED-4DB2-BD59-A6C34878D82A}">
@@ -7560,27 +8243,24 @@
                   </a:ext>
                 </a:extLst>
               </a:tr>
-              <a:tr h="370840">
-                <a:tc>
-                  <a:txBody>
-                    <a:bodyPr/>
-                    <a:lstStyle/>
-                    <a:p>
-                      <a:pPr>
-                        <a:spcAft>
-                          <a:spcPts val="0"/>
-                        </a:spcAft>
-                      </a:pPr>
-                      <a:r>
-                        <a:rPr lang="de-DE" sz="1800" kern="150" dirty="0">
-                          <a:effectLst/>
-                          <a:latin typeface="+mn-lt"/>
-                          <a:ea typeface="Droid Sans Fallback"/>
-                          <a:cs typeface="Noto Sans Devanagari"/>
+              <a:tr h="379301">
+                <a:tc>
+                  <a:txBody>
+                    <a:bodyPr/>
+                    <a:lstStyle/>
+                    <a:p>
+                      <a:pPr>
+                        <a:spcAft>
+                          <a:spcPts val="0"/>
+                        </a:spcAft>
+                      </a:pPr>
+                      <a:r>
+                        <a:rPr lang="de-DE" sz="1800" kern="150">
+                          <a:effectLst/>
                         </a:rPr>
                         <a:t> </a:t>
                       </a:r>
-                      <a:endParaRPr lang="en-GB" sz="1800" kern="150" dirty="0">
+                      <a:endParaRPr lang="en-GB" sz="1800" kern="150">
                         <a:effectLst/>
                         <a:latin typeface="+mn-lt"/>
                         <a:ea typeface="Droid Sans Fallback"/>
@@ -7588,7 +8268,7 @@
                       </a:endParaRPr>
                     </a:p>
                   </a:txBody>
-                  <a:tcPr marL="34925" marR="34925" marT="34925" marB="34925"/>
+                  <a:tcPr marL="34792" marR="34792" marT="34792" marB="34792"/>
                 </a:tc>
                 <a:tc>
                   <a:txBody>
@@ -7601,15 +8281,12 @@
                         </a:spcAft>
                       </a:pPr>
                       <a:r>
-                        <a:rPr lang="de-DE" sz="1800" kern="150" dirty="0">
-                          <a:effectLst/>
-                          <a:latin typeface="+mn-lt"/>
-                          <a:ea typeface="Droid Sans Fallback"/>
-                          <a:cs typeface="Noto Sans Devanagari"/>
+                        <a:rPr lang="de-DE" sz="1800" kern="150">
+                          <a:effectLst/>
                         </a:rPr>
                         <a:t>4</a:t>
                       </a:r>
-                      <a:endParaRPr lang="en-GB" sz="1800" kern="150" dirty="0">
+                      <a:endParaRPr lang="en-GB" sz="1800" kern="150">
                         <a:effectLst/>
                         <a:latin typeface="+mn-lt"/>
                         <a:ea typeface="Droid Sans Fallback"/>
@@ -7617,7 +8294,7 @@
                       </a:endParaRPr>
                     </a:p>
                   </a:txBody>
-                  <a:tcPr marL="34925" marR="34925" marT="34925" marB="34925"/>
+                  <a:tcPr marL="34792" marR="34792" marT="34792" marB="34792"/>
                 </a:tc>
                 <a:tc>
                   <a:txBody>
@@ -7642,15 +8319,12 @@
                         <a:defRPr/>
                       </a:pPr>
                       <a:r>
-                        <a:rPr lang="de-DE" sz="1800" kern="150" dirty="0">
-                          <a:effectLst/>
-                          <a:latin typeface="+mn-lt"/>
-                          <a:ea typeface="Bitstream Vera Serif"/>
-                          <a:cs typeface="Bitstream Vera Serif"/>
+                        <a:rPr lang="de-DE" sz="1800" kern="150">
+                          <a:effectLst/>
                         </a:rPr>
                         <a:t>Rückkehr zum Standardbildschirm</a:t>
                       </a:r>
-                      <a:endParaRPr lang="en-GB" sz="1800" kern="150" dirty="0">
+                      <a:endParaRPr lang="en-GB" sz="1800" kern="150">
                         <a:effectLst/>
                         <a:latin typeface="+mn-lt"/>
                         <a:ea typeface="Bitstream Vera Serif"/>
@@ -7658,7 +8332,7 @@
                       </a:endParaRPr>
                     </a:p>
                   </a:txBody>
-                  <a:tcPr marL="34925" marR="34925" marT="34925" marB="34925"/>
+                  <a:tcPr marL="34792" marR="34792" marT="34792" marB="34792"/>
                 </a:tc>
                 <a:extLst>
                   <a:ext uri="{0D108BD9-81ED-4DB2-BD59-A6C34878D82A}">
@@ -7666,27 +8340,24 @@
                   </a:ext>
                 </a:extLst>
               </a:tr>
-              <a:tr h="370840">
-                <a:tc>
-                  <a:txBody>
-                    <a:bodyPr/>
-                    <a:lstStyle/>
-                    <a:p>
-                      <a:pPr>
-                        <a:spcAft>
-                          <a:spcPts val="0"/>
-                        </a:spcAft>
-                      </a:pPr>
-                      <a:r>
-                        <a:rPr lang="de-DE" sz="1800" kern="150" dirty="0">
-                          <a:effectLst/>
-                          <a:latin typeface="+mn-lt"/>
-                          <a:ea typeface="Droid Sans Fallback"/>
-                          <a:cs typeface="Noto Sans Devanagari"/>
+              <a:tr h="379301">
+                <a:tc>
+                  <a:txBody>
+                    <a:bodyPr/>
+                    <a:lstStyle/>
+                    <a:p>
+                      <a:pPr>
+                        <a:spcAft>
+                          <a:spcPts val="0"/>
+                        </a:spcAft>
+                      </a:pPr>
+                      <a:r>
+                        <a:rPr lang="de-DE" sz="1800" kern="150">
+                          <a:effectLst/>
                         </a:rPr>
                         <a:t>Verzweigungen</a:t>
                       </a:r>
-                      <a:endParaRPr lang="en-GB" sz="1800" kern="150" dirty="0">
+                      <a:endParaRPr lang="en-GB" sz="1800" kern="150">
                         <a:effectLst/>
                         <a:latin typeface="+mn-lt"/>
                         <a:ea typeface="Droid Sans Fallback"/>
@@ -7694,7 +8365,7 @@
                       </a:endParaRPr>
                     </a:p>
                   </a:txBody>
-                  <a:tcPr marL="34925" marR="34925" marT="34925" marB="34925"/>
+                  <a:tcPr marL="34792" marR="34792" marT="34792" marB="34792"/>
                 </a:tc>
                 <a:tc>
                   <a:txBody>
@@ -7707,15 +8378,12 @@
                         </a:spcAft>
                       </a:pPr>
                       <a:r>
-                        <a:rPr lang="de-DE" sz="1800" kern="150" dirty="0">
-                          <a:effectLst/>
-                          <a:latin typeface="+mn-lt"/>
-                          <a:ea typeface="Droid Sans Fallback"/>
-                          <a:cs typeface="Noto Sans Devanagari"/>
+                        <a:rPr lang="de-DE" sz="1800" kern="150">
+                          <a:effectLst/>
                         </a:rPr>
                         <a:t>Schritt</a:t>
                       </a:r>
-                      <a:endParaRPr lang="en-GB" sz="1800" kern="150" dirty="0">
+                      <a:endParaRPr lang="en-GB" sz="1800" kern="150">
                         <a:effectLst/>
                         <a:latin typeface="+mn-lt"/>
                         <a:ea typeface="Droid Sans Fallback"/>
@@ -7723,28 +8391,25 @@
                       </a:endParaRPr>
                     </a:p>
                   </a:txBody>
-                  <a:tcPr marL="34925" marR="34925" marT="34925" marB="34925"/>
-                </a:tc>
-                <a:tc>
-                  <a:txBody>
-                    <a:bodyPr/>
-                    <a:lstStyle/>
-                    <a:p>
-                      <a:pPr>
-                        <a:spcAft>
-                          <a:spcPts val="0"/>
-                        </a:spcAft>
-                      </a:pPr>
-                      <a:r>
-                        <a:rPr lang="de-DE" sz="1800" kern="150" dirty="0">
-                          <a:effectLst/>
-                          <a:latin typeface="+mn-lt"/>
-                          <a:ea typeface="Droid Sans Fallback"/>
-                          <a:cs typeface="Noto Sans Devanagari"/>
+                  <a:tcPr marL="34792" marR="34792" marT="34792" marB="34792"/>
+                </a:tc>
+                <a:tc>
+                  <a:txBody>
+                    <a:bodyPr/>
+                    <a:lstStyle/>
+                    <a:p>
+                      <a:pPr>
+                        <a:spcAft>
+                          <a:spcPts val="0"/>
+                        </a:spcAft>
+                      </a:pPr>
+                      <a:r>
+                        <a:rPr lang="de-DE" sz="1800" kern="150">
+                          <a:effectLst/>
                         </a:rPr>
                         <a:t>Aktion</a:t>
                       </a:r>
-                      <a:endParaRPr lang="en-GB" sz="1800" kern="150" dirty="0">
+                      <a:endParaRPr lang="en-GB" sz="1800" kern="150">
                         <a:effectLst/>
                         <a:latin typeface="+mn-lt"/>
                         <a:ea typeface="Droid Sans Fallback"/>
@@ -7752,7 +8417,7 @@
                       </a:endParaRPr>
                     </a:p>
                   </a:txBody>
-                  <a:tcPr marL="34925" marR="34925" marT="34925" marB="34925"/>
+                  <a:tcPr marL="34792" marR="34792" marT="34792" marB="34792"/>
                 </a:tc>
                 <a:extLst>
                   <a:ext uri="{0D108BD9-81ED-4DB2-BD59-A6C34878D82A}">
@@ -7760,27 +8425,24 @@
                   </a:ext>
                 </a:extLst>
               </a:tr>
-              <a:tr h="370840">
-                <a:tc>
-                  <a:txBody>
-                    <a:bodyPr/>
-                    <a:lstStyle/>
-                    <a:p>
-                      <a:pPr>
-                        <a:spcAft>
-                          <a:spcPts val="0"/>
-                        </a:spcAft>
-                      </a:pPr>
-                      <a:r>
-                        <a:rPr lang="de-DE" sz="1800" kern="150" dirty="0">
-                          <a:effectLst/>
-                          <a:latin typeface="+mn-lt"/>
-                          <a:ea typeface="Droid Sans Fallback"/>
-                          <a:cs typeface="Noto Sans Devanagari"/>
+              <a:tr h="652580">
+                <a:tc>
+                  <a:txBody>
+                    <a:bodyPr/>
+                    <a:lstStyle/>
+                    <a:p>
+                      <a:pPr>
+                        <a:spcAft>
+                          <a:spcPts val="0"/>
+                        </a:spcAft>
+                      </a:pPr>
+                      <a:r>
+                        <a:rPr lang="de-DE" sz="1800" kern="150">
+                          <a:effectLst/>
                         </a:rPr>
                         <a:t> </a:t>
                       </a:r>
-                      <a:endParaRPr lang="en-GB" sz="1800" kern="150" dirty="0">
+                      <a:endParaRPr lang="en-GB" sz="1800" kern="150">
                         <a:effectLst/>
                         <a:latin typeface="+mn-lt"/>
                         <a:ea typeface="Droid Sans Fallback"/>
@@ -7788,7 +8450,7 @@
                       </a:endParaRPr>
                     </a:p>
                   </a:txBody>
-                  <a:tcPr marL="34925" marR="34925" marT="34925" marB="34925"/>
+                  <a:tcPr marL="34792" marR="34792" marT="34792" marB="34792"/>
                 </a:tc>
                 <a:tc>
                   <a:txBody>
@@ -7801,15 +8463,12 @@
                         </a:spcAft>
                       </a:pPr>
                       <a:r>
-                        <a:rPr lang="de-DE" sz="1800" kern="150" dirty="0">
-                          <a:effectLst/>
-                          <a:latin typeface="+mn-lt"/>
-                          <a:ea typeface="Droid Sans Fallback"/>
-                          <a:cs typeface="Noto Sans Devanagari"/>
+                        <a:rPr lang="de-DE" sz="1800" kern="150">
+                          <a:effectLst/>
                         </a:rPr>
                         <a:t>2a</a:t>
                       </a:r>
-                      <a:endParaRPr lang="en-GB" sz="1800" kern="150" dirty="0">
+                      <a:endParaRPr lang="en-GB" sz="1800" kern="150">
                         <a:effectLst/>
                         <a:latin typeface="+mn-lt"/>
                         <a:ea typeface="Droid Sans Fallback"/>
@@ -7817,28 +8476,25 @@
                       </a:endParaRPr>
                     </a:p>
                   </a:txBody>
-                  <a:tcPr marL="34925" marR="34925" marT="34925" marB="34925"/>
-                </a:tc>
-                <a:tc>
-                  <a:txBody>
-                    <a:bodyPr/>
-                    <a:lstStyle/>
-                    <a:p>
-                      <a:pPr>
-                        <a:spcAft>
-                          <a:spcPts val="0"/>
-                        </a:spcAft>
-                      </a:pPr>
-                      <a:r>
-                        <a:rPr lang="de-DE" sz="1800" kern="150" dirty="0">
-                          <a:effectLst/>
-                          <a:latin typeface="+mn-lt"/>
-                          <a:ea typeface="Droid Sans Fallback"/>
-                          <a:cs typeface="Noto Sans Devanagari"/>
+                  <a:tcPr marL="34792" marR="34792" marT="34792" marB="34792"/>
+                </a:tc>
+                <a:tc>
+                  <a:txBody>
+                    <a:bodyPr/>
+                    <a:lstStyle/>
+                    <a:p>
+                      <a:pPr>
+                        <a:spcAft>
+                          <a:spcPts val="0"/>
+                        </a:spcAft>
+                      </a:pPr>
+                      <a:r>
+                        <a:rPr lang="de-DE" sz="1800" kern="150">
+                          <a:effectLst/>
                         </a:rPr>
                         <a:t>Eins der zwei angegebenen Namen existiert nicht : Rückkehr zum Schritt 2.</a:t>
                       </a:r>
-                      <a:endParaRPr lang="en-GB" sz="1800" kern="150" dirty="0">
+                      <a:endParaRPr lang="en-GB" sz="1800" kern="150">
                         <a:effectLst/>
                         <a:latin typeface="+mn-lt"/>
                         <a:ea typeface="Droid Sans Fallback"/>
@@ -7846,7 +8502,7 @@
                       </a:endParaRPr>
                     </a:p>
                   </a:txBody>
-                  <a:tcPr marL="34925" marR="34925" marT="34925" marB="34925"/>
+                  <a:tcPr marL="34792" marR="34792" marT="34792" marB="34792"/>
                 </a:tc>
                 <a:extLst>
                   <a:ext uri="{0D108BD9-81ED-4DB2-BD59-A6C34878D82A}">
@@ -7871,9 +8527,17 @@
 </p:sld>
 </file>
 
-<file path=ppt/slides/slide2.xml><?xml version="1.0" encoding="utf-8"?>
+<file path=ppt/slides/slide19.xml><?xml version="1.0" encoding="utf-8"?>
 <p:sld xmlns:a="http://schemas.openxmlformats.org/drawingml/2006/main" xmlns:r="http://schemas.openxmlformats.org/officeDocument/2006/relationships" xmlns:p="http://schemas.openxmlformats.org/presentationml/2006/main">
   <p:cSld>
+    <p:bg>
+      <p:bgPr>
+        <a:solidFill>
+          <a:schemeClr val="bg1"/>
+        </a:solidFill>
+        <a:effectLst/>
+      </p:bgPr>
+    </p:bg>
     <p:spTree>
       <p:nvGrpSpPr>
         <p:cNvPr id="1" name=""/>
@@ -7890,10 +8554,136 @@
       </p:grpSpPr>
       <p:sp>
         <p:nvSpPr>
+          <p:cNvPr id="9" name="Rectangle 8">
+            <a:extLst>
+              <a:ext uri="{FF2B5EF4-FFF2-40B4-BE49-F238E27FC236}">
+                <a16:creationId xmlns:a16="http://schemas.microsoft.com/office/drawing/2014/main" id="{6753252F-4873-4F63-801D-CC719279A7D5}"/>
+              </a:ext>
+              <a:ext uri="{C183D7F6-B498-43B3-948B-1728B52AA6E4}">
+                <adec:decorative xmlns:adec="http://schemas.microsoft.com/office/drawing/2017/decorative" val="1"/>
+              </a:ext>
+            </a:extLst>
+          </p:cNvPr>
+          <p:cNvSpPr>
+            <a:spLocks noGrp="1" noRot="1" noChangeAspect="1" noMove="1" noResize="1" noEditPoints="1" noAdjustHandles="1" noChangeArrowheads="1" noChangeShapeType="1" noTextEdit="1"/>
+          </p:cNvSpPr>
+          <p:nvPr>
+            <p:extLst>
+              <p:ext uri="{386F3935-93C4-4BCD-93E2-E3B085C9AB24}">
+                <p16:designElem xmlns:p16="http://schemas.microsoft.com/office/powerpoint/2015/main" val="1"/>
+              </p:ext>
+            </p:extLst>
+          </p:nvPr>
+        </p:nvSpPr>
+        <p:spPr>
+          <a:xfrm>
+            <a:off x="0" y="0"/>
+            <a:ext cx="12192000" cy="6858000"/>
+          </a:xfrm>
+          <a:prstGeom prst="rect">
+            <a:avLst/>
+          </a:prstGeom>
+          <a:solidFill>
+            <a:srgbClr val="FFFFFF"/>
+          </a:solidFill>
+          <a:ln>
+            <a:noFill/>
+          </a:ln>
+        </p:spPr>
+        <p:style>
+          <a:lnRef idx="2">
+            <a:schemeClr val="accent1">
+              <a:shade val="50000"/>
+            </a:schemeClr>
+          </a:lnRef>
+          <a:fillRef idx="1">
+            <a:schemeClr val="accent1"/>
+          </a:fillRef>
+          <a:effectRef idx="0">
+            <a:schemeClr val="accent1"/>
+          </a:effectRef>
+          <a:fontRef idx="minor">
+            <a:schemeClr val="lt1"/>
+          </a:fontRef>
+        </p:style>
+        <p:txBody>
+          <a:bodyPr rtlCol="0" anchor="ctr"/>
+          <a:lstStyle/>
+          <a:p>
+            <a:pPr algn="ctr"/>
+            <a:endParaRPr lang="en-US"/>
+          </a:p>
+        </p:txBody>
+      </p:sp>
+      <p:sp>
+        <p:nvSpPr>
+          <p:cNvPr id="11" name="Rectangle 10">
+            <a:extLst>
+              <a:ext uri="{FF2B5EF4-FFF2-40B4-BE49-F238E27FC236}">
+                <a16:creationId xmlns:a16="http://schemas.microsoft.com/office/drawing/2014/main" id="{047C8CCB-F95D-4249-92DD-651249D3535A}"/>
+              </a:ext>
+              <a:ext uri="{C183D7F6-B498-43B3-948B-1728B52AA6E4}">
+                <adec:decorative xmlns:adec="http://schemas.microsoft.com/office/drawing/2017/decorative" val="1"/>
+              </a:ext>
+            </a:extLst>
+          </p:cNvPr>
+          <p:cNvSpPr>
+            <a:spLocks noGrp="1" noRot="1" noChangeAspect="1" noMove="1" noResize="1" noEditPoints="1" noAdjustHandles="1" noChangeArrowheads="1" noChangeShapeType="1" noTextEdit="1"/>
+          </p:cNvSpPr>
+          <p:nvPr>
+            <p:extLst>
+              <p:ext uri="{386F3935-93C4-4BCD-93E2-E3B085C9AB24}">
+                <p16:designElem xmlns:p16="http://schemas.microsoft.com/office/powerpoint/2015/main" val="1"/>
+              </p:ext>
+            </p:extLst>
+          </p:nvPr>
+        </p:nvSpPr>
+        <p:spPr>
+          <a:xfrm>
+            <a:off x="0" y="0"/>
+            <a:ext cx="2013557" cy="6858000"/>
+          </a:xfrm>
+          <a:prstGeom prst="rect">
+            <a:avLst/>
+          </a:prstGeom>
+          <a:solidFill>
+            <a:srgbClr val="7F7F7F"/>
+          </a:solidFill>
+          <a:ln>
+            <a:noFill/>
+          </a:ln>
+        </p:spPr>
+        <p:style>
+          <a:lnRef idx="2">
+            <a:schemeClr val="accent1">
+              <a:shade val="50000"/>
+            </a:schemeClr>
+          </a:lnRef>
+          <a:fillRef idx="1">
+            <a:schemeClr val="accent1"/>
+          </a:fillRef>
+          <a:effectRef idx="0">
+            <a:schemeClr val="accent1"/>
+          </a:effectRef>
+          <a:fontRef idx="minor">
+            <a:schemeClr val="lt1"/>
+          </a:fontRef>
+        </p:style>
+        <p:txBody>
+          <a:bodyPr rtlCol="0" anchor="ctr"/>
+          <a:lstStyle/>
+          <a:p>
+            <a:pPr algn="ctr"/>
+            <a:endParaRPr lang="en-US"/>
+          </a:p>
+        </p:txBody>
+      </p:sp>
+      <p:sp>
+        <p:nvSpPr>
           <p:cNvPr id="2" name="Titel 1">
             <a:extLst>
               <a:ext uri="{FF2B5EF4-FFF2-40B4-BE49-F238E27FC236}">
-                <a16:creationId xmlns:a16="http://schemas.microsoft.com/office/drawing/2014/main" id="{7A492404-EA53-4F20-8D6A-182A15F718CC}"/>
+                <a16:creationId xmlns:a16="http://schemas.microsoft.com/office/drawing/2014/main" id="{4D06747E-6888-485D-A461-B7CBF4FB1183}"/>
               </a:ext>
             </a:extLst>
           </p:cNvPr>
@@ -7904,16 +8694,306 @@
             <p:ph type="title"/>
           </p:nvPr>
         </p:nvSpPr>
-        <p:spPr/>
+        <p:spPr>
+          <a:xfrm>
+            <a:off x="640080" y="2074363"/>
+            <a:ext cx="2752354" cy="2709275"/>
+          </a:xfrm>
+          <a:prstGeom prst="ellipse">
+            <a:avLst/>
+          </a:prstGeom>
+          <a:solidFill>
+            <a:srgbClr val="262626"/>
+          </a:solidFill>
+          <a:ln w="174625" cmpd="thinThick">
+            <a:solidFill>
+              <a:srgbClr val="262626"/>
+            </a:solidFill>
+          </a:ln>
+        </p:spPr>
         <p:txBody>
-          <a:bodyPr/>
+          <a:bodyPr vert="horz" lIns="91440" tIns="45720" rIns="91440" bIns="45720" rtlCol="0" anchor="ctr">
+            <a:normAutofit/>
+          </a:bodyPr>
           <a:lstStyle/>
           <a:p>
+            <a:pPr algn="ctr"/>
             <a:r>
-              <a:rPr lang="de-DE" dirty="0"/>
+              <a:rPr lang="en-US" sz="2000" kern="1200" dirty="0" err="1">
+                <a:solidFill>
+                  <a:srgbClr val="FFFFFF"/>
+                </a:solidFill>
+                <a:latin typeface="+mj-lt"/>
+                <a:ea typeface="+mj-ea"/>
+                <a:cs typeface="+mj-cs"/>
+              </a:rPr>
+              <a:t>Anwendungsfälle</a:t>
+            </a:r>
+            <a:r>
+              <a:rPr lang="en-US" sz="2000" kern="1200" dirty="0">
+                <a:solidFill>
+                  <a:srgbClr val="FFFFFF"/>
+                </a:solidFill>
+                <a:latin typeface="+mj-lt"/>
+                <a:ea typeface="+mj-ea"/>
+                <a:cs typeface="+mj-cs"/>
+              </a:rPr>
+              <a:t> 4</a:t>
+            </a:r>
+          </a:p>
+        </p:txBody>
+      </p:sp>
+      <p:pic>
+        <p:nvPicPr>
+          <p:cNvPr id="4" name="Grafik 3">
+            <a:extLst>
+              <a:ext uri="{FF2B5EF4-FFF2-40B4-BE49-F238E27FC236}">
+                <a16:creationId xmlns:a16="http://schemas.microsoft.com/office/drawing/2014/main" id="{A22A95AF-F738-4828-ACCF-6D5108757192}"/>
+              </a:ext>
+            </a:extLst>
+          </p:cNvPr>
+          <p:cNvPicPr>
+            <a:picLocks noChangeAspect="1"/>
+          </p:cNvPicPr>
+          <p:nvPr/>
+        </p:nvPicPr>
+        <p:blipFill>
+          <a:blip r:embed="rId2">
+            <a:extLst>
+              <a:ext uri="{28A0092B-C50C-407E-A947-70E740481C1C}">
+                <a14:useLocalDpi xmlns:a14="http://schemas.microsoft.com/office/drawing/2010/main" val="0"/>
+              </a:ext>
+            </a:extLst>
+          </a:blip>
+          <a:stretch>
+            <a:fillRect/>
+          </a:stretch>
+        </p:blipFill>
+        <p:spPr>
+          <a:xfrm>
+            <a:off x="5771252" y="961812"/>
+            <a:ext cx="3722894" cy="4930987"/>
+          </a:xfrm>
+          <a:prstGeom prst="rect">
+            <a:avLst/>
+          </a:prstGeom>
+        </p:spPr>
+      </p:pic>
+    </p:spTree>
+    <p:extLst>
+      <p:ext uri="{BB962C8B-B14F-4D97-AF65-F5344CB8AC3E}">
+        <p14:creationId xmlns:p14="http://schemas.microsoft.com/office/powerpoint/2010/main" val="1944423793"/>
+      </p:ext>
+    </p:extLst>
+  </p:cSld>
+  <p:clrMapOvr>
+    <a:masterClrMapping/>
+  </p:clrMapOvr>
+</p:sld>
+</file>
+
+<file path=ppt/slides/slide2.xml><?xml version="1.0" encoding="utf-8"?>
+<p:sld xmlns:a="http://schemas.openxmlformats.org/drawingml/2006/main" xmlns:r="http://schemas.openxmlformats.org/officeDocument/2006/relationships" xmlns:p="http://schemas.openxmlformats.org/presentationml/2006/main">
+  <p:cSld>
+    <p:bg>
+      <p:bgPr>
+        <a:solidFill>
+          <a:schemeClr val="bg1"/>
+        </a:solidFill>
+        <a:effectLst/>
+      </p:bgPr>
+    </p:bg>
+    <p:spTree>
+      <p:nvGrpSpPr>
+        <p:cNvPr id="1" name=""/>
+        <p:cNvGrpSpPr/>
+        <p:nvPr/>
+      </p:nvGrpSpPr>
+      <p:grpSpPr>
+        <a:xfrm>
+          <a:off x="0" y="0"/>
+          <a:ext cx="0" cy="0"/>
+          <a:chOff x="0" y="0"/>
+          <a:chExt cx="0" cy="0"/>
+        </a:xfrm>
+      </p:grpSpPr>
+      <p:sp>
+        <p:nvSpPr>
+          <p:cNvPr id="18" name="Rectangle 17">
+            <a:extLst>
+              <a:ext uri="{FF2B5EF4-FFF2-40B4-BE49-F238E27FC236}">
+                <a16:creationId xmlns:a16="http://schemas.microsoft.com/office/drawing/2014/main" id="{6753252F-4873-4F63-801D-CC719279A7D5}"/>
+              </a:ext>
+              <a:ext uri="{C183D7F6-B498-43B3-948B-1728B52AA6E4}">
+                <adec:decorative xmlns:adec="http://schemas.microsoft.com/office/drawing/2017/decorative" val="1"/>
+              </a:ext>
+            </a:extLst>
+          </p:cNvPr>
+          <p:cNvSpPr>
+            <a:spLocks noGrp="1" noRot="1" noChangeAspect="1" noMove="1" noResize="1" noEditPoints="1" noAdjustHandles="1" noChangeArrowheads="1" noChangeShapeType="1" noTextEdit="1"/>
+          </p:cNvSpPr>
+          <p:nvPr>
+            <p:extLst>
+              <p:ext uri="{386F3935-93C4-4BCD-93E2-E3B085C9AB24}">
+                <p16:designElem xmlns:p16="http://schemas.microsoft.com/office/powerpoint/2015/main" val="1"/>
+              </p:ext>
+            </p:extLst>
+          </p:nvPr>
+        </p:nvSpPr>
+        <p:spPr>
+          <a:xfrm>
+            <a:off x="0" y="0"/>
+            <a:ext cx="12192000" cy="6858000"/>
+          </a:xfrm>
+          <a:prstGeom prst="rect">
+            <a:avLst/>
+          </a:prstGeom>
+          <a:solidFill>
+            <a:srgbClr val="FFFFFF"/>
+          </a:solidFill>
+          <a:ln>
+            <a:noFill/>
+          </a:ln>
+        </p:spPr>
+        <p:style>
+          <a:lnRef idx="2">
+            <a:schemeClr val="accent1">
+              <a:shade val="50000"/>
+            </a:schemeClr>
+          </a:lnRef>
+          <a:fillRef idx="1">
+            <a:schemeClr val="accent1"/>
+          </a:fillRef>
+          <a:effectRef idx="0">
+            <a:schemeClr val="accent1"/>
+          </a:effectRef>
+          <a:fontRef idx="minor">
+            <a:schemeClr val="lt1"/>
+          </a:fontRef>
+        </p:style>
+        <p:txBody>
+          <a:bodyPr rtlCol="0" anchor="ctr"/>
+          <a:lstStyle/>
+          <a:p>
+            <a:pPr algn="ctr"/>
+            <a:endParaRPr lang="en-US"/>
+          </a:p>
+        </p:txBody>
+      </p:sp>
+      <p:sp>
+        <p:nvSpPr>
+          <p:cNvPr id="20" name="Rectangle 19">
+            <a:extLst>
+              <a:ext uri="{FF2B5EF4-FFF2-40B4-BE49-F238E27FC236}">
+                <a16:creationId xmlns:a16="http://schemas.microsoft.com/office/drawing/2014/main" id="{047C8CCB-F95D-4249-92DD-651249D3535A}"/>
+              </a:ext>
+              <a:ext uri="{C183D7F6-B498-43B3-948B-1728B52AA6E4}">
+                <adec:decorative xmlns:adec="http://schemas.microsoft.com/office/drawing/2017/decorative" val="1"/>
+              </a:ext>
+            </a:extLst>
+          </p:cNvPr>
+          <p:cNvSpPr>
+            <a:spLocks noGrp="1" noRot="1" noChangeAspect="1" noMove="1" noResize="1" noEditPoints="1" noAdjustHandles="1" noChangeArrowheads="1" noChangeShapeType="1" noTextEdit="1"/>
+          </p:cNvSpPr>
+          <p:nvPr>
+            <p:extLst>
+              <p:ext uri="{386F3935-93C4-4BCD-93E2-E3B085C9AB24}">
+                <p16:designElem xmlns:p16="http://schemas.microsoft.com/office/powerpoint/2015/main" val="1"/>
+              </p:ext>
+            </p:extLst>
+          </p:nvPr>
+        </p:nvSpPr>
+        <p:spPr>
+          <a:xfrm>
+            <a:off x="0" y="0"/>
+            <a:ext cx="2013557" cy="6858000"/>
+          </a:xfrm>
+          <a:prstGeom prst="rect">
+            <a:avLst/>
+          </a:prstGeom>
+          <a:solidFill>
+            <a:srgbClr val="7F7F7F"/>
+          </a:solidFill>
+          <a:ln>
+            <a:noFill/>
+          </a:ln>
+        </p:spPr>
+        <p:style>
+          <a:lnRef idx="2">
+            <a:schemeClr val="accent1">
+              <a:shade val="50000"/>
+            </a:schemeClr>
+          </a:lnRef>
+          <a:fillRef idx="1">
+            <a:schemeClr val="accent1"/>
+          </a:fillRef>
+          <a:effectRef idx="0">
+            <a:schemeClr val="accent1"/>
+          </a:effectRef>
+          <a:fontRef idx="minor">
+            <a:schemeClr val="lt1"/>
+          </a:fontRef>
+        </p:style>
+        <p:txBody>
+          <a:bodyPr rtlCol="0" anchor="ctr"/>
+          <a:lstStyle/>
+          <a:p>
+            <a:pPr algn="ctr"/>
+            <a:endParaRPr lang="en-US"/>
+          </a:p>
+        </p:txBody>
+      </p:sp>
+      <p:sp>
+        <p:nvSpPr>
+          <p:cNvPr id="2" name="Titel 1">
+            <a:extLst>
+              <a:ext uri="{FF2B5EF4-FFF2-40B4-BE49-F238E27FC236}">
+                <a16:creationId xmlns:a16="http://schemas.microsoft.com/office/drawing/2014/main" id="{7A492404-EA53-4F20-8D6A-182A15F718CC}"/>
+              </a:ext>
+            </a:extLst>
+          </p:cNvPr>
+          <p:cNvSpPr>
+            <a:spLocks noGrp="1"/>
+          </p:cNvSpPr>
+          <p:nvPr>
+            <p:ph type="title"/>
+          </p:nvPr>
+        </p:nvSpPr>
+        <p:spPr>
+          <a:xfrm>
+            <a:off x="640080" y="2074363"/>
+            <a:ext cx="2752354" cy="2709275"/>
+          </a:xfrm>
+          <a:prstGeom prst="ellipse">
+            <a:avLst/>
+          </a:prstGeom>
+          <a:solidFill>
+            <a:srgbClr val="262626"/>
+          </a:solidFill>
+          <a:ln w="174625" cmpd="thinThick">
+            <a:solidFill>
+              <a:srgbClr val="262626"/>
+            </a:solidFill>
+          </a:ln>
+        </p:spPr>
+        <p:txBody>
+          <a:bodyPr vert="horz" lIns="91440" tIns="45720" rIns="91440" bIns="45720" rtlCol="0" anchor="ctr">
+            <a:normAutofit/>
+          </a:bodyPr>
+          <a:lstStyle/>
+          <a:p>
+            <a:pPr algn="ctr"/>
+            <a:r>
+              <a:rPr lang="en-US" sz="1400" kern="1200">
+                <a:solidFill>
+                  <a:srgbClr val="FFFFFF"/>
+                </a:solidFill>
+                <a:latin typeface="+mj-lt"/>
+                <a:ea typeface="+mj-ea"/>
+                <a:cs typeface="+mj-cs"/>
+              </a:rPr>
               <a:t>Benutzeranforderungen</a:t>
             </a:r>
-            <a:endParaRPr lang="en-GB" dirty="0"/>
           </a:p>
         </p:txBody>
       </p:sp>
@@ -7947,9 +9027,12 @@
         </p:blipFill>
         <p:spPr>
           <a:xfrm>
-            <a:off x="3752523" y="2939108"/>
-            <a:ext cx="4686954" cy="2124371"/>
+            <a:off x="4038600" y="1800975"/>
+            <a:ext cx="7188199" cy="3252660"/>
           </a:xfrm>
+          <a:prstGeom prst="rect">
+            <a:avLst/>
+          </a:prstGeom>
         </p:spPr>
       </p:pic>
     </p:spTree>
@@ -7968,6 +9051,14 @@
 <file path=ppt/slides/slide3.xml><?xml version="1.0" encoding="utf-8"?>
 <p:sld xmlns:a="http://schemas.openxmlformats.org/drawingml/2006/main" xmlns:r="http://schemas.openxmlformats.org/officeDocument/2006/relationships" xmlns:p="http://schemas.openxmlformats.org/presentationml/2006/main">
   <p:cSld>
+    <p:bg>
+      <p:bgPr>
+        <a:solidFill>
+          <a:schemeClr val="bg1"/>
+        </a:solidFill>
+        <a:effectLst/>
+      </p:bgPr>
+    </p:bg>
     <p:spTree>
       <p:nvGrpSpPr>
         <p:cNvPr id="1" name=""/>
@@ -7984,6 +9075,71 @@
       </p:grpSpPr>
       <p:sp>
         <p:nvSpPr>
+          <p:cNvPr id="21" name="Rectangle 20">
+            <a:extLst>
+              <a:ext uri="{FF2B5EF4-FFF2-40B4-BE49-F238E27FC236}">
+                <a16:creationId xmlns:a16="http://schemas.microsoft.com/office/drawing/2014/main" id="{8D70B121-56F4-4848-B38B-182089D909FA}"/>
+              </a:ext>
+              <a:ext uri="{C183D7F6-B498-43B3-948B-1728B52AA6E4}">
+                <adec:decorative xmlns:adec="http://schemas.microsoft.com/office/drawing/2017/decorative" val="1"/>
+              </a:ext>
+            </a:extLst>
+          </p:cNvPr>
+          <p:cNvSpPr>
+            <a:spLocks noGrp="1" noRot="1" noChangeAspect="1" noMove="1" noResize="1" noEditPoints="1" noAdjustHandles="1" noChangeArrowheads="1" noChangeShapeType="1" noTextEdit="1"/>
+          </p:cNvSpPr>
+          <p:nvPr>
+            <p:extLst>
+              <p:ext uri="{386F3935-93C4-4BCD-93E2-E3B085C9AB24}">
+                <p16:designElem xmlns:p16="http://schemas.microsoft.com/office/powerpoint/2015/main" val="1"/>
+              </p:ext>
+            </p:extLst>
+          </p:nvPr>
+        </p:nvSpPr>
+        <p:spPr bwMode="ltGray">
+          <a:xfrm>
+            <a:off x="321564" y="320040"/>
+            <a:ext cx="11548872" cy="6217920"/>
+          </a:xfrm>
+          <a:prstGeom prst="rect">
+            <a:avLst/>
+          </a:prstGeom>
+          <a:solidFill>
+            <a:schemeClr val="tx1">
+              <a:alpha val="8000"/>
+            </a:schemeClr>
+          </a:solidFill>
+          <a:ln w="127000" cap="sq" cmpd="thinThick">
+            <a:noFill/>
+          </a:ln>
+        </p:spPr>
+        <p:style>
+          <a:lnRef idx="2">
+            <a:schemeClr val="accent1">
+              <a:shade val="50000"/>
+            </a:schemeClr>
+          </a:lnRef>
+          <a:fillRef idx="1">
+            <a:schemeClr val="accent1"/>
+          </a:fillRef>
+          <a:effectRef idx="0">
+            <a:schemeClr val="accent1"/>
+          </a:effectRef>
+          <a:fontRef idx="minor">
+            <a:schemeClr val="lt1"/>
+          </a:fontRef>
+        </p:style>
+        <p:txBody>
+          <a:bodyPr rtlCol="0" anchor="ctr"/>
+          <a:lstStyle/>
+          <a:p>
+            <a:pPr algn="ctr"/>
+            <a:endParaRPr lang="en-US"/>
+          </a:p>
+        </p:txBody>
+      </p:sp>
+      <p:sp>
+        <p:nvSpPr>
           <p:cNvPr id="2" name="Titel 1">
             <a:extLst>
               <a:ext uri="{FF2B5EF4-FFF2-40B4-BE49-F238E27FC236}">
@@ -7998,19 +9154,90 @@
             <p:ph type="title"/>
           </p:nvPr>
         </p:nvSpPr>
-        <p:spPr/>
+        <p:spPr>
+          <a:xfrm>
+            <a:off x="838200" y="963877"/>
+            <a:ext cx="3494362" cy="4930246"/>
+          </a:xfrm>
+        </p:spPr>
         <p:txBody>
-          <a:bodyPr/>
+          <a:bodyPr>
+            <a:normAutofit/>
+          </a:bodyPr>
           <a:lstStyle/>
           <a:p>
+            <a:pPr algn="r"/>
             <a:r>
-              <a:rPr lang="de-DE" dirty="0"/>
+              <a:rPr lang="de-DE" sz="2400">
+                <a:solidFill>
+                  <a:schemeClr val="accent1"/>
+                </a:solidFill>
+              </a:rPr>
               <a:t>Benutzeranforderungen</a:t>
             </a:r>
-            <a:endParaRPr lang="en-GB" dirty="0"/>
+            <a:endParaRPr lang="en-GB" sz="2400">
+              <a:solidFill>
+                <a:schemeClr val="accent1"/>
+              </a:solidFill>
+            </a:endParaRPr>
           </a:p>
         </p:txBody>
       </p:sp>
+      <p:cxnSp>
+        <p:nvCxnSpPr>
+          <p:cNvPr id="23" name="Straight Connector 22">
+            <a:extLst>
+              <a:ext uri="{FF2B5EF4-FFF2-40B4-BE49-F238E27FC236}">
+                <a16:creationId xmlns:a16="http://schemas.microsoft.com/office/drawing/2014/main" id="{2D72A2C9-F3CA-4216-8BAD-FA4C970C3C4E}"/>
+              </a:ext>
+              <a:ext uri="{C183D7F6-B498-43B3-948B-1728B52AA6E4}">
+                <adec:decorative xmlns:adec="http://schemas.microsoft.com/office/drawing/2017/decorative" val="1"/>
+              </a:ext>
+            </a:extLst>
+          </p:cNvPr>
+          <p:cNvCxnSpPr>
+            <a:cxnSpLocks noGrp="1" noRot="1" noChangeAspect="1" noMove="1" noResize="1" noEditPoints="1" noAdjustHandles="1" noChangeArrowheads="1" noChangeShapeType="1"/>
+          </p:cNvCxnSpPr>
+          <p:nvPr>
+            <p:extLst>
+              <p:ext uri="{386F3935-93C4-4BCD-93E2-E3B085C9AB24}">
+                <p16:designElem xmlns:p16="http://schemas.microsoft.com/office/powerpoint/2015/main" val="1"/>
+              </p:ext>
+            </p:extLst>
+          </p:nvPr>
+        </p:nvCxnSpPr>
+        <p:spPr>
+          <a:xfrm>
+            <a:off x="4654296" y="2057400"/>
+            <a:ext cx="0" cy="2743200"/>
+          </a:xfrm>
+          <a:prstGeom prst="line">
+            <a:avLst/>
+          </a:prstGeom>
+          <a:ln w="19050">
+            <a:solidFill>
+              <a:schemeClr val="tx1">
+                <a:lumMod val="85000"/>
+                <a:lumOff val="15000"/>
+              </a:schemeClr>
+            </a:solidFill>
+          </a:ln>
+        </p:spPr>
+        <p:style>
+          <a:lnRef idx="1">
+            <a:schemeClr val="accent1"/>
+          </a:lnRef>
+          <a:fillRef idx="0">
+            <a:schemeClr val="accent1"/>
+          </a:fillRef>
+          <a:effectRef idx="0">
+            <a:schemeClr val="accent1"/>
+          </a:effectRef>
+          <a:fontRef idx="minor">
+            <a:schemeClr val="tx1"/>
+          </a:fontRef>
+        </p:style>
+      </p:cxnSp>
       <p:sp>
         <p:nvSpPr>
           <p:cNvPr id="4" name="Inhaltsplatzhalter 3">
@@ -8027,17 +9254,19 @@
             <p:ph idx="1"/>
           </p:nvPr>
         </p:nvSpPr>
-        <p:spPr/>
+        <p:spPr>
+          <a:xfrm>
+            <a:off x="4976031" y="963877"/>
+            <a:ext cx="6377769" cy="4930246"/>
+          </a:xfrm>
+        </p:spPr>
         <p:txBody>
-          <a:bodyPr>
+          <a:bodyPr anchor="ctr">
             <a:normAutofit/>
           </a:bodyPr>
           <a:lstStyle/>
           <a:p>
             <a:pPr marL="0" indent="0">
-              <a:lnSpc>
-                <a:spcPct val="100000"/>
-              </a:lnSpc>
               <a:spcBef>
                 <a:spcPts val="1200"/>
               </a:spcBef>
@@ -8050,24 +9279,13 @@
               </a:tabLst>
             </a:pPr>
             <a:r>
-              <a:rPr lang="de-DE" sz="1800" b="1" i="1" dirty="0">
-                <a:solidFill>
-                  <a:srgbClr val="00000A"/>
-                </a:solidFill>
-              </a:rPr>
+              <a:rPr lang="de-DE" sz="2000" b="1" i="1"/>
               <a:t>Zweck und Ziele des Produkts</a:t>
             </a:r>
-            <a:endParaRPr lang="en-GB" sz="1800" b="1" i="1" dirty="0">
-              <a:solidFill>
-                <a:srgbClr val="00000A"/>
-              </a:solidFill>
-            </a:endParaRPr>
+            <a:endParaRPr lang="en-GB" sz="2000" b="1" i="1"/>
           </a:p>
           <a:p>
             <a:pPr>
-              <a:lnSpc>
-                <a:spcPct val="100000"/>
-              </a:lnSpc>
               <a:spcBef>
                 <a:spcPts val="0"/>
               </a:spcBef>
@@ -8076,10 +9294,7 @@
               </a:tabLst>
             </a:pPr>
             <a:r>
-              <a:rPr lang="de-DE" sz="1800" dirty="0">
-                <a:solidFill>
-                  <a:srgbClr val="00000A"/>
-                </a:solidFill>
+              <a:rPr lang="de-DE" sz="2000">
                 <a:ea typeface="Times New Roman" panose="02020603050405020304" pitchFamily="18" charset="0"/>
                 <a:cs typeface="Symbol" panose="05050102010706020507" pitchFamily="18" charset="2"/>
               </a:rPr>
@@ -8088,9 +9303,6 @@
           </a:p>
           <a:p>
             <a:pPr marL="0" indent="0">
-              <a:lnSpc>
-                <a:spcPct val="100000"/>
-              </a:lnSpc>
               <a:spcBef>
                 <a:spcPts val="0"/>
               </a:spcBef>
@@ -8100,10 +9312,7 @@
               </a:tabLst>
             </a:pPr>
             <a:r>
-              <a:rPr lang="de-DE" sz="1800" dirty="0">
-                <a:solidFill>
-                  <a:srgbClr val="00000A"/>
-                </a:solidFill>
+              <a:rPr lang="de-DE" sz="2000">
                 <a:ea typeface="Times New Roman" panose="02020603050405020304" pitchFamily="18" charset="0"/>
                 <a:cs typeface="Times New Roman" panose="02020603050405020304" pitchFamily="18" charset="0"/>
               </a:rPr>
@@ -8112,9 +9321,6 @@
           </a:p>
           <a:p>
             <a:pPr marL="0" indent="0">
-              <a:lnSpc>
-                <a:spcPct val="100000"/>
-              </a:lnSpc>
               <a:spcBef>
                 <a:spcPts val="0"/>
               </a:spcBef>
@@ -8123,19 +9329,13 @@
                 <a:tab pos="822960" algn="l"/>
               </a:tabLst>
             </a:pPr>
-            <a:endParaRPr lang="en-GB" sz="1800" dirty="0">
-              <a:solidFill>
-                <a:srgbClr val="00000A"/>
-              </a:solidFill>
+            <a:endParaRPr lang="en-GB" sz="2000">
               <a:ea typeface="Times New Roman" panose="02020603050405020304" pitchFamily="18" charset="0"/>
               <a:cs typeface="Times New Roman" panose="02020603050405020304" pitchFamily="18" charset="0"/>
             </a:endParaRPr>
           </a:p>
           <a:p>
             <a:pPr>
-              <a:lnSpc>
-                <a:spcPct val="100000"/>
-              </a:lnSpc>
               <a:spcBef>
                 <a:spcPts val="0"/>
               </a:spcBef>
@@ -8144,28 +9344,19 @@
               </a:tabLst>
             </a:pPr>
             <a:r>
-              <a:rPr lang="de-DE" sz="1800" dirty="0">
-                <a:solidFill>
-                  <a:srgbClr val="00000A"/>
-                </a:solidFill>
+              <a:rPr lang="de-DE" sz="2000">
                 <a:ea typeface="Times New Roman" panose="02020603050405020304" pitchFamily="18" charset="0"/>
                 <a:cs typeface="Symbol" panose="05050102010706020507" pitchFamily="18" charset="2"/>
               </a:rPr>
               <a:t>Was soll damit erreicht werden?</a:t>
             </a:r>
-            <a:endParaRPr lang="en-GB" sz="1800" dirty="0">
-              <a:solidFill>
-                <a:srgbClr val="00000A"/>
-              </a:solidFill>
+            <a:endParaRPr lang="en-GB" sz="2000">
               <a:ea typeface="Times New Roman" panose="02020603050405020304" pitchFamily="18" charset="0"/>
               <a:cs typeface="Symbol" panose="05050102010706020507" pitchFamily="18" charset="2"/>
             </a:endParaRPr>
           </a:p>
           <a:p>
             <a:pPr marL="0" indent="0">
-              <a:lnSpc>
-                <a:spcPct val="100000"/>
-              </a:lnSpc>
               <a:spcBef>
                 <a:spcPts val="0"/>
               </a:spcBef>
@@ -8175,28 +9366,19 @@
               </a:tabLst>
             </a:pPr>
             <a:r>
-              <a:rPr lang="de-DE" sz="1800" dirty="0">
-                <a:solidFill>
-                  <a:srgbClr val="00000A"/>
-                </a:solidFill>
+              <a:rPr lang="de-DE" sz="2000">
                 <a:ea typeface="Times New Roman" panose="02020603050405020304" pitchFamily="18" charset="0"/>
                 <a:cs typeface="Times New Roman" panose="02020603050405020304" pitchFamily="18" charset="0"/>
               </a:rPr>
               <a:t>Das Verhalten eines Stoffgemisches bei einer Trennoperation soll betrachtet werden.</a:t>
             </a:r>
-            <a:endParaRPr lang="de-DE" sz="1800" dirty="0">
-              <a:solidFill>
-                <a:srgbClr val="00000A"/>
-              </a:solidFill>
+            <a:endParaRPr lang="de-DE" sz="2000">
               <a:ea typeface="Times New Roman" panose="02020603050405020304" pitchFamily="18" charset="0"/>
               <a:cs typeface="Symbol" panose="05050102010706020507" pitchFamily="18" charset="2"/>
             </a:endParaRPr>
           </a:p>
           <a:p>
             <a:pPr marL="0" indent="0">
-              <a:lnSpc>
-                <a:spcPct val="100000"/>
-              </a:lnSpc>
               <a:spcBef>
                 <a:spcPts val="1200"/>
               </a:spcBef>
@@ -8209,26 +9391,16 @@
               </a:tabLst>
             </a:pPr>
             <a:r>
-              <a:rPr lang="de-DE" sz="1800" b="1" i="1" dirty="0">
-                <a:solidFill>
-                  <a:srgbClr val="00000A"/>
-                </a:solidFill>
+              <a:rPr lang="de-DE" sz="2000" b="1" i="1">
                 <a:ea typeface="Times New Roman" panose="02020603050405020304" pitchFamily="18" charset="0"/>
                 <a:cs typeface="Symbol" panose="05050102010706020507" pitchFamily="18" charset="2"/>
               </a:rPr>
               <a:t>Benutzer des Produkts</a:t>
             </a:r>
-            <a:endParaRPr lang="en-GB" sz="1800" b="1" i="1" dirty="0">
-              <a:solidFill>
-                <a:srgbClr val="00000A"/>
-              </a:solidFill>
-            </a:endParaRPr>
+            <a:endParaRPr lang="en-GB" sz="2000" b="1" i="1"/>
           </a:p>
           <a:p>
             <a:pPr>
-              <a:lnSpc>
-                <a:spcPct val="100000"/>
-              </a:lnSpc>
               <a:spcBef>
                 <a:spcPts val="0"/>
               </a:spcBef>
@@ -8237,10 +9409,7 @@
               </a:tabLst>
             </a:pPr>
             <a:r>
-              <a:rPr lang="de-DE" sz="1800" dirty="0">
-                <a:solidFill>
-                  <a:srgbClr val="00000A"/>
-                </a:solidFill>
+              <a:rPr lang="de-DE" sz="2000">
                 <a:ea typeface="Times New Roman" panose="02020603050405020304" pitchFamily="18" charset="0"/>
                 <a:cs typeface="Symbol" panose="05050102010706020507" pitchFamily="18" charset="2"/>
               </a:rPr>
@@ -8249,9 +9418,6 @@
           </a:p>
           <a:p>
             <a:pPr marL="0" indent="0">
-              <a:lnSpc>
-                <a:spcPct val="100000"/>
-              </a:lnSpc>
               <a:spcBef>
                 <a:spcPts val="0"/>
               </a:spcBef>
@@ -8261,10 +9427,7 @@
               </a:tabLst>
             </a:pPr>
             <a:r>
-              <a:rPr lang="de-DE" sz="1800" dirty="0">
-                <a:solidFill>
-                  <a:srgbClr val="00000A"/>
-                </a:solidFill>
+              <a:rPr lang="de-DE" sz="2000">
                 <a:ea typeface="Times New Roman" panose="02020603050405020304" pitchFamily="18" charset="0"/>
                 <a:cs typeface="Symbol" panose="05050102010706020507" pitchFamily="18" charset="2"/>
               </a:rPr>
@@ -8273,9 +9436,6 @@
           </a:p>
           <a:p>
             <a:pPr marL="0" indent="0">
-              <a:lnSpc>
-                <a:spcPct val="100000"/>
-              </a:lnSpc>
               <a:spcBef>
                 <a:spcPts val="0"/>
               </a:spcBef>
@@ -8284,19 +9444,13 @@
                 <a:tab pos="822960" algn="l"/>
               </a:tabLst>
             </a:pPr>
-            <a:endParaRPr lang="de-DE" sz="1800" dirty="0">
-              <a:solidFill>
-                <a:srgbClr val="00000A"/>
-              </a:solidFill>
+            <a:endParaRPr lang="de-DE" sz="2000">
               <a:ea typeface="Times New Roman" panose="02020603050405020304" pitchFamily="18" charset="0"/>
               <a:cs typeface="Symbol" panose="05050102010706020507" pitchFamily="18" charset="2"/>
             </a:endParaRPr>
           </a:p>
           <a:p>
             <a:pPr>
-              <a:lnSpc>
-                <a:spcPct val="100000"/>
-              </a:lnSpc>
               <a:spcBef>
                 <a:spcPts val="0"/>
               </a:spcBef>
@@ -8305,10 +9459,7 @@
               </a:tabLst>
             </a:pPr>
             <a:r>
-              <a:rPr lang="de-DE" sz="1800" dirty="0">
-                <a:solidFill>
-                  <a:srgbClr val="00000A"/>
-                </a:solidFill>
+              <a:rPr lang="de-DE" sz="2000">
                 <a:ea typeface="Times New Roman" panose="02020603050405020304" pitchFamily="18" charset="0"/>
                 <a:cs typeface="Symbol" panose="05050102010706020507" pitchFamily="18" charset="2"/>
               </a:rPr>
@@ -8317,9 +9468,6 @@
           </a:p>
           <a:p>
             <a:pPr marL="0" indent="0">
-              <a:lnSpc>
-                <a:spcPct val="100000"/>
-              </a:lnSpc>
               <a:spcBef>
                 <a:spcPts val="0"/>
               </a:spcBef>
@@ -8329,10 +9477,7 @@
               </a:tabLst>
             </a:pPr>
             <a:r>
-              <a:rPr lang="de-DE" sz="1800" dirty="0">
-                <a:solidFill>
-                  <a:srgbClr val="00000A"/>
-                </a:solidFill>
+              <a:rPr lang="de-DE" sz="2000">
                 <a:ea typeface="Times New Roman" panose="02020603050405020304" pitchFamily="18" charset="0"/>
                 <a:cs typeface="Symbol" panose="05050102010706020507" pitchFamily="18" charset="2"/>
               </a:rPr>
@@ -8341,9 +9486,6 @@
           </a:p>
           <a:p>
             <a:pPr>
-              <a:lnSpc>
-                <a:spcPct val="100000"/>
-              </a:lnSpc>
               <a:spcBef>
                 <a:spcPts val="0"/>
               </a:spcBef>
@@ -8351,27 +9493,18 @@
                 <a:tab pos="822960" algn="l"/>
               </a:tabLst>
             </a:pPr>
-            <a:endParaRPr lang="en-GB" sz="1800" dirty="0">
-              <a:solidFill>
-                <a:srgbClr val="00000A"/>
-              </a:solidFill>
+            <a:endParaRPr lang="en-GB" sz="2000">
               <a:ea typeface="Times New Roman" panose="02020603050405020304" pitchFamily="18" charset="0"/>
               <a:cs typeface="Symbol" panose="05050102010706020507" pitchFamily="18" charset="2"/>
             </a:endParaRPr>
           </a:p>
           <a:p>
             <a:pPr marL="1108710" indent="-285750">
-              <a:lnSpc>
-                <a:spcPct val="100000"/>
-              </a:lnSpc>
               <a:spcBef>
                 <a:spcPts val="0"/>
               </a:spcBef>
             </a:pPr>
-            <a:endParaRPr lang="de-DE" sz="1800" dirty="0">
-              <a:solidFill>
-                <a:srgbClr val="00000A"/>
-              </a:solidFill>
+            <a:endParaRPr lang="de-DE" sz="2000">
               <a:ea typeface="Times New Roman" panose="02020603050405020304" pitchFamily="18" charset="0"/>
               <a:cs typeface="Times New Roman" panose="02020603050405020304" pitchFamily="18" charset="0"/>
             </a:endParaRPr>
@@ -8394,6 +9527,14 @@
 <file path=ppt/slides/slide4.xml><?xml version="1.0" encoding="utf-8"?>
 <p:sld xmlns:a="http://schemas.openxmlformats.org/drawingml/2006/main" xmlns:r="http://schemas.openxmlformats.org/officeDocument/2006/relationships" xmlns:p="http://schemas.openxmlformats.org/presentationml/2006/main">
   <p:cSld>
+    <p:bg>
+      <p:bgPr>
+        <a:solidFill>
+          <a:schemeClr val="bg1"/>
+        </a:solidFill>
+        <a:effectLst/>
+      </p:bgPr>
+    </p:bg>
     <p:spTree>
       <p:nvGrpSpPr>
         <p:cNvPr id="1" name=""/>
@@ -8410,6 +9551,71 @@
       </p:grpSpPr>
       <p:sp>
         <p:nvSpPr>
+          <p:cNvPr id="9" name="Rectangle 8">
+            <a:extLst>
+              <a:ext uri="{FF2B5EF4-FFF2-40B4-BE49-F238E27FC236}">
+                <a16:creationId xmlns:a16="http://schemas.microsoft.com/office/drawing/2014/main" id="{8D70B121-56F4-4848-B38B-182089D909FA}"/>
+              </a:ext>
+              <a:ext uri="{C183D7F6-B498-43B3-948B-1728B52AA6E4}">
+                <adec:decorative xmlns:adec="http://schemas.microsoft.com/office/drawing/2017/decorative" val="1"/>
+              </a:ext>
+            </a:extLst>
+          </p:cNvPr>
+          <p:cNvSpPr>
+            <a:spLocks noGrp="1" noRot="1" noChangeAspect="1" noMove="1" noResize="1" noEditPoints="1" noAdjustHandles="1" noChangeArrowheads="1" noChangeShapeType="1" noTextEdit="1"/>
+          </p:cNvSpPr>
+          <p:nvPr>
+            <p:extLst>
+              <p:ext uri="{386F3935-93C4-4BCD-93E2-E3B085C9AB24}">
+                <p16:designElem xmlns:p16="http://schemas.microsoft.com/office/powerpoint/2015/main" val="1"/>
+              </p:ext>
+            </p:extLst>
+          </p:nvPr>
+        </p:nvSpPr>
+        <p:spPr bwMode="ltGray">
+          <a:xfrm>
+            <a:off x="321564" y="320040"/>
+            <a:ext cx="11548872" cy="6217920"/>
+          </a:xfrm>
+          <a:prstGeom prst="rect">
+            <a:avLst/>
+          </a:prstGeom>
+          <a:solidFill>
+            <a:schemeClr val="tx1">
+              <a:alpha val="8000"/>
+            </a:schemeClr>
+          </a:solidFill>
+          <a:ln w="127000" cap="sq" cmpd="thinThick">
+            <a:noFill/>
+          </a:ln>
+        </p:spPr>
+        <p:style>
+          <a:lnRef idx="2">
+            <a:schemeClr val="accent1">
+              <a:shade val="50000"/>
+            </a:schemeClr>
+          </a:lnRef>
+          <a:fillRef idx="1">
+            <a:schemeClr val="accent1"/>
+          </a:fillRef>
+          <a:effectRef idx="0">
+            <a:schemeClr val="accent1"/>
+          </a:effectRef>
+          <a:fontRef idx="minor">
+            <a:schemeClr val="lt1"/>
+          </a:fontRef>
+        </p:style>
+        <p:txBody>
+          <a:bodyPr rtlCol="0" anchor="ctr"/>
+          <a:lstStyle/>
+          <a:p>
+            <a:pPr algn="ctr"/>
+            <a:endParaRPr lang="en-US"/>
+          </a:p>
+        </p:txBody>
+      </p:sp>
+      <p:sp>
+        <p:nvSpPr>
           <p:cNvPr id="2" name="Titel 1">
             <a:extLst>
               <a:ext uri="{FF2B5EF4-FFF2-40B4-BE49-F238E27FC236}">
@@ -8424,19 +9630,90 @@
             <p:ph type="title"/>
           </p:nvPr>
         </p:nvSpPr>
-        <p:spPr/>
+        <p:spPr>
+          <a:xfrm>
+            <a:off x="838200" y="963877"/>
+            <a:ext cx="3494362" cy="4930246"/>
+          </a:xfrm>
+        </p:spPr>
         <p:txBody>
-          <a:bodyPr/>
+          <a:bodyPr>
+            <a:normAutofit/>
+          </a:bodyPr>
           <a:lstStyle/>
           <a:p>
+            <a:pPr algn="r"/>
             <a:r>
-              <a:rPr lang="de-DE" dirty="0"/>
+              <a:rPr lang="de-DE" sz="2400">
+                <a:solidFill>
+                  <a:schemeClr val="accent1"/>
+                </a:solidFill>
+              </a:rPr>
               <a:t>Benutzeranforderungen</a:t>
             </a:r>
-            <a:endParaRPr lang="en-GB" dirty="0"/>
+            <a:endParaRPr lang="en-GB" sz="2400">
+              <a:solidFill>
+                <a:schemeClr val="accent1"/>
+              </a:solidFill>
+            </a:endParaRPr>
           </a:p>
         </p:txBody>
       </p:sp>
+      <p:cxnSp>
+        <p:nvCxnSpPr>
+          <p:cNvPr id="11" name="Straight Connector 10">
+            <a:extLst>
+              <a:ext uri="{FF2B5EF4-FFF2-40B4-BE49-F238E27FC236}">
+                <a16:creationId xmlns:a16="http://schemas.microsoft.com/office/drawing/2014/main" id="{2D72A2C9-F3CA-4216-8BAD-FA4C970C3C4E}"/>
+              </a:ext>
+              <a:ext uri="{C183D7F6-B498-43B3-948B-1728B52AA6E4}">
+                <adec:decorative xmlns:adec="http://schemas.microsoft.com/office/drawing/2017/decorative" val="1"/>
+              </a:ext>
+            </a:extLst>
+          </p:cNvPr>
+          <p:cNvCxnSpPr>
+            <a:cxnSpLocks noGrp="1" noRot="1" noChangeAspect="1" noMove="1" noResize="1" noEditPoints="1" noAdjustHandles="1" noChangeArrowheads="1" noChangeShapeType="1"/>
+          </p:cNvCxnSpPr>
+          <p:nvPr>
+            <p:extLst>
+              <p:ext uri="{386F3935-93C4-4BCD-93E2-E3B085C9AB24}">
+                <p16:designElem xmlns:p16="http://schemas.microsoft.com/office/powerpoint/2015/main" val="1"/>
+              </p:ext>
+            </p:extLst>
+          </p:nvPr>
+        </p:nvCxnSpPr>
+        <p:spPr>
+          <a:xfrm>
+            <a:off x="4654296" y="2057400"/>
+            <a:ext cx="0" cy="2743200"/>
+          </a:xfrm>
+          <a:prstGeom prst="line">
+            <a:avLst/>
+          </a:prstGeom>
+          <a:ln w="19050">
+            <a:solidFill>
+              <a:schemeClr val="tx1">
+                <a:lumMod val="85000"/>
+                <a:lumOff val="15000"/>
+              </a:schemeClr>
+            </a:solidFill>
+          </a:ln>
+        </p:spPr>
+        <p:style>
+          <a:lnRef idx="1">
+            <a:schemeClr val="accent1"/>
+          </a:lnRef>
+          <a:fillRef idx="0">
+            <a:schemeClr val="accent1"/>
+          </a:fillRef>
+          <a:effectRef idx="0">
+            <a:schemeClr val="accent1"/>
+          </a:effectRef>
+          <a:fontRef idx="minor">
+            <a:schemeClr val="tx1"/>
+          </a:fontRef>
+        </p:style>
+      </p:cxnSp>
       <p:sp>
         <p:nvSpPr>
           <p:cNvPr id="4" name="Inhaltsplatzhalter 3">
@@ -8453,9 +9730,14 @@
             <p:ph idx="1"/>
           </p:nvPr>
         </p:nvSpPr>
-        <p:spPr/>
+        <p:spPr>
+          <a:xfrm>
+            <a:off x="4976031" y="963877"/>
+            <a:ext cx="6377769" cy="4930246"/>
+          </a:xfrm>
+        </p:spPr>
         <p:txBody>
-          <a:bodyPr>
+          <a:bodyPr anchor="ctr">
             <a:normAutofit/>
           </a:bodyPr>
           <a:lstStyle/>
@@ -8464,67 +9746,64 @@
               <a:buNone/>
             </a:pPr>
             <a:r>
-              <a:rPr lang="de-DE" sz="1800" b="1" i="1" dirty="0"/>
+              <a:rPr lang="de-DE" sz="1900" b="1" i="1"/>
               <a:t>Annahmen und Abhängigkeiten</a:t>
             </a:r>
-            <a:endParaRPr lang="en-GB" sz="1800" b="1" i="1" dirty="0"/>
+            <a:endParaRPr lang="en-GB" sz="1900" b="1" i="1"/>
           </a:p>
           <a:p>
             <a:pPr lvl="0"/>
             <a:r>
-              <a:rPr lang="de-DE" sz="1800" dirty="0"/>
+              <a:rPr lang="de-DE" sz="1900"/>
               <a:t>Welche Annahmen werden getroffen?</a:t>
             </a:r>
-            <a:endParaRPr lang="en-GB" sz="1800" dirty="0"/>
+            <a:endParaRPr lang="en-GB" sz="1900"/>
           </a:p>
           <a:p>
             <a:pPr marL="0" lvl="0" indent="0">
               <a:buNone/>
             </a:pPr>
             <a:r>
-              <a:rPr lang="de-DE" sz="1800" dirty="0"/>
+              <a:rPr lang="de-DE" sz="1900"/>
               <a:t>Wir betrachten nur eine Grundoperation (einstufiger Entspannungsverdampfer, ein sogenannter Flash),  um den Aufwand bei der Entwicklung des Simulators gering zu halten.</a:t>
             </a:r>
-            <a:endParaRPr lang="en-GB" sz="1800" dirty="0"/>
+            <a:endParaRPr lang="en-GB" sz="1900"/>
           </a:p>
           <a:p>
             <a:pPr lvl="0"/>
             <a:r>
-              <a:rPr lang="de-DE" sz="1800" dirty="0"/>
+              <a:rPr lang="de-DE" sz="1900"/>
               <a:t>Welche Randbedingungen müssen beachtet werden?</a:t>
             </a:r>
-            <a:endParaRPr lang="en-GB" sz="1800" dirty="0"/>
+            <a:endParaRPr lang="en-GB" sz="1900"/>
           </a:p>
           <a:p>
             <a:pPr marL="0" indent="0">
               <a:buNone/>
             </a:pPr>
             <a:r>
-              <a:rPr lang="en-GB" sz="1800" dirty="0"/>
+              <a:rPr lang="en-GB" sz="1900"/>
               <a:t>L</a:t>
             </a:r>
             <a:r>
-              <a:rPr lang="en-GB" sz="1800" baseline="-25000" dirty="0"/>
+              <a:rPr lang="en-GB" sz="1900" baseline="-25000"/>
               <a:t>in </a:t>
             </a:r>
             <a:r>
-              <a:rPr lang="en-GB" sz="1800" dirty="0"/>
+              <a:rPr lang="en-GB" sz="1900"/>
               <a:t>= 0 (liquid inlet stream) und V</a:t>
             </a:r>
             <a:r>
-              <a:rPr lang="en-GB" sz="1800" baseline="-25000" dirty="0"/>
+              <a:rPr lang="en-GB" sz="1900" baseline="-25000"/>
               <a:t>in </a:t>
             </a:r>
             <a:r>
-              <a:rPr lang="en-GB" sz="1800" dirty="0"/>
+              <a:rPr lang="en-GB" sz="1900"/>
               <a:t>= 0 (vapor inlet stream)</a:t>
             </a:r>
           </a:p>
           <a:p>
             <a:pPr marL="342900" lvl="0" indent="-342900">
-              <a:lnSpc>
-                <a:spcPct val="100000"/>
-              </a:lnSpc>
               <a:spcBef>
                 <a:spcPts val="0"/>
               </a:spcBef>
@@ -8534,10 +9813,7 @@
                 <a:tab pos="822960" algn="l"/>
               </a:tabLst>
             </a:pPr>
-            <a:endParaRPr lang="de-DE" sz="1800" dirty="0">
-              <a:solidFill>
-                <a:srgbClr val="00000A"/>
-              </a:solidFill>
+            <a:endParaRPr lang="de-DE" sz="1900">
               <a:ea typeface="Times New Roman" panose="02020603050405020304" pitchFamily="18" charset="0"/>
               <a:cs typeface="Symbol" panose="05050102010706020507" pitchFamily="18" charset="2"/>
             </a:endParaRPr>
@@ -8547,34 +9823,31 @@
               <a:buNone/>
             </a:pPr>
             <a:r>
-              <a:rPr lang="de-DE" sz="1800" b="1" i="1" dirty="0"/>
+              <a:rPr lang="de-DE" sz="1900" b="1" i="1"/>
               <a:t>Anwendungsbereich und Produktabgrenzung</a:t>
             </a:r>
-            <a:endParaRPr lang="en-GB" sz="1800" b="1" i="1" dirty="0"/>
+            <a:endParaRPr lang="en-GB" sz="1900" b="1" i="1"/>
           </a:p>
           <a:p>
             <a:pPr lvl="0"/>
             <a:r>
-              <a:rPr lang="de-DE" sz="1800" dirty="0"/>
+              <a:rPr lang="de-DE" sz="1900"/>
               <a:t>Wie grenzt sich die Funktionalität des Produkts zu anderen Systemen ab? Gibt es Schnittstellen zu anderen Produkten?</a:t>
             </a:r>
-            <a:endParaRPr lang="en-GB" sz="1800" dirty="0"/>
+            <a:endParaRPr lang="en-GB" sz="1900"/>
           </a:p>
           <a:p>
             <a:pPr marL="0" indent="0">
               <a:buNone/>
             </a:pPr>
             <a:r>
-              <a:rPr lang="de-DE" sz="1800" dirty="0"/>
+              <a:rPr lang="de-DE" sz="1900"/>
               <a:t>Da wir mit einem einstufigen  Entspannungsverdampfer arbeiten, gibt es keine Schnittstellen zu anderen Produkten. Die Schnittstellen des Produkts sollen der Weiterentwicklung nicht hinderlich sein</a:t>
             </a:r>
-            <a:endParaRPr lang="en-GB" sz="1800" dirty="0"/>
+            <a:endParaRPr lang="en-GB" sz="1900"/>
           </a:p>
           <a:p>
             <a:pPr marL="342900" lvl="0" indent="-342900">
-              <a:lnSpc>
-                <a:spcPct val="100000"/>
-              </a:lnSpc>
               <a:spcBef>
                 <a:spcPts val="0"/>
               </a:spcBef>
@@ -8584,28 +9857,19 @@
                 <a:tab pos="822960" algn="l"/>
               </a:tabLst>
             </a:pPr>
-            <a:endParaRPr lang="en-GB" sz="1800" dirty="0">
-              <a:solidFill>
-                <a:srgbClr val="00000A"/>
-              </a:solidFill>
+            <a:endParaRPr lang="en-GB" sz="1900">
               <a:ea typeface="Times New Roman" panose="02020603050405020304" pitchFamily="18" charset="0"/>
               <a:cs typeface="Symbol" panose="05050102010706020507" pitchFamily="18" charset="2"/>
             </a:endParaRPr>
           </a:p>
           <a:p>
             <a:pPr marL="822960" lvl="0" indent="0">
-              <a:lnSpc>
-                <a:spcPct val="100000"/>
-              </a:lnSpc>
               <a:spcBef>
                 <a:spcPts val="0"/>
               </a:spcBef>
               <a:buNone/>
             </a:pPr>
-            <a:endParaRPr lang="de-DE" sz="1800" dirty="0">
-              <a:solidFill>
-                <a:srgbClr val="00000A"/>
-              </a:solidFill>
+            <a:endParaRPr lang="de-DE" sz="1900">
               <a:ea typeface="Times New Roman" panose="02020603050405020304" pitchFamily="18" charset="0"/>
               <a:cs typeface="Times New Roman" panose="02020603050405020304" pitchFamily="18" charset="0"/>
             </a:endParaRPr>
@@ -8628,6 +9892,14 @@
 <file path=ppt/slides/slide5.xml><?xml version="1.0" encoding="utf-8"?>
 <p:sld xmlns:a="http://schemas.openxmlformats.org/drawingml/2006/main" xmlns:r="http://schemas.openxmlformats.org/officeDocument/2006/relationships" xmlns:p="http://schemas.openxmlformats.org/presentationml/2006/main">
   <p:cSld>
+    <p:bg>
+      <p:bgPr>
+        <a:solidFill>
+          <a:schemeClr val="bg1"/>
+        </a:solidFill>
+        <a:effectLst/>
+      </p:bgPr>
+    </p:bg>
     <p:spTree>
       <p:nvGrpSpPr>
         <p:cNvPr id="1" name=""/>
@@ -8644,6 +9916,71 @@
       </p:grpSpPr>
       <p:sp>
         <p:nvSpPr>
+          <p:cNvPr id="9" name="Rectangle 8">
+            <a:extLst>
+              <a:ext uri="{FF2B5EF4-FFF2-40B4-BE49-F238E27FC236}">
+                <a16:creationId xmlns:a16="http://schemas.microsoft.com/office/drawing/2014/main" id="{8D70B121-56F4-4848-B38B-182089D909FA}"/>
+              </a:ext>
+              <a:ext uri="{C183D7F6-B498-43B3-948B-1728B52AA6E4}">
+                <adec:decorative xmlns:adec="http://schemas.microsoft.com/office/drawing/2017/decorative" val="1"/>
+              </a:ext>
+            </a:extLst>
+          </p:cNvPr>
+          <p:cNvSpPr>
+            <a:spLocks noGrp="1" noRot="1" noChangeAspect="1" noMove="1" noResize="1" noEditPoints="1" noAdjustHandles="1" noChangeArrowheads="1" noChangeShapeType="1" noTextEdit="1"/>
+          </p:cNvSpPr>
+          <p:nvPr>
+            <p:extLst>
+              <p:ext uri="{386F3935-93C4-4BCD-93E2-E3B085C9AB24}">
+                <p16:designElem xmlns:p16="http://schemas.microsoft.com/office/powerpoint/2015/main" val="1"/>
+              </p:ext>
+            </p:extLst>
+          </p:nvPr>
+        </p:nvSpPr>
+        <p:spPr bwMode="ltGray">
+          <a:xfrm>
+            <a:off x="321564" y="320040"/>
+            <a:ext cx="11548872" cy="6217920"/>
+          </a:xfrm>
+          <a:prstGeom prst="rect">
+            <a:avLst/>
+          </a:prstGeom>
+          <a:solidFill>
+            <a:schemeClr val="tx1">
+              <a:alpha val="8000"/>
+            </a:schemeClr>
+          </a:solidFill>
+          <a:ln w="127000" cap="sq" cmpd="thinThick">
+            <a:noFill/>
+          </a:ln>
+        </p:spPr>
+        <p:style>
+          <a:lnRef idx="2">
+            <a:schemeClr val="accent1">
+              <a:shade val="50000"/>
+            </a:schemeClr>
+          </a:lnRef>
+          <a:fillRef idx="1">
+            <a:schemeClr val="accent1"/>
+          </a:fillRef>
+          <a:effectRef idx="0">
+            <a:schemeClr val="accent1"/>
+          </a:effectRef>
+          <a:fontRef idx="minor">
+            <a:schemeClr val="lt1"/>
+          </a:fontRef>
+        </p:style>
+        <p:txBody>
+          <a:bodyPr rtlCol="0" anchor="ctr"/>
+          <a:lstStyle/>
+          <a:p>
+            <a:pPr algn="ctr"/>
+            <a:endParaRPr lang="en-US"/>
+          </a:p>
+        </p:txBody>
+      </p:sp>
+      <p:sp>
+        <p:nvSpPr>
           <p:cNvPr id="2" name="Titel 1">
             <a:extLst>
               <a:ext uri="{FF2B5EF4-FFF2-40B4-BE49-F238E27FC236}">
@@ -8658,19 +9995,90 @@
             <p:ph type="title"/>
           </p:nvPr>
         </p:nvSpPr>
-        <p:spPr/>
+        <p:spPr>
+          <a:xfrm>
+            <a:off x="838200" y="963877"/>
+            <a:ext cx="3494362" cy="4930246"/>
+          </a:xfrm>
+        </p:spPr>
         <p:txBody>
-          <a:bodyPr/>
+          <a:bodyPr>
+            <a:normAutofit/>
+          </a:bodyPr>
           <a:lstStyle/>
           <a:p>
+            <a:pPr algn="r"/>
             <a:r>
-              <a:rPr lang="de-DE" dirty="0"/>
+              <a:rPr lang="de-DE" sz="2400">
+                <a:solidFill>
+                  <a:schemeClr val="accent1"/>
+                </a:solidFill>
+              </a:rPr>
               <a:t>Benutzeranforderungen</a:t>
             </a:r>
-            <a:endParaRPr lang="en-GB" dirty="0"/>
+            <a:endParaRPr lang="en-GB" sz="2400">
+              <a:solidFill>
+                <a:schemeClr val="accent1"/>
+              </a:solidFill>
+            </a:endParaRPr>
           </a:p>
         </p:txBody>
       </p:sp>
+      <p:cxnSp>
+        <p:nvCxnSpPr>
+          <p:cNvPr id="11" name="Straight Connector 10">
+            <a:extLst>
+              <a:ext uri="{FF2B5EF4-FFF2-40B4-BE49-F238E27FC236}">
+                <a16:creationId xmlns:a16="http://schemas.microsoft.com/office/drawing/2014/main" id="{2D72A2C9-F3CA-4216-8BAD-FA4C970C3C4E}"/>
+              </a:ext>
+              <a:ext uri="{C183D7F6-B498-43B3-948B-1728B52AA6E4}">
+                <adec:decorative xmlns:adec="http://schemas.microsoft.com/office/drawing/2017/decorative" val="1"/>
+              </a:ext>
+            </a:extLst>
+          </p:cNvPr>
+          <p:cNvCxnSpPr>
+            <a:cxnSpLocks noGrp="1" noRot="1" noChangeAspect="1" noMove="1" noResize="1" noEditPoints="1" noAdjustHandles="1" noChangeArrowheads="1" noChangeShapeType="1"/>
+          </p:cNvCxnSpPr>
+          <p:nvPr>
+            <p:extLst>
+              <p:ext uri="{386F3935-93C4-4BCD-93E2-E3B085C9AB24}">
+                <p16:designElem xmlns:p16="http://schemas.microsoft.com/office/powerpoint/2015/main" val="1"/>
+              </p:ext>
+            </p:extLst>
+          </p:nvPr>
+        </p:nvCxnSpPr>
+        <p:spPr>
+          <a:xfrm>
+            <a:off x="4654296" y="2057400"/>
+            <a:ext cx="0" cy="2743200"/>
+          </a:xfrm>
+          <a:prstGeom prst="line">
+            <a:avLst/>
+          </a:prstGeom>
+          <a:ln w="19050">
+            <a:solidFill>
+              <a:schemeClr val="tx1">
+                <a:lumMod val="85000"/>
+                <a:lumOff val="15000"/>
+              </a:schemeClr>
+            </a:solidFill>
+          </a:ln>
+        </p:spPr>
+        <p:style>
+          <a:lnRef idx="1">
+            <a:schemeClr val="accent1"/>
+          </a:lnRef>
+          <a:fillRef idx="0">
+            <a:schemeClr val="accent1"/>
+          </a:fillRef>
+          <a:effectRef idx="0">
+            <a:schemeClr val="accent1"/>
+          </a:effectRef>
+          <a:fontRef idx="minor">
+            <a:schemeClr val="tx1"/>
+          </a:fontRef>
+        </p:style>
+      </p:cxnSp>
       <p:sp>
         <p:nvSpPr>
           <p:cNvPr id="4" name="Inhaltsplatzhalter 3">
@@ -8687,9 +10095,14 @@
             <p:ph idx="1"/>
           </p:nvPr>
         </p:nvSpPr>
-        <p:spPr/>
+        <p:spPr>
+          <a:xfrm>
+            <a:off x="4976031" y="963877"/>
+            <a:ext cx="6377769" cy="4930246"/>
+          </a:xfrm>
+        </p:spPr>
         <p:txBody>
-          <a:bodyPr>
+          <a:bodyPr anchor="ctr">
             <a:normAutofit/>
           </a:bodyPr>
           <a:lstStyle/>
@@ -8698,15 +10111,15 @@
               <a:buNone/>
             </a:pPr>
             <a:r>
-              <a:rPr lang="de-DE" sz="1800" b="1" i="1" dirty="0"/>
+              <a:rPr lang="de-DE" sz="2400" b="1" i="1"/>
               <a:t>Nicht - Funktionale Anforderungen</a:t>
             </a:r>
-            <a:endParaRPr lang="en-GB" sz="1800" b="1" i="1" dirty="0"/>
+            <a:endParaRPr lang="en-GB" sz="2400" b="1" i="1"/>
           </a:p>
           <a:p>
             <a:pPr lvl="0"/>
             <a:r>
-              <a:rPr lang="de-DE" sz="1800" dirty="0"/>
+              <a:rPr lang="de-DE" sz="2400"/>
               <a:t>Anforderungen an Laufzeit, Antwortverhalten</a:t>
             </a:r>
           </a:p>
@@ -8715,7 +10128,7 @@
               <a:buNone/>
             </a:pPr>
             <a:r>
-              <a:rPr lang="de-DE" sz="1800" dirty="0"/>
+              <a:rPr lang="de-DE" sz="2400"/>
               <a:t>Man muss einen Antwort in einigen Sekunden erhalten. Laufzeiten sind durch den Lösungsprozess des Problems dominiert, wenig Overhead.</a:t>
             </a:r>
           </a:p>
@@ -8737,6 +10150,14 @@
 <file path=ppt/slides/slide6.xml><?xml version="1.0" encoding="utf-8"?>
 <p:sld xmlns:a="http://schemas.openxmlformats.org/drawingml/2006/main" xmlns:r="http://schemas.openxmlformats.org/officeDocument/2006/relationships" xmlns:p="http://schemas.openxmlformats.org/presentationml/2006/main">
   <p:cSld>
+    <p:bg>
+      <p:bgPr>
+        <a:solidFill>
+          <a:schemeClr val="bg1"/>
+        </a:solidFill>
+        <a:effectLst/>
+      </p:bgPr>
+    </p:bg>
     <p:spTree>
       <p:nvGrpSpPr>
         <p:cNvPr id="1" name=""/>
@@ -8753,6 +10174,71 @@
       </p:grpSpPr>
       <p:sp>
         <p:nvSpPr>
+          <p:cNvPr id="9" name="Rectangle 8">
+            <a:extLst>
+              <a:ext uri="{FF2B5EF4-FFF2-40B4-BE49-F238E27FC236}">
+                <a16:creationId xmlns:a16="http://schemas.microsoft.com/office/drawing/2014/main" id="{8D70B121-56F4-4848-B38B-182089D909FA}"/>
+              </a:ext>
+              <a:ext uri="{C183D7F6-B498-43B3-948B-1728B52AA6E4}">
+                <adec:decorative xmlns:adec="http://schemas.microsoft.com/office/drawing/2017/decorative" val="1"/>
+              </a:ext>
+            </a:extLst>
+          </p:cNvPr>
+          <p:cNvSpPr>
+            <a:spLocks noGrp="1" noRot="1" noChangeAspect="1" noMove="1" noResize="1" noEditPoints="1" noAdjustHandles="1" noChangeArrowheads="1" noChangeShapeType="1" noTextEdit="1"/>
+          </p:cNvSpPr>
+          <p:nvPr>
+            <p:extLst>
+              <p:ext uri="{386F3935-93C4-4BCD-93E2-E3B085C9AB24}">
+                <p16:designElem xmlns:p16="http://schemas.microsoft.com/office/powerpoint/2015/main" val="1"/>
+              </p:ext>
+            </p:extLst>
+          </p:nvPr>
+        </p:nvSpPr>
+        <p:spPr bwMode="ltGray">
+          <a:xfrm>
+            <a:off x="321564" y="320040"/>
+            <a:ext cx="11548872" cy="6217920"/>
+          </a:xfrm>
+          <a:prstGeom prst="rect">
+            <a:avLst/>
+          </a:prstGeom>
+          <a:solidFill>
+            <a:schemeClr val="tx1">
+              <a:alpha val="8000"/>
+            </a:schemeClr>
+          </a:solidFill>
+          <a:ln w="127000" cap="sq" cmpd="thinThick">
+            <a:noFill/>
+          </a:ln>
+        </p:spPr>
+        <p:style>
+          <a:lnRef idx="2">
+            <a:schemeClr val="accent1">
+              <a:shade val="50000"/>
+            </a:schemeClr>
+          </a:lnRef>
+          <a:fillRef idx="1">
+            <a:schemeClr val="accent1"/>
+          </a:fillRef>
+          <a:effectRef idx="0">
+            <a:schemeClr val="accent1"/>
+          </a:effectRef>
+          <a:fontRef idx="minor">
+            <a:schemeClr val="lt1"/>
+          </a:fontRef>
+        </p:style>
+        <p:txBody>
+          <a:bodyPr rtlCol="0" anchor="ctr"/>
+          <a:lstStyle/>
+          <a:p>
+            <a:pPr algn="ctr"/>
+            <a:endParaRPr lang="en-US"/>
+          </a:p>
+        </p:txBody>
+      </p:sp>
+      <p:sp>
+        <p:nvSpPr>
           <p:cNvPr id="2" name="Titel 1">
             <a:extLst>
               <a:ext uri="{FF2B5EF4-FFF2-40B4-BE49-F238E27FC236}">
@@ -8767,19 +10253,90 @@
             <p:ph type="title"/>
           </p:nvPr>
         </p:nvSpPr>
-        <p:spPr/>
+        <p:spPr>
+          <a:xfrm>
+            <a:off x="838200" y="963877"/>
+            <a:ext cx="3494362" cy="4930246"/>
+          </a:xfrm>
+        </p:spPr>
         <p:txBody>
-          <a:bodyPr/>
+          <a:bodyPr>
+            <a:normAutofit/>
+          </a:bodyPr>
           <a:lstStyle/>
           <a:p>
+            <a:pPr algn="r"/>
             <a:r>
-              <a:rPr lang="de-DE" dirty="0"/>
+              <a:rPr lang="de-DE" sz="2800">
+                <a:solidFill>
+                  <a:schemeClr val="accent1"/>
+                </a:solidFill>
+              </a:rPr>
               <a:t>Systemanforderungen</a:t>
             </a:r>
-            <a:endParaRPr lang="en-GB" dirty="0"/>
+            <a:endParaRPr lang="en-GB" sz="2800">
+              <a:solidFill>
+                <a:schemeClr val="accent1"/>
+              </a:solidFill>
+            </a:endParaRPr>
           </a:p>
         </p:txBody>
       </p:sp>
+      <p:cxnSp>
+        <p:nvCxnSpPr>
+          <p:cNvPr id="11" name="Straight Connector 10">
+            <a:extLst>
+              <a:ext uri="{FF2B5EF4-FFF2-40B4-BE49-F238E27FC236}">
+                <a16:creationId xmlns:a16="http://schemas.microsoft.com/office/drawing/2014/main" id="{2D72A2C9-F3CA-4216-8BAD-FA4C970C3C4E}"/>
+              </a:ext>
+              <a:ext uri="{C183D7F6-B498-43B3-948B-1728B52AA6E4}">
+                <adec:decorative xmlns:adec="http://schemas.microsoft.com/office/drawing/2017/decorative" val="1"/>
+              </a:ext>
+            </a:extLst>
+          </p:cNvPr>
+          <p:cNvCxnSpPr>
+            <a:cxnSpLocks noGrp="1" noRot="1" noChangeAspect="1" noMove="1" noResize="1" noEditPoints="1" noAdjustHandles="1" noChangeArrowheads="1" noChangeShapeType="1"/>
+          </p:cNvCxnSpPr>
+          <p:nvPr>
+            <p:extLst>
+              <p:ext uri="{386F3935-93C4-4BCD-93E2-E3B085C9AB24}">
+                <p16:designElem xmlns:p16="http://schemas.microsoft.com/office/powerpoint/2015/main" val="1"/>
+              </p:ext>
+            </p:extLst>
+          </p:nvPr>
+        </p:nvCxnSpPr>
+        <p:spPr>
+          <a:xfrm>
+            <a:off x="4654296" y="2057400"/>
+            <a:ext cx="0" cy="2743200"/>
+          </a:xfrm>
+          <a:prstGeom prst="line">
+            <a:avLst/>
+          </a:prstGeom>
+          <a:ln w="19050">
+            <a:solidFill>
+              <a:schemeClr val="tx1">
+                <a:lumMod val="85000"/>
+                <a:lumOff val="15000"/>
+              </a:schemeClr>
+            </a:solidFill>
+          </a:ln>
+        </p:spPr>
+        <p:style>
+          <a:lnRef idx="1">
+            <a:schemeClr val="accent1"/>
+          </a:lnRef>
+          <a:fillRef idx="0">
+            <a:schemeClr val="accent1"/>
+          </a:fillRef>
+          <a:effectRef idx="0">
+            <a:schemeClr val="accent1"/>
+          </a:effectRef>
+          <a:fontRef idx="minor">
+            <a:schemeClr val="tx1"/>
+          </a:fontRef>
+        </p:style>
+      </p:cxnSp>
       <p:sp>
         <p:nvSpPr>
           <p:cNvPr id="4" name="Inhaltsplatzhalter 3">
@@ -8796,9 +10353,14 @@
             <p:ph idx="1"/>
           </p:nvPr>
         </p:nvSpPr>
-        <p:spPr/>
+        <p:spPr>
+          <a:xfrm>
+            <a:off x="4976031" y="963877"/>
+            <a:ext cx="6377769" cy="4930246"/>
+          </a:xfrm>
+        </p:spPr>
         <p:txBody>
-          <a:bodyPr>
+          <a:bodyPr anchor="ctr">
             <a:normAutofit/>
           </a:bodyPr>
           <a:lstStyle/>
@@ -8807,7 +10369,7 @@
               <a:buNone/>
             </a:pPr>
             <a:r>
-              <a:rPr lang="de-DE" sz="1800" dirty="0"/>
+              <a:rPr lang="de-DE" sz="2400"/>
               <a:t>Keine Angaben von Seiten des Kunden</a:t>
             </a:r>
           </a:p>
@@ -8815,42 +10377,42 @@
             <a:pPr marL="0" lvl="0" indent="0">
               <a:buNone/>
             </a:pPr>
-            <a:endParaRPr lang="de-DE" sz="1800" dirty="0"/>
+            <a:endParaRPr lang="de-DE" sz="2400"/>
           </a:p>
           <a:p>
             <a:pPr marL="0" lvl="0" indent="0">
               <a:buNone/>
             </a:pPr>
             <a:r>
-              <a:rPr lang="de-DE" sz="1800" dirty="0"/>
+              <a:rPr lang="de-DE" sz="2400"/>
               <a:t>Standard:</a:t>
             </a:r>
           </a:p>
           <a:p>
             <a:r>
-              <a:rPr lang="de-DE" sz="1800" dirty="0"/>
+              <a:rPr lang="de-DE" sz="2400"/>
               <a:t>Eigenständig ausführbare Datei (kompiliert)</a:t>
             </a:r>
           </a:p>
           <a:p>
             <a:r>
-              <a:rPr lang="de-DE" sz="1800" dirty="0"/>
+              <a:rPr lang="de-DE" sz="2400"/>
               <a:t>Sprache: C++</a:t>
             </a:r>
           </a:p>
           <a:p>
             <a:r>
-              <a:rPr lang="de-DE" sz="1800" dirty="0"/>
+              <a:rPr lang="de-DE" sz="2400"/>
               <a:t>Mit g++ 8 kompilierbar</a:t>
             </a:r>
-            <a:endParaRPr lang="en-GB" sz="1800" dirty="0"/>
-          </a:p>
-          <a:p>
-            <a:endParaRPr lang="de-DE" sz="1800" dirty="0"/>
+            <a:endParaRPr lang="en-GB" sz="2400"/>
+          </a:p>
+          <a:p>
+            <a:endParaRPr lang="de-DE" sz="2400"/>
           </a:p>
           <a:p>
             <a:r>
-              <a:rPr lang="de-DE" sz="1800" dirty="0"/>
+              <a:rPr lang="de-DE" sz="2400"/>
               <a:t>Nutzung von EIGEN/DCO ?</a:t>
             </a:r>
           </a:p>
@@ -8872,6 +10434,14 @@
 <file path=ppt/slides/slide7.xml><?xml version="1.0" encoding="utf-8"?>
 <p:sld xmlns:a="http://schemas.openxmlformats.org/drawingml/2006/main" xmlns:r="http://schemas.openxmlformats.org/officeDocument/2006/relationships" xmlns:p="http://schemas.openxmlformats.org/presentationml/2006/main">
   <p:cSld>
+    <p:bg>
+      <p:bgPr>
+        <a:solidFill>
+          <a:schemeClr val="bg1"/>
+        </a:solidFill>
+        <a:effectLst/>
+      </p:bgPr>
+    </p:bg>
     <p:spTree>
       <p:nvGrpSpPr>
         <p:cNvPr id="1" name=""/>
@@ -8888,6 +10458,132 @@
       </p:grpSpPr>
       <p:sp>
         <p:nvSpPr>
+          <p:cNvPr id="13" name="Rectangle 12">
+            <a:extLst>
+              <a:ext uri="{FF2B5EF4-FFF2-40B4-BE49-F238E27FC236}">
+                <a16:creationId xmlns:a16="http://schemas.microsoft.com/office/drawing/2014/main" id="{6753252F-4873-4F63-801D-CC719279A7D5}"/>
+              </a:ext>
+              <a:ext uri="{C183D7F6-B498-43B3-948B-1728B52AA6E4}">
+                <adec:decorative xmlns:adec="http://schemas.microsoft.com/office/drawing/2017/decorative" val="1"/>
+              </a:ext>
+            </a:extLst>
+          </p:cNvPr>
+          <p:cNvSpPr>
+            <a:spLocks noGrp="1" noRot="1" noChangeAspect="1" noMove="1" noResize="1" noEditPoints="1" noAdjustHandles="1" noChangeArrowheads="1" noChangeShapeType="1" noTextEdit="1"/>
+          </p:cNvSpPr>
+          <p:nvPr>
+            <p:extLst>
+              <p:ext uri="{386F3935-93C4-4BCD-93E2-E3B085C9AB24}">
+                <p16:designElem xmlns:p16="http://schemas.microsoft.com/office/powerpoint/2015/main" val="1"/>
+              </p:ext>
+            </p:extLst>
+          </p:nvPr>
+        </p:nvSpPr>
+        <p:spPr>
+          <a:xfrm>
+            <a:off x="0" y="0"/>
+            <a:ext cx="12192000" cy="6858000"/>
+          </a:xfrm>
+          <a:prstGeom prst="rect">
+            <a:avLst/>
+          </a:prstGeom>
+          <a:solidFill>
+            <a:srgbClr val="FFFFFF"/>
+          </a:solidFill>
+          <a:ln>
+            <a:noFill/>
+          </a:ln>
+        </p:spPr>
+        <p:style>
+          <a:lnRef idx="2">
+            <a:schemeClr val="accent1">
+              <a:shade val="50000"/>
+            </a:schemeClr>
+          </a:lnRef>
+          <a:fillRef idx="1">
+            <a:schemeClr val="accent1"/>
+          </a:fillRef>
+          <a:effectRef idx="0">
+            <a:schemeClr val="accent1"/>
+          </a:effectRef>
+          <a:fontRef idx="minor">
+            <a:schemeClr val="lt1"/>
+          </a:fontRef>
+        </p:style>
+        <p:txBody>
+          <a:bodyPr rtlCol="0" anchor="ctr"/>
+          <a:lstStyle/>
+          <a:p>
+            <a:pPr algn="ctr"/>
+            <a:endParaRPr lang="en-US"/>
+          </a:p>
+        </p:txBody>
+      </p:sp>
+      <p:sp>
+        <p:nvSpPr>
+          <p:cNvPr id="15" name="Rectangle 14">
+            <a:extLst>
+              <a:ext uri="{FF2B5EF4-FFF2-40B4-BE49-F238E27FC236}">
+                <a16:creationId xmlns:a16="http://schemas.microsoft.com/office/drawing/2014/main" id="{047C8CCB-F95D-4249-92DD-651249D3535A}"/>
+              </a:ext>
+              <a:ext uri="{C183D7F6-B498-43B3-948B-1728B52AA6E4}">
+                <adec:decorative xmlns:adec="http://schemas.microsoft.com/office/drawing/2017/decorative" val="1"/>
+              </a:ext>
+            </a:extLst>
+          </p:cNvPr>
+          <p:cNvSpPr>
+            <a:spLocks noGrp="1" noRot="1" noChangeAspect="1" noMove="1" noResize="1" noEditPoints="1" noAdjustHandles="1" noChangeArrowheads="1" noChangeShapeType="1" noTextEdit="1"/>
+          </p:cNvSpPr>
+          <p:nvPr>
+            <p:extLst>
+              <p:ext uri="{386F3935-93C4-4BCD-93E2-E3B085C9AB24}">
+                <p16:designElem xmlns:p16="http://schemas.microsoft.com/office/powerpoint/2015/main" val="1"/>
+              </p:ext>
+            </p:extLst>
+          </p:nvPr>
+        </p:nvSpPr>
+        <p:spPr>
+          <a:xfrm>
+            <a:off x="0" y="0"/>
+            <a:ext cx="2013557" cy="6858000"/>
+          </a:xfrm>
+          <a:prstGeom prst="rect">
+            <a:avLst/>
+          </a:prstGeom>
+          <a:solidFill>
+            <a:srgbClr val="7F7F7F"/>
+          </a:solidFill>
+          <a:ln>
+            <a:noFill/>
+          </a:ln>
+        </p:spPr>
+        <p:style>
+          <a:lnRef idx="2">
+            <a:schemeClr val="accent1">
+              <a:shade val="50000"/>
+            </a:schemeClr>
+          </a:lnRef>
+          <a:fillRef idx="1">
+            <a:schemeClr val="accent1"/>
+          </a:fillRef>
+          <a:effectRef idx="0">
+            <a:schemeClr val="accent1"/>
+          </a:effectRef>
+          <a:fontRef idx="minor">
+            <a:schemeClr val="lt1"/>
+          </a:fontRef>
+        </p:style>
+        <p:txBody>
+          <a:bodyPr rtlCol="0" anchor="ctr"/>
+          <a:lstStyle/>
+          <a:p>
+            <a:pPr algn="ctr"/>
+            <a:endParaRPr lang="en-US"/>
+          </a:p>
+        </p:txBody>
+      </p:sp>
+      <p:sp>
+        <p:nvSpPr>
           <p:cNvPr id="2" name="Titel 1">
             <a:extLst>
               <a:ext uri="{FF2B5EF4-FFF2-40B4-BE49-F238E27FC236}">
@@ -8902,16 +10598,41 @@
             <p:ph type="title"/>
           </p:nvPr>
         </p:nvSpPr>
-        <p:spPr/>
+        <p:spPr>
+          <a:xfrm>
+            <a:off x="640080" y="2074363"/>
+            <a:ext cx="2752354" cy="2709275"/>
+          </a:xfrm>
+          <a:prstGeom prst="ellipse">
+            <a:avLst/>
+          </a:prstGeom>
+          <a:solidFill>
+            <a:srgbClr val="262626"/>
+          </a:solidFill>
+          <a:ln w="174625" cmpd="thinThick">
+            <a:solidFill>
+              <a:srgbClr val="262626"/>
+            </a:solidFill>
+          </a:ln>
+        </p:spPr>
         <p:txBody>
-          <a:bodyPr/>
+          <a:bodyPr vert="horz" lIns="91440" tIns="45720" rIns="91440" bIns="45720" rtlCol="0" anchor="ctr">
+            <a:normAutofit/>
+          </a:bodyPr>
           <a:lstStyle/>
           <a:p>
+            <a:pPr algn="ctr"/>
             <a:r>
-              <a:rPr lang="de-DE" dirty="0"/>
+              <a:rPr lang="en-US" sz="2000" kern="1200">
+                <a:solidFill>
+                  <a:srgbClr val="FFFFFF"/>
+                </a:solidFill>
+                <a:latin typeface="+mj-lt"/>
+                <a:ea typeface="+mj-ea"/>
+                <a:cs typeface="+mj-cs"/>
+              </a:rPr>
               <a:t>Anwendungsfälle</a:t>
             </a:r>
-            <a:endParaRPr lang="en-GB" dirty="0"/>
           </a:p>
         </p:txBody>
       </p:sp>
@@ -8945,9 +10666,12 @@
         </p:blipFill>
         <p:spPr>
           <a:xfrm>
-            <a:off x="2243996" y="1825625"/>
-            <a:ext cx="7704008" cy="4351338"/>
+            <a:off x="4038600" y="1396640"/>
+            <a:ext cx="7188199" cy="4061331"/>
           </a:xfrm>
+          <a:prstGeom prst="rect">
+            <a:avLst/>
+          </a:prstGeom>
         </p:spPr>
       </p:pic>
     </p:spTree>
@@ -8966,6 +10690,14 @@
 <file path=ppt/slides/slide8.xml><?xml version="1.0" encoding="utf-8"?>
 <p:sld xmlns:a="http://schemas.openxmlformats.org/drawingml/2006/main" xmlns:r="http://schemas.openxmlformats.org/officeDocument/2006/relationships" xmlns:p="http://schemas.openxmlformats.org/presentationml/2006/main">
   <p:cSld>
+    <p:bg>
+      <p:bgPr>
+        <a:solidFill>
+          <a:schemeClr val="bg1"/>
+        </a:solidFill>
+        <a:effectLst/>
+      </p:bgPr>
+    </p:bg>
     <p:spTree>
       <p:nvGrpSpPr>
         <p:cNvPr id="1" name=""/>
@@ -8996,13 +10728,20 @@
             <p:ph type="title"/>
           </p:nvPr>
         </p:nvSpPr>
-        <p:spPr/>
+        <p:spPr>
+          <a:xfrm>
+            <a:off x="838200" y="365125"/>
+            <a:ext cx="10515600" cy="1325563"/>
+          </a:xfrm>
+        </p:spPr>
         <p:txBody>
-          <a:bodyPr/>
+          <a:bodyPr>
+            <a:normAutofit/>
+          </a:bodyPr>
           <a:lstStyle/>
           <a:p>
             <a:r>
-              <a:rPr lang="de-DE" dirty="0"/>
+              <a:rPr lang="de-DE"/>
               <a:t>Anwendungsfälle - 1</a:t>
             </a:r>
             <a:endParaRPr lang="en-GB" dirty="0"/>
@@ -9025,20 +10764,20 @@
             <p:ph idx="1"/>
             <p:extLst>
               <p:ext uri="{D42A27DB-BD31-4B8C-83A1-F6EECF244321}">
-                <p14:modId xmlns:p14="http://schemas.microsoft.com/office/powerpoint/2010/main" val="3747404244"/>
+                <p14:modId xmlns:p14="http://schemas.microsoft.com/office/powerpoint/2010/main" val="3760078991"/>
               </p:ext>
             </p:extLst>
           </p:nvPr>
         </p:nvGraphicFramePr>
         <p:xfrm>
-          <a:off x="838200" y="1825625"/>
-          <a:ext cx="10515600" cy="3832860"/>
+          <a:off x="838200" y="2013617"/>
+          <a:ext cx="10515600" cy="3975354"/>
         </p:xfrm>
         <a:graphic>
           <a:graphicData uri="http://schemas.openxmlformats.org/drawingml/2006/table">
             <a:tbl>
               <a:tblPr firstRow="1" bandRow="1">
-                <a:tableStyleId>{5940675A-B579-460E-94D1-54222C63F5DA}</a:tableStyleId>
+                <a:tableStyleId>{8EC20E35-A176-4012-BC5E-935CFFF8708E}</a:tableStyleId>
               </a:tblPr>
               <a:tblGrid>
                 <a:gridCol w="2171330">
@@ -9056,23 +10795,20 @@
                   </a:extLst>
                 </a:gridCol>
               </a:tblGrid>
-              <a:tr h="370840">
-                <a:tc>
-                  <a:txBody>
-                    <a:bodyPr/>
-                    <a:lstStyle/>
-                    <a:p>
-                      <a:pPr>
-                        <a:spcAft>
-                          <a:spcPts val="0"/>
-                        </a:spcAft>
-                      </a:pPr>
-                      <a:r>
-                        <a:rPr lang="de-DE" sz="1800" kern="150" dirty="0">
-                          <a:effectLst/>
-                          <a:latin typeface="+mn-lt"/>
-                          <a:ea typeface="Bitstream Vera Serif"/>
-                          <a:cs typeface="Bitstream Vera Serif"/>
+              <a:tr h="380746">
+                <a:tc>
+                  <a:txBody>
+                    <a:bodyPr/>
+                    <a:lstStyle/>
+                    <a:p>
+                      <a:pPr>
+                        <a:spcAft>
+                          <a:spcPts val="0"/>
+                        </a:spcAft>
+                      </a:pPr>
+                      <a:r>
+                        <a:rPr lang="de-DE" sz="1800" kern="150">
+                          <a:effectLst/>
                         </a:rPr>
                         <a:t>Name</a:t>
                       </a:r>
@@ -9097,23 +10833,13 @@
                         </a:spcAft>
                       </a:pPr>
                       <a:r>
-                        <a:rPr lang="de-DE" sz="1800" kern="150" dirty="0">
-                          <a:effectLst/>
-                          <a:latin typeface="+mn-lt"/>
-                          <a:ea typeface="Bitstream Vera Serif"/>
-                          <a:cs typeface="Bitstream Vera Serif"/>
+                        <a:rPr lang="de-DE" sz="1800" kern="150">
+                          <a:effectLst/>
                         </a:rPr>
                         <a:t>Prozess </a:t>
                       </a:r>
                       <a:r>
-                        <a:rPr lang="de-DE" sz="1800" kern="1200" dirty="0">
-                          <a:solidFill>
-                            <a:schemeClr val="tx1"/>
-                          </a:solidFill>
-                          <a:latin typeface="+mn-lt"/>
-                          <a:ea typeface="+mn-ea"/>
-                          <a:cs typeface="+mn-cs"/>
-                        </a:rPr>
+                        <a:rPr lang="de-DE" sz="1800" kern="1200"/>
                         <a:t>simulieren</a:t>
                       </a:r>
                       <a:endParaRPr lang="en-GB" sz="1800" kern="1200" dirty="0">
@@ -9134,23 +10860,20 @@
                   </a:ext>
                 </a:extLst>
               </a:tr>
-              <a:tr h="370840">
-                <a:tc>
-                  <a:txBody>
-                    <a:bodyPr/>
-                    <a:lstStyle/>
-                    <a:p>
-                      <a:pPr>
-                        <a:spcAft>
-                          <a:spcPts val="0"/>
-                        </a:spcAft>
-                      </a:pPr>
-                      <a:r>
-                        <a:rPr lang="de-DE" sz="1800" kern="150" dirty="0">
-                          <a:effectLst/>
-                          <a:latin typeface="+mn-lt"/>
-                          <a:ea typeface="Bitstream Vera Serif"/>
-                          <a:cs typeface="Bitstream Vera Serif"/>
+              <a:tr h="380746">
+                <a:tc>
+                  <a:txBody>
+                    <a:bodyPr/>
+                    <a:lstStyle/>
+                    <a:p>
+                      <a:pPr>
+                        <a:spcAft>
+                          <a:spcPts val="0"/>
+                        </a:spcAft>
+                      </a:pPr>
+                      <a:r>
+                        <a:rPr lang="de-DE" sz="1800" kern="150">
+                          <a:effectLst/>
                         </a:rPr>
                         <a:t>Ziel</a:t>
                       </a:r>
@@ -9175,11 +10898,8 @@
                         </a:spcAft>
                       </a:pPr>
                       <a:r>
-                        <a:rPr lang="de-DE" sz="1800" kern="150" dirty="0">
-                          <a:effectLst/>
-                          <a:latin typeface="+mn-lt"/>
-                          <a:ea typeface="Bitstream Vera Serif"/>
-                          <a:cs typeface="Bitstream Vera Serif"/>
+                        <a:rPr lang="de-DE" sz="1800" kern="150">
+                          <a:effectLst/>
                         </a:rPr>
                         <a:t>Simulieren der eingestellten Flashkolonne durch lösen der entsprechenden GLS</a:t>
                       </a:r>
@@ -9199,23 +10919,20 @@
                   </a:ext>
                 </a:extLst>
               </a:tr>
-              <a:tr h="370840">
-                <a:tc>
-                  <a:txBody>
-                    <a:bodyPr/>
-                    <a:lstStyle/>
-                    <a:p>
-                      <a:pPr>
-                        <a:spcAft>
-                          <a:spcPts val="0"/>
-                        </a:spcAft>
-                      </a:pPr>
-                      <a:r>
-                        <a:rPr lang="de-DE" sz="1800" kern="150" dirty="0">
-                          <a:effectLst/>
-                          <a:latin typeface="+mn-lt"/>
-                          <a:ea typeface="Bitstream Vera Serif"/>
-                          <a:cs typeface="Bitstream Vera Serif"/>
+              <a:tr h="380746">
+                <a:tc>
+                  <a:txBody>
+                    <a:bodyPr/>
+                    <a:lstStyle/>
+                    <a:p>
+                      <a:pPr>
+                        <a:spcAft>
+                          <a:spcPts val="0"/>
+                        </a:spcAft>
+                      </a:pPr>
+                      <a:r>
+                        <a:rPr lang="de-DE" sz="1800" kern="150">
+                          <a:effectLst/>
                         </a:rPr>
                         <a:t>Einordnung</a:t>
                       </a:r>
@@ -9240,14 +10957,7 @@
                         </a:spcAft>
                       </a:pPr>
                       <a:r>
-                        <a:rPr lang="de-DE" sz="1800" kern="1200" dirty="0">
-                          <a:solidFill>
-                            <a:schemeClr val="tx1"/>
-                          </a:solidFill>
-                          <a:latin typeface="+mn-lt"/>
-                          <a:ea typeface="+mn-ea"/>
-                          <a:cs typeface="+mn-cs"/>
-                        </a:rPr>
+                        <a:rPr lang="de-DE" sz="1800" kern="1200"/>
                         <a:t>Hauptfunktion</a:t>
                       </a:r>
                       <a:endParaRPr lang="en-GB" sz="1800" kern="1200" dirty="0">
@@ -9268,23 +10978,20 @@
                   </a:ext>
                 </a:extLst>
               </a:tr>
-              <a:tr h="370840">
-                <a:tc>
-                  <a:txBody>
-                    <a:bodyPr/>
-                    <a:lstStyle/>
-                    <a:p>
-                      <a:pPr>
-                        <a:spcAft>
-                          <a:spcPts val="0"/>
-                        </a:spcAft>
-                      </a:pPr>
-                      <a:r>
-                        <a:rPr lang="de-DE" sz="1800" kern="150" dirty="0">
-                          <a:effectLst/>
-                          <a:latin typeface="+mn-lt"/>
-                          <a:ea typeface="Bitstream Vera Serif"/>
-                          <a:cs typeface="Bitstream Vera Serif"/>
+              <a:tr h="655066">
+                <a:tc>
+                  <a:txBody>
+                    <a:bodyPr/>
+                    <a:lstStyle/>
+                    <a:p>
+                      <a:pPr>
+                        <a:spcAft>
+                          <a:spcPts val="0"/>
+                        </a:spcAft>
+                      </a:pPr>
+                      <a:r>
+                        <a:rPr lang="de-DE" sz="1800" kern="150">
+                          <a:effectLst/>
                         </a:rPr>
                         <a:t>Vorbedingung</a:t>
                       </a:r>
@@ -9309,33 +11016,24 @@
                         </a:spcAft>
                       </a:pPr>
                       <a:r>
-                        <a:rPr lang="de-DE" sz="1800" kern="150" dirty="0">
-                          <a:effectLst/>
-                          <a:latin typeface="+mn-lt"/>
-                          <a:ea typeface="Bitstream Vera Serif"/>
-                          <a:cs typeface="Bitstream Vera Serif"/>
+                        <a:rPr lang="de-DE" sz="1800" kern="150">
+                          <a:effectLst/>
                         </a:rPr>
                         <a:t>Es existiert min. ein Flash Element.</a:t>
                       </a:r>
-                      <a:endParaRPr lang="en-GB" sz="1800" kern="150" dirty="0">
-                        <a:effectLst/>
-                        <a:latin typeface="+mn-lt"/>
-                        <a:ea typeface="Bitstream Vera Serif"/>
-                        <a:cs typeface="Bitstream Vera Serif"/>
-                      </a:endParaRPr>
-                    </a:p>
-                    <a:p>
-                      <a:pPr>
-                        <a:spcAft>
-                          <a:spcPts val="0"/>
-                        </a:spcAft>
-                      </a:pPr>
-                      <a:r>
-                        <a:rPr lang="de-DE" sz="1800" kern="150" dirty="0">
-                          <a:effectLst/>
-                          <a:latin typeface="+mn-lt"/>
-                          <a:ea typeface="Bitstream Vera Serif"/>
-                          <a:cs typeface="Bitstream Vera Serif"/>
+                      <a:endParaRPr lang="en-GB" sz="1800" kern="150">
+                        <a:effectLst/>
+                      </a:endParaRPr>
+                    </a:p>
+                    <a:p>
+                      <a:pPr>
+                        <a:spcAft>
+                          <a:spcPts val="0"/>
+                        </a:spcAft>
+                      </a:pPr>
+                      <a:r>
+                        <a:rPr lang="de-DE" sz="1800" kern="150">
+                          <a:effectLst/>
                         </a:rPr>
                         <a:t>Keine leeren Parameter.</a:t>
                       </a:r>
@@ -9355,23 +11053,20 @@
                   </a:ext>
                 </a:extLst>
               </a:tr>
-              <a:tr h="370840">
-                <a:tc>
-                  <a:txBody>
-                    <a:bodyPr/>
-                    <a:lstStyle/>
-                    <a:p>
-                      <a:pPr>
-                        <a:spcAft>
-                          <a:spcPts val="0"/>
-                        </a:spcAft>
-                      </a:pPr>
-                      <a:r>
-                        <a:rPr lang="de-DE" sz="1800" kern="150" dirty="0">
-                          <a:effectLst/>
-                          <a:latin typeface="+mn-lt"/>
-                          <a:ea typeface="Bitstream Vera Serif"/>
-                          <a:cs typeface="Bitstream Vera Serif"/>
+              <a:tr h="380746">
+                <a:tc>
+                  <a:txBody>
+                    <a:bodyPr/>
+                    <a:lstStyle/>
+                    <a:p>
+                      <a:pPr>
+                        <a:spcAft>
+                          <a:spcPts val="0"/>
+                        </a:spcAft>
+                      </a:pPr>
+                      <a:r>
+                        <a:rPr lang="de-DE" sz="1800" kern="150">
+                          <a:effectLst/>
                         </a:rPr>
                         <a:t>Nachbedingung</a:t>
                       </a:r>
@@ -9396,11 +11091,8 @@
                         </a:spcAft>
                       </a:pPr>
                       <a:r>
-                        <a:rPr lang="de-DE" sz="1800" kern="150" dirty="0">
-                          <a:effectLst/>
-                          <a:latin typeface="+mn-lt"/>
-                          <a:ea typeface="Bitstream Vera Serif"/>
-                          <a:cs typeface="Bitstream Vera Serif"/>
+                        <a:rPr lang="de-DE" sz="1800" kern="150">
+                          <a:effectLst/>
                         </a:rPr>
                         <a:t>die gesuchten Größen wurden berechnet und sind in einer Datei abgespeichert</a:t>
                       </a:r>
@@ -9420,23 +11112,20 @@
                   </a:ext>
                 </a:extLst>
               </a:tr>
-              <a:tr h="370840">
-                <a:tc>
-                  <a:txBody>
-                    <a:bodyPr/>
-                    <a:lstStyle/>
-                    <a:p>
-                      <a:pPr>
-                        <a:spcAft>
-                          <a:spcPts val="0"/>
-                        </a:spcAft>
-                      </a:pPr>
-                      <a:r>
-                        <a:rPr lang="de-DE" sz="1800" kern="150" dirty="0">
-                          <a:effectLst/>
-                          <a:latin typeface="+mn-lt"/>
-                          <a:ea typeface="Bitstream Vera Serif"/>
-                          <a:cs typeface="Bitstream Vera Serif"/>
+              <a:tr h="655066">
+                <a:tc>
+                  <a:txBody>
+                    <a:bodyPr/>
+                    <a:lstStyle/>
+                    <a:p>
+                      <a:pPr>
+                        <a:spcAft>
+                          <a:spcPts val="0"/>
+                        </a:spcAft>
+                      </a:pPr>
+                      <a:r>
+                        <a:rPr lang="de-DE" sz="1800" kern="150">
+                          <a:effectLst/>
                         </a:rPr>
                         <a:t>Nachbedingung im Fehlerfall</a:t>
                       </a:r>
@@ -9461,11 +11150,8 @@
                         </a:spcAft>
                       </a:pPr>
                       <a:r>
-                        <a:rPr lang="de-DE" sz="1800" kern="150" dirty="0">
-                          <a:effectLst/>
-                          <a:latin typeface="+mn-lt"/>
-                          <a:ea typeface="Bitstream Vera Serif"/>
-                          <a:cs typeface="Bitstream Vera Serif"/>
+                        <a:rPr lang="de-DE" sz="1800" kern="150">
+                          <a:effectLst/>
                         </a:rPr>
                         <a:t>ungelöste erzeugte Flash System bleiben weiterhin unverändert.</a:t>
                       </a:r>
@@ -9485,23 +11171,20 @@
                   </a:ext>
                 </a:extLst>
               </a:tr>
-              <a:tr h="370840">
-                <a:tc>
-                  <a:txBody>
-                    <a:bodyPr/>
-                    <a:lstStyle/>
-                    <a:p>
-                      <a:pPr>
-                        <a:spcAft>
-                          <a:spcPts val="0"/>
-                        </a:spcAft>
-                      </a:pPr>
-                      <a:r>
-                        <a:rPr lang="de-DE" sz="1800" kern="150" dirty="0">
-                          <a:effectLst/>
-                          <a:latin typeface="+mn-lt"/>
-                          <a:ea typeface="Bitstream Vera Serif"/>
-                          <a:cs typeface="Bitstream Vera Serif"/>
+              <a:tr h="380746">
+                <a:tc>
+                  <a:txBody>
+                    <a:bodyPr/>
+                    <a:lstStyle/>
+                    <a:p>
+                      <a:pPr>
+                        <a:spcAft>
+                          <a:spcPts val="0"/>
+                        </a:spcAft>
+                      </a:pPr>
+                      <a:r>
+                        <a:rPr lang="de-DE" sz="1800" kern="150">
+                          <a:effectLst/>
                         </a:rPr>
                         <a:t>Hauptakteur</a:t>
                       </a:r>
@@ -9526,11 +11209,8 @@
                         </a:spcAft>
                       </a:pPr>
                       <a:r>
-                        <a:rPr lang="de-DE" sz="1800" kern="150" dirty="0">
-                          <a:effectLst/>
-                          <a:latin typeface="+mn-lt"/>
-                          <a:ea typeface="Bitstream Vera Serif"/>
-                          <a:cs typeface="Bitstream Vera Serif"/>
+                        <a:rPr lang="de-DE" sz="1800" kern="150">
+                          <a:effectLst/>
                         </a:rPr>
                         <a:t>Nutzer</a:t>
                       </a:r>
@@ -9550,23 +11230,20 @@
                   </a:ext>
                 </a:extLst>
               </a:tr>
-              <a:tr h="370840">
-                <a:tc>
-                  <a:txBody>
-                    <a:bodyPr/>
-                    <a:lstStyle/>
-                    <a:p>
-                      <a:pPr>
-                        <a:spcAft>
-                          <a:spcPts val="0"/>
-                        </a:spcAft>
-                      </a:pPr>
-                      <a:r>
-                        <a:rPr lang="de-DE" sz="1800" kern="150" dirty="0">
-                          <a:effectLst/>
-                          <a:latin typeface="+mn-lt"/>
-                          <a:ea typeface="Bitstream Vera Serif"/>
-                          <a:cs typeface="Bitstream Vera Serif"/>
+              <a:tr h="380746">
+                <a:tc>
+                  <a:txBody>
+                    <a:bodyPr/>
+                    <a:lstStyle/>
+                    <a:p>
+                      <a:pPr>
+                        <a:spcAft>
+                          <a:spcPts val="0"/>
+                        </a:spcAft>
+                      </a:pPr>
+                      <a:r>
+                        <a:rPr lang="de-DE" sz="1800" kern="150">
+                          <a:effectLst/>
                         </a:rPr>
                         <a:t>Nebenakteure</a:t>
                       </a:r>
@@ -9591,11 +11268,8 @@
                         </a:spcAft>
                       </a:pPr>
                       <a:r>
-                        <a:rPr lang="de-DE" sz="1800" kern="150" dirty="0">
-                          <a:effectLst/>
-                          <a:latin typeface="+mn-lt"/>
-                          <a:ea typeface="Bitstream Vera Serif"/>
-                          <a:cs typeface="Bitstream Vera Serif"/>
+                        <a:rPr lang="de-DE" sz="1800" kern="150">
+                          <a:effectLst/>
                         </a:rPr>
                         <a:t> -</a:t>
                       </a:r>
@@ -9615,23 +11289,20 @@
                   </a:ext>
                 </a:extLst>
               </a:tr>
-              <a:tr h="370840">
-                <a:tc>
-                  <a:txBody>
-                    <a:bodyPr/>
-                    <a:lstStyle/>
-                    <a:p>
-                      <a:pPr>
-                        <a:spcAft>
-                          <a:spcPts val="0"/>
-                        </a:spcAft>
-                      </a:pPr>
-                      <a:r>
-                        <a:rPr lang="de-DE" sz="1800" kern="150" dirty="0">
-                          <a:effectLst/>
-                          <a:latin typeface="+mn-lt"/>
-                          <a:ea typeface="Bitstream Vera Serif"/>
-                          <a:cs typeface="Bitstream Vera Serif"/>
+              <a:tr h="380746">
+                <a:tc>
+                  <a:txBody>
+                    <a:bodyPr/>
+                    <a:lstStyle/>
+                    <a:p>
+                      <a:pPr>
+                        <a:spcAft>
+                          <a:spcPts val="0"/>
+                        </a:spcAft>
+                      </a:pPr>
+                      <a:r>
+                        <a:rPr lang="de-DE" sz="1800" kern="150">
+                          <a:effectLst/>
                         </a:rPr>
                         <a:t>Auslöser</a:t>
                       </a:r>
@@ -9656,11 +11327,8 @@
                         </a:spcAft>
                       </a:pPr>
                       <a:r>
-                        <a:rPr lang="de-DE" sz="1800" kern="150" dirty="0">
-                          <a:effectLst/>
-                          <a:latin typeface="+mn-lt"/>
-                          <a:ea typeface="Bitstream Vera Serif"/>
-                          <a:cs typeface="Bitstream Vera Serif"/>
+                        <a:rPr lang="de-DE" sz="1800" kern="150">
+                          <a:effectLst/>
                         </a:rPr>
                         <a:t>Auswahl der Option aus dem Menü</a:t>
                       </a:r>
@@ -9700,6 +11368,14 @@
 <file path=ppt/slides/slide9.xml><?xml version="1.0" encoding="utf-8"?>
 <p:sld xmlns:a="http://schemas.openxmlformats.org/drawingml/2006/main" xmlns:r="http://schemas.openxmlformats.org/officeDocument/2006/relationships" xmlns:p="http://schemas.openxmlformats.org/presentationml/2006/main">
   <p:cSld>
+    <p:bg>
+      <p:bgPr>
+        <a:solidFill>
+          <a:schemeClr val="bg1"/>
+        </a:solidFill>
+        <a:effectLst/>
+      </p:bgPr>
+    </p:bg>
     <p:spTree>
       <p:nvGrpSpPr>
         <p:cNvPr id="1" name=""/>
@@ -9730,16 +11406,23 @@
             <p:ph type="title"/>
           </p:nvPr>
         </p:nvSpPr>
-        <p:spPr/>
+        <p:spPr>
+          <a:xfrm>
+            <a:off x="838200" y="365125"/>
+            <a:ext cx="10515600" cy="1325563"/>
+          </a:xfrm>
+        </p:spPr>
         <p:txBody>
-          <a:bodyPr/>
+          <a:bodyPr>
+            <a:normAutofit/>
+          </a:bodyPr>
           <a:lstStyle/>
           <a:p>
             <a:r>
-              <a:rPr lang="de-DE" dirty="0"/>
+              <a:rPr lang="de-DE"/>
               <a:t>Anwendungsfälle - 1</a:t>
             </a:r>
-            <a:endParaRPr lang="en-GB" dirty="0"/>
+            <a:endParaRPr lang="en-GB"/>
           </a:p>
         </p:txBody>
       </p:sp>
@@ -9759,37 +11442,37 @@
             <p:ph idx="1"/>
             <p:extLst>
               <p:ext uri="{D42A27DB-BD31-4B8C-83A1-F6EECF244321}">
-                <p14:modId xmlns:p14="http://schemas.microsoft.com/office/powerpoint/2010/main" val="1110409992"/>
+                <p14:modId xmlns:p14="http://schemas.microsoft.com/office/powerpoint/2010/main" val="3035528299"/>
               </p:ext>
             </p:extLst>
           </p:nvPr>
         </p:nvGraphicFramePr>
         <p:xfrm>
-          <a:off x="838200" y="1825625"/>
-          <a:ext cx="10515600" cy="2472690"/>
+          <a:off x="838200" y="2675829"/>
+          <a:ext cx="10515601" cy="2650934"/>
         </p:xfrm>
         <a:graphic>
           <a:graphicData uri="http://schemas.openxmlformats.org/drawingml/2006/table">
             <a:tbl>
               <a:tblPr firstRow="1" bandRow="1">
-                <a:tableStyleId>{5940675A-B579-460E-94D1-54222C63F5DA}</a:tableStyleId>
+                <a:tableStyleId>{8EC20E35-A176-4012-BC5E-935CFFF8708E}</a:tableStyleId>
               </a:tblPr>
               <a:tblGrid>
-                <a:gridCol w="2171330">
+                <a:gridCol w="2171257">
                   <a:extLst>
                     <a:ext uri="{9D8B030D-6E8A-4147-A177-3AD203B41FA5}">
                       <a16:colId xmlns:a16="http://schemas.microsoft.com/office/drawing/2014/main" val="4184748070"/>
                     </a:ext>
                   </a:extLst>
                 </a:gridCol>
-                <a:gridCol w="923278">
+                <a:gridCol w="923602">
                   <a:extLst>
                     <a:ext uri="{9D8B030D-6E8A-4147-A177-3AD203B41FA5}">
                       <a16:colId xmlns:a16="http://schemas.microsoft.com/office/drawing/2014/main" val="3586629851"/>
                     </a:ext>
                   </a:extLst>
                 </a:gridCol>
-                <a:gridCol w="7420992">
+                <a:gridCol w="7420742">
                   <a:extLst>
                     <a:ext uri="{9D8B030D-6E8A-4147-A177-3AD203B41FA5}">
                       <a16:colId xmlns:a16="http://schemas.microsoft.com/office/drawing/2014/main" val="2874087002"/>
@@ -9797,23 +11480,20 @@
                   </a:extLst>
                 </a:gridCol>
               </a:tblGrid>
-              <a:tr h="370840">
-                <a:tc>
-                  <a:txBody>
-                    <a:bodyPr/>
-                    <a:lstStyle/>
-                    <a:p>
-                      <a:pPr>
-                        <a:spcAft>
-                          <a:spcPts val="0"/>
-                        </a:spcAft>
-                      </a:pPr>
-                      <a:r>
-                        <a:rPr lang="de-DE" sz="1800" kern="150" dirty="0">
-                          <a:effectLst/>
-                          <a:latin typeface="+mn-lt"/>
-                          <a:ea typeface="Bitstream Vera Serif"/>
-                          <a:cs typeface="Bitstream Vera Serif"/>
+              <a:tr h="387859">
+                <a:tc>
+                  <a:txBody>
+                    <a:bodyPr/>
+                    <a:lstStyle/>
+                    <a:p>
+                      <a:pPr>
+                        <a:spcAft>
+                          <a:spcPts val="0"/>
+                        </a:spcAft>
+                      </a:pPr>
+                      <a:r>
+                        <a:rPr lang="de-DE" sz="1800" kern="150">
+                          <a:effectLst/>
                         </a:rPr>
                         <a:t>Standardablauf</a:t>
                       </a:r>
@@ -9825,24 +11505,21 @@
                       </a:endParaRPr>
                     </a:p>
                   </a:txBody>
-                  <a:tcPr marL="34925" marR="34925" marT="34925" marB="34925"/>
-                </a:tc>
-                <a:tc>
-                  <a:txBody>
-                    <a:bodyPr/>
-                    <a:lstStyle/>
-                    <a:p>
-                      <a:pPr>
-                        <a:spcAft>
-                          <a:spcPts val="0"/>
-                        </a:spcAft>
-                      </a:pPr>
-                      <a:r>
-                        <a:rPr lang="de-DE" sz="1800" kern="150" dirty="0">
-                          <a:effectLst/>
-                          <a:latin typeface="+mn-lt"/>
-                          <a:ea typeface="Bitstream Vera Serif"/>
-                          <a:cs typeface="Bitstream Vera Serif"/>
+                  <a:tcPr marL="34923" marR="34923" marT="34923" marB="34923"/>
+                </a:tc>
+                <a:tc>
+                  <a:txBody>
+                    <a:bodyPr/>
+                    <a:lstStyle/>
+                    <a:p>
+                      <a:pPr>
+                        <a:spcAft>
+                          <a:spcPts val="0"/>
+                        </a:spcAft>
+                      </a:pPr>
+                      <a:r>
+                        <a:rPr lang="de-DE" sz="1800" kern="150">
+                          <a:effectLst/>
                         </a:rPr>
                         <a:t>Schritt</a:t>
                       </a:r>
@@ -9854,24 +11531,21 @@
                       </a:endParaRPr>
                     </a:p>
                   </a:txBody>
-                  <a:tcPr marL="34925" marR="34925" marT="34925" marB="34925"/>
-                </a:tc>
-                <a:tc>
-                  <a:txBody>
-                    <a:bodyPr/>
-                    <a:lstStyle/>
-                    <a:p>
-                      <a:pPr>
-                        <a:spcAft>
-                          <a:spcPts val="0"/>
-                        </a:spcAft>
-                      </a:pPr>
-                      <a:r>
-                        <a:rPr lang="de-DE" sz="1800" kern="150" dirty="0">
-                          <a:effectLst/>
-                          <a:latin typeface="+mn-lt"/>
-                          <a:ea typeface="Bitstream Vera Serif"/>
-                          <a:cs typeface="Bitstream Vera Serif"/>
+                  <a:tcPr marL="34923" marR="34923" marT="34923" marB="34923"/>
+                </a:tc>
+                <a:tc>
+                  <a:txBody>
+                    <a:bodyPr/>
+                    <a:lstStyle/>
+                    <a:p>
+                      <a:pPr>
+                        <a:spcAft>
+                          <a:spcPts val="0"/>
+                        </a:spcAft>
+                      </a:pPr>
+                      <a:r>
+                        <a:rPr lang="de-DE" sz="1800" kern="150">
+                          <a:effectLst/>
                         </a:rPr>
                         <a:t>Aktion</a:t>
                       </a:r>
@@ -9883,7 +11557,7 @@
                       </a:endParaRPr>
                     </a:p>
                   </a:txBody>
-                  <a:tcPr marL="34925" marR="34925" marT="34925" marB="34925"/>
+                  <a:tcPr marL="34923" marR="34923" marT="34923" marB="34923"/>
                 </a:tc>
                 <a:extLst>
                   <a:ext uri="{0D108BD9-81ED-4DB2-BD59-A6C34878D82A}">
@@ -9891,23 +11565,20 @@
                   </a:ext>
                 </a:extLst>
               </a:tr>
-              <a:tr h="370840">
-                <a:tc>
-                  <a:txBody>
-                    <a:bodyPr/>
-                    <a:lstStyle/>
-                    <a:p>
-                      <a:pPr>
-                        <a:spcAft>
-                          <a:spcPts val="0"/>
-                        </a:spcAft>
-                      </a:pPr>
-                      <a:r>
-                        <a:rPr lang="de-DE" sz="1800" kern="150" dirty="0">
-                          <a:effectLst/>
-                          <a:latin typeface="+mn-lt"/>
-                          <a:ea typeface="Bitstream Vera Serif"/>
-                          <a:cs typeface="Bitstream Vera Serif"/>
+              <a:tr h="387859">
+                <a:tc>
+                  <a:txBody>
+                    <a:bodyPr/>
+                    <a:lstStyle/>
+                    <a:p>
+                      <a:pPr>
+                        <a:spcAft>
+                          <a:spcPts val="0"/>
+                        </a:spcAft>
+                      </a:pPr>
+                      <a:r>
+                        <a:rPr lang="de-DE" sz="1800" kern="150">
+                          <a:effectLst/>
                         </a:rPr>
                         <a:t> </a:t>
                       </a:r>
@@ -9919,7 +11590,7 @@
                       </a:endParaRPr>
                     </a:p>
                   </a:txBody>
-                  <a:tcPr marL="34925" marR="34925" marT="34925" marB="34925"/>
+                  <a:tcPr marL="34923" marR="34923" marT="34923" marB="34923"/>
                 </a:tc>
                 <a:tc>
                   <a:txBody>
@@ -9932,11 +11603,8 @@
                         </a:spcAft>
                       </a:pPr>
                       <a:r>
-                        <a:rPr lang="de-DE" sz="1800" kern="150" dirty="0">
-                          <a:effectLst/>
-                          <a:latin typeface="+mn-lt"/>
-                          <a:ea typeface="Bitstream Vera Serif"/>
-                          <a:cs typeface="Bitstream Vera Serif"/>
+                        <a:rPr lang="de-DE" sz="1800" kern="150">
+                          <a:effectLst/>
                         </a:rPr>
                         <a:t>1</a:t>
                       </a:r>
@@ -9948,24 +11616,21 @@
                       </a:endParaRPr>
                     </a:p>
                   </a:txBody>
-                  <a:tcPr marL="34925" marR="34925" marT="34925" marB="34925"/>
-                </a:tc>
-                <a:tc>
-                  <a:txBody>
-                    <a:bodyPr/>
-                    <a:lstStyle/>
-                    <a:p>
-                      <a:pPr>
-                        <a:spcAft>
-                          <a:spcPts val="0"/>
-                        </a:spcAft>
-                      </a:pPr>
-                      <a:r>
-                        <a:rPr lang="de-DE" sz="1800" kern="150" dirty="0">
-                          <a:effectLst/>
-                          <a:latin typeface="+mn-lt"/>
-                          <a:ea typeface="Bitstream Vera Serif"/>
-                          <a:cs typeface="Bitstream Vera Serif"/>
+                  <a:tcPr marL="34923" marR="34923" marT="34923" marB="34923"/>
+                </a:tc>
+                <a:tc>
+                  <a:txBody>
+                    <a:bodyPr/>
+                    <a:lstStyle/>
+                    <a:p>
+                      <a:pPr>
+                        <a:spcAft>
+                          <a:spcPts val="0"/>
+                        </a:spcAft>
+                      </a:pPr>
+                      <a:r>
+                        <a:rPr lang="de-DE" sz="1800" kern="150">
+                          <a:effectLst/>
                         </a:rPr>
                         <a:t>Nutzer wählt die Option Prozess simulieren</a:t>
                       </a:r>
@@ -9977,7 +11642,7 @@
                       </a:endParaRPr>
                     </a:p>
                   </a:txBody>
-                  <a:tcPr marL="34925" marR="34925" marT="34925" marB="34925"/>
+                  <a:tcPr marL="34923" marR="34923" marT="34923" marB="34923"/>
                 </a:tc>
                 <a:extLst>
                   <a:ext uri="{0D108BD9-81ED-4DB2-BD59-A6C34878D82A}">
@@ -9985,23 +11650,20 @@
                   </a:ext>
                 </a:extLst>
               </a:tr>
-              <a:tr h="370840">
-                <a:tc>
-                  <a:txBody>
-                    <a:bodyPr/>
-                    <a:lstStyle/>
-                    <a:p>
-                      <a:pPr>
-                        <a:spcAft>
-                          <a:spcPts val="0"/>
-                        </a:spcAft>
-                      </a:pPr>
-                      <a:r>
-                        <a:rPr lang="de-DE" sz="1800" kern="150" dirty="0">
-                          <a:effectLst/>
-                          <a:latin typeface="+mn-lt"/>
-                          <a:ea typeface="Bitstream Vera Serif"/>
-                          <a:cs typeface="Bitstream Vera Serif"/>
+              <a:tr h="668457">
+                <a:tc>
+                  <a:txBody>
+                    <a:bodyPr/>
+                    <a:lstStyle/>
+                    <a:p>
+                      <a:pPr>
+                        <a:spcAft>
+                          <a:spcPts val="0"/>
+                        </a:spcAft>
+                      </a:pPr>
+                      <a:r>
+                        <a:rPr lang="de-DE" sz="1800" kern="150">
+                          <a:effectLst/>
                         </a:rPr>
                         <a:t> </a:t>
                       </a:r>
@@ -10013,7 +11675,7 @@
                       </a:endParaRPr>
                     </a:p>
                   </a:txBody>
-                  <a:tcPr marL="34925" marR="34925" marT="34925" marB="34925"/>
+                  <a:tcPr marL="34923" marR="34923" marT="34923" marB="34923"/>
                 </a:tc>
                 <a:tc>
                   <a:txBody>
@@ -10026,11 +11688,8 @@
                         </a:spcAft>
                       </a:pPr>
                       <a:r>
-                        <a:rPr lang="de-DE" sz="1800" kern="150" dirty="0">
-                          <a:effectLst/>
-                          <a:latin typeface="+mn-lt"/>
-                          <a:ea typeface="Bitstream Vera Serif"/>
-                          <a:cs typeface="Bitstream Vera Serif"/>
+                        <a:rPr lang="de-DE" sz="1800" kern="150">
+                          <a:effectLst/>
                         </a:rPr>
                         <a:t>2</a:t>
                       </a:r>
@@ -10042,24 +11701,21 @@
                       </a:endParaRPr>
                     </a:p>
                   </a:txBody>
-                  <a:tcPr marL="34925" marR="34925" marT="34925" marB="34925"/>
-                </a:tc>
-                <a:tc>
-                  <a:txBody>
-                    <a:bodyPr/>
-                    <a:lstStyle/>
-                    <a:p>
-                      <a:pPr>
-                        <a:spcAft>
-                          <a:spcPts val="0"/>
-                        </a:spcAft>
-                      </a:pPr>
-                      <a:r>
-                        <a:rPr lang="de-DE" sz="1800" kern="150" dirty="0">
-                          <a:effectLst/>
-                          <a:latin typeface="+mn-lt"/>
-                          <a:ea typeface="Bitstream Vera Serif"/>
-                          <a:cs typeface="Bitstream Vera Serif"/>
+                  <a:tcPr marL="34923" marR="34923" marT="34923" marB="34923"/>
+                </a:tc>
+                <a:tc>
+                  <a:txBody>
+                    <a:bodyPr/>
+                    <a:lstStyle/>
+                    <a:p>
+                      <a:pPr>
+                        <a:spcAft>
+                          <a:spcPts val="0"/>
+                        </a:spcAft>
+                      </a:pPr>
+                      <a:r>
+                        <a:rPr lang="de-DE" sz="1800" kern="150">
+                          <a:effectLst/>
                         </a:rPr>
                         <a:t>Berechnung wird durchgeführt und die entsprechend bestimmten Größen werden gespeichert</a:t>
                       </a:r>
@@ -10071,7 +11727,7 @@
                       </a:endParaRPr>
                     </a:p>
                   </a:txBody>
-                  <a:tcPr marL="34925" marR="34925" marT="34925" marB="34925"/>
+                  <a:tcPr marL="34923" marR="34923" marT="34923" marB="34923"/>
                 </a:tc>
                 <a:extLst>
                   <a:ext uri="{0D108BD9-81ED-4DB2-BD59-A6C34878D82A}">
@@ -10079,23 +11735,20 @@
                   </a:ext>
                 </a:extLst>
               </a:tr>
-              <a:tr h="370840">
-                <a:tc>
-                  <a:txBody>
-                    <a:bodyPr/>
-                    <a:lstStyle/>
-                    <a:p>
-                      <a:pPr>
-                        <a:spcAft>
-                          <a:spcPts val="0"/>
-                        </a:spcAft>
-                      </a:pPr>
-                      <a:r>
-                        <a:rPr lang="de-DE" sz="1800" kern="150" dirty="0">
-                          <a:effectLst/>
-                          <a:latin typeface="+mn-lt"/>
-                          <a:ea typeface="Bitstream Vera Serif"/>
-                          <a:cs typeface="Bitstream Vera Serif"/>
+              <a:tr h="387859">
+                <a:tc>
+                  <a:txBody>
+                    <a:bodyPr/>
+                    <a:lstStyle/>
+                    <a:p>
+                      <a:pPr>
+                        <a:spcAft>
+                          <a:spcPts val="0"/>
+                        </a:spcAft>
+                      </a:pPr>
+                      <a:r>
+                        <a:rPr lang="de-DE" sz="1800" kern="150">
+                          <a:effectLst/>
                         </a:rPr>
                         <a:t> </a:t>
                       </a:r>
@@ -10107,7 +11760,7 @@
                       </a:endParaRPr>
                     </a:p>
                   </a:txBody>
-                  <a:tcPr marL="34925" marR="34925" marT="34925" marB="34925"/>
+                  <a:tcPr marL="34923" marR="34923" marT="34923" marB="34923"/>
                 </a:tc>
                 <a:tc>
                   <a:txBody>
@@ -10120,11 +11773,8 @@
                         </a:spcAft>
                       </a:pPr>
                       <a:r>
-                        <a:rPr lang="de-DE" sz="1800" kern="150" dirty="0">
-                          <a:effectLst/>
-                          <a:latin typeface="+mn-lt"/>
-                          <a:ea typeface="Bitstream Vera Serif"/>
-                          <a:cs typeface="Bitstream Vera Serif"/>
+                        <a:rPr lang="de-DE" sz="1800" kern="150">
+                          <a:effectLst/>
                         </a:rPr>
                         <a:t>3</a:t>
                       </a:r>
@@ -10136,24 +11786,21 @@
                       </a:endParaRPr>
                     </a:p>
                   </a:txBody>
-                  <a:tcPr marL="34925" marR="34925" marT="34925" marB="34925"/>
-                </a:tc>
-                <a:tc>
-                  <a:txBody>
-                    <a:bodyPr/>
-                    <a:lstStyle/>
-                    <a:p>
-                      <a:pPr>
-                        <a:spcAft>
-                          <a:spcPts val="0"/>
-                        </a:spcAft>
-                      </a:pPr>
-                      <a:r>
-                        <a:rPr lang="de-DE" sz="1800" kern="150" dirty="0">
-                          <a:effectLst/>
-                          <a:latin typeface="+mn-lt"/>
-                          <a:ea typeface="Bitstream Vera Serif"/>
-                          <a:cs typeface="Bitstream Vera Serif"/>
+                  <a:tcPr marL="34923" marR="34923" marT="34923" marB="34923"/>
+                </a:tc>
+                <a:tc>
+                  <a:txBody>
+                    <a:bodyPr/>
+                    <a:lstStyle/>
+                    <a:p>
+                      <a:pPr>
+                        <a:spcAft>
+                          <a:spcPts val="0"/>
+                        </a:spcAft>
+                      </a:pPr>
+                      <a:r>
+                        <a:rPr lang="de-DE" sz="1800" kern="150">
+                          <a:effectLst/>
                         </a:rPr>
                         <a:t>Rückkehr zum Standardbildschirm</a:t>
                       </a:r>
@@ -10165,7 +11812,7 @@
                       </a:endParaRPr>
                     </a:p>
                   </a:txBody>
-                  <a:tcPr marL="34925" marR="34925" marT="34925" marB="34925"/>
+                  <a:tcPr marL="34923" marR="34923" marT="34923" marB="34923"/>
                 </a:tc>
                 <a:extLst>
                   <a:ext uri="{0D108BD9-81ED-4DB2-BD59-A6C34878D82A}">
@@ -10173,48 +11820,48 @@
                   </a:ext>
                 </a:extLst>
               </a:tr>
-              <a:tr h="370840">
-                <a:tc>
-                  <a:txBody>
-                    <a:bodyPr/>
-                    <a:lstStyle/>
-                    <a:p>
-                      <a:r>
-                        <a:rPr lang="de-DE" dirty="0"/>
+              <a:tr h="409450">
+                <a:tc>
+                  <a:txBody>
+                    <a:bodyPr/>
+                    <a:lstStyle/>
+                    <a:p>
+                      <a:r>
+                        <a:rPr lang="de-DE" sz="1800"/>
                         <a:t>Verzweigungen</a:t>
                       </a:r>
-                      <a:endParaRPr lang="en-GB" dirty="0"/>
-                    </a:p>
-                  </a:txBody>
-                  <a:tcPr/>
-                </a:tc>
-                <a:tc>
-                  <a:txBody>
-                    <a:bodyPr/>
-                    <a:lstStyle/>
-                    <a:p>
-                      <a:r>
-                        <a:rPr lang="de-DE" dirty="0"/>
+                      <a:endParaRPr lang="en-GB" sz="1800"/>
+                    </a:p>
+                  </a:txBody>
+                  <a:tcPr marL="91437" marR="91437" marT="45719" marB="45719"/>
+                </a:tc>
+                <a:tc>
+                  <a:txBody>
+                    <a:bodyPr/>
+                    <a:lstStyle/>
+                    <a:p>
+                      <a:r>
+                        <a:rPr lang="de-DE" sz="1800"/>
                         <a:t>Schritt</a:t>
                       </a:r>
-                      <a:endParaRPr lang="en-GB" dirty="0"/>
-                    </a:p>
-                  </a:txBody>
-                  <a:tcPr/>
-                </a:tc>
-                <a:tc>
-                  <a:txBody>
-                    <a:bodyPr/>
-                    <a:lstStyle/>
-                    <a:p>
-                      <a:r>
-                        <a:rPr lang="de-DE" dirty="0"/>
+                      <a:endParaRPr lang="en-GB" sz="1800"/>
+                    </a:p>
+                  </a:txBody>
+                  <a:tcPr marL="91437" marR="91437" marT="45719" marB="45719"/>
+                </a:tc>
+                <a:tc>
+                  <a:txBody>
+                    <a:bodyPr/>
+                    <a:lstStyle/>
+                    <a:p>
+                      <a:r>
+                        <a:rPr lang="de-DE" sz="1800"/>
                         <a:t>Aktion</a:t>
                       </a:r>
-                      <a:endParaRPr lang="en-GB" dirty="0"/>
-                    </a:p>
-                  </a:txBody>
-                  <a:tcPr/>
+                      <a:endParaRPr lang="en-GB" sz="1800"/>
+                    </a:p>
+                  </a:txBody>
+                  <a:tcPr marL="91437" marR="91437" marT="45719" marB="45719"/>
                 </a:tc>
                 <a:extLst>
                   <a:ext uri="{0D108BD9-81ED-4DB2-BD59-A6C34878D82A}">
@@ -10222,40 +11869,40 @@
                   </a:ext>
                 </a:extLst>
               </a:tr>
-              <a:tr h="370840">
-                <a:tc>
-                  <a:txBody>
-                    <a:bodyPr/>
-                    <a:lstStyle/>
-                    <a:p>
-                      <a:endParaRPr lang="en-GB" dirty="0"/>
-                    </a:p>
-                  </a:txBody>
-                  <a:tcPr/>
-                </a:tc>
-                <a:tc>
-                  <a:txBody>
-                    <a:bodyPr/>
-                    <a:lstStyle/>
-                    <a:p>
-                      <a:r>
-                        <a:rPr lang="de-DE" dirty="0"/>
+              <a:tr h="409450">
+                <a:tc>
+                  <a:txBody>
+                    <a:bodyPr/>
+                    <a:lstStyle/>
+                    <a:p>
+                      <a:endParaRPr lang="en-GB" sz="1800"/>
+                    </a:p>
+                  </a:txBody>
+                  <a:tcPr marL="91437" marR="91437" marT="45719" marB="45719"/>
+                </a:tc>
+                <a:tc>
+                  <a:txBody>
+                    <a:bodyPr/>
+                    <a:lstStyle/>
+                    <a:p>
+                      <a:r>
+                        <a:rPr lang="de-DE" sz="1800"/>
                         <a:t>-</a:t>
                       </a:r>
-                      <a:endParaRPr lang="en-GB" dirty="0"/>
-                    </a:p>
-                  </a:txBody>
-                  <a:tcPr/>
-                </a:tc>
-                <a:tc>
-                  <a:txBody>
-                    <a:bodyPr/>
-                    <a:lstStyle/>
-                    <a:p>
-                      <a:endParaRPr lang="en-GB" dirty="0"/>
-                    </a:p>
-                  </a:txBody>
-                  <a:tcPr/>
+                      <a:endParaRPr lang="en-GB" sz="1800"/>
+                    </a:p>
+                  </a:txBody>
+                  <a:tcPr marL="91437" marR="91437" marT="45719" marB="45719"/>
+                </a:tc>
+                <a:tc>
+                  <a:txBody>
+                    <a:bodyPr/>
+                    <a:lstStyle/>
+                    <a:p>
+                      <a:endParaRPr lang="en-GB" sz="1800"/>
+                    </a:p>
+                  </a:txBody>
+                  <a:tcPr marL="91437" marR="91437" marT="45719" marB="45719"/>
                 </a:tc>
                 <a:extLst>
                   <a:ext uri="{0D108BD9-81ED-4DB2-BD59-A6C34878D82A}">
